--- a/Documents for Progress/StatusReport_Eff_SignalOverBkg_AllMVA_allbtag_07_05_19.pptx
+++ b/Documents for Progress/StatusReport_Eff_SignalOverBkg_AllMVA_allbtag_07_05_19.pptx
@@ -5,27 +5,28 @@
     <p:sldMasterId id="2147483875" r:id="rId1"/>
   </p:sldMasterIdLst>
   <p:notesMasterIdLst>
-    <p:notesMasterId r:id="rId20"/>
+    <p:notesMasterId r:id="rId21"/>
   </p:notesMasterIdLst>
   <p:sldIdLst>
     <p:sldId id="256" r:id="rId2"/>
     <p:sldId id="270" r:id="rId3"/>
-    <p:sldId id="284" r:id="rId4"/>
-    <p:sldId id="271" r:id="rId5"/>
-    <p:sldId id="272" r:id="rId6"/>
-    <p:sldId id="273" r:id="rId7"/>
-    <p:sldId id="274" r:id="rId8"/>
-    <p:sldId id="275" r:id="rId9"/>
-    <p:sldId id="288" r:id="rId10"/>
-    <p:sldId id="278" r:id="rId11"/>
-    <p:sldId id="279" r:id="rId12"/>
-    <p:sldId id="280" r:id="rId13"/>
-    <p:sldId id="281" r:id="rId14"/>
-    <p:sldId id="282" r:id="rId15"/>
-    <p:sldId id="289" r:id="rId16"/>
-    <p:sldId id="290" r:id="rId17"/>
-    <p:sldId id="292" r:id="rId18"/>
-    <p:sldId id="291" r:id="rId19"/>
+    <p:sldId id="293" r:id="rId4"/>
+    <p:sldId id="284" r:id="rId5"/>
+    <p:sldId id="271" r:id="rId6"/>
+    <p:sldId id="272" r:id="rId7"/>
+    <p:sldId id="273" r:id="rId8"/>
+    <p:sldId id="274" r:id="rId9"/>
+    <p:sldId id="275" r:id="rId10"/>
+    <p:sldId id="288" r:id="rId11"/>
+    <p:sldId id="278" r:id="rId12"/>
+    <p:sldId id="279" r:id="rId13"/>
+    <p:sldId id="280" r:id="rId14"/>
+    <p:sldId id="281" r:id="rId15"/>
+    <p:sldId id="282" r:id="rId16"/>
+    <p:sldId id="289" r:id="rId17"/>
+    <p:sldId id="290" r:id="rId18"/>
+    <p:sldId id="292" r:id="rId19"/>
+    <p:sldId id="291" r:id="rId20"/>
   </p:sldIdLst>
   <p:sldSz cx="12192000" cy="6858000"/>
   <p:notesSz cx="6858000" cy="9144000"/>
@@ -4683,7 +4684,7 @@
             </a:r>
             <a:r>
               <a:rPr lang="en-GB" dirty="0" smtClean="0"/>
-              <a:t>: 0.7</a:t>
+              <a:t>: 0.6</a:t>
             </a:r>
             <a:endParaRPr lang="en-GB" dirty="0"/>
           </a:p>
@@ -4765,69 +4766,9 @@
           </a:p>
         </p:txBody>
       </p:sp>
-      <p:pic>
-        <p:nvPicPr>
-          <p:cNvPr id="4" name="Picture 3"/>
-          <p:cNvPicPr>
-            <a:picLocks noChangeAspect="1"/>
-          </p:cNvPicPr>
-          <p:nvPr/>
-        </p:nvPicPr>
-        <p:blipFill>
-          <a:blip r:embed="rId2">
-            <a:extLst>
-              <a:ext uri="{28A0092B-C50C-407E-A947-70E740481C1C}">
-                <a14:useLocalDpi xmlns:a14="http://schemas.microsoft.com/office/drawing/2010/main" val="0"/>
-              </a:ext>
-            </a:extLst>
-          </a:blip>
-          <a:stretch>
-            <a:fillRect/>
-          </a:stretch>
-        </p:blipFill>
-        <p:spPr>
-          <a:xfrm>
-            <a:off x="6164503" y="1670755"/>
-            <a:ext cx="5987415" cy="3820477"/>
-          </a:xfrm>
-          <a:prstGeom prst="rect">
-            <a:avLst/>
-          </a:prstGeom>
-        </p:spPr>
-      </p:pic>
-      <p:pic>
-        <p:nvPicPr>
-          <p:cNvPr id="6" name="Picture 5"/>
-          <p:cNvPicPr>
-            <a:picLocks noChangeAspect="1"/>
-          </p:cNvPicPr>
-          <p:nvPr/>
-        </p:nvPicPr>
-        <p:blipFill>
-          <a:blip r:embed="rId3">
-            <a:extLst>
-              <a:ext uri="{28A0092B-C50C-407E-A947-70E740481C1C}">
-                <a14:useLocalDpi xmlns:a14="http://schemas.microsoft.com/office/drawing/2010/main" val="0"/>
-              </a:ext>
-            </a:extLst>
-          </a:blip>
-          <a:stretch>
-            <a:fillRect/>
-          </a:stretch>
-        </p:blipFill>
-        <p:spPr>
-          <a:xfrm>
-            <a:off x="177088" y="1670754"/>
-            <a:ext cx="5987415" cy="3820477"/>
-          </a:xfrm>
-          <a:prstGeom prst="rect">
-            <a:avLst/>
-          </a:prstGeom>
-        </p:spPr>
-      </p:pic>
-      <p:sp>
-        <p:nvSpPr>
-          <p:cNvPr id="7" name="Slide Number Placeholder 6"/>
+      <p:sp>
+        <p:nvSpPr>
+          <p:cNvPr id="4" name="Slide Number Placeholder 3"/>
           <p:cNvSpPr>
             <a:spLocks noGrp="1"/>
           </p:cNvSpPr>
@@ -4851,7 +4792,7 @@
     </p:spTree>
     <p:extLst>
       <p:ext uri="{BB962C8B-B14F-4D97-AF65-F5344CB8AC3E}">
-        <p14:creationId xmlns:p14="http://schemas.microsoft.com/office/powerpoint/2010/main" val="1037027503"/>
+        <p14:creationId xmlns:p14="http://schemas.microsoft.com/office/powerpoint/2010/main" val="3107067426"/>
       </p:ext>
     </p:extLst>
   </p:cSld>
@@ -5038,7 +4979,7 @@
             </a:r>
             <a:r>
               <a:rPr lang="en-GB" dirty="0" smtClean="0"/>
-              <a:t>: 0.8</a:t>
+              <a:t>: 0.7</a:t>
             </a:r>
             <a:endParaRPr lang="en-GB" dirty="0"/>
           </a:p>
@@ -5120,66 +5061,6 @@
           </a:p>
         </p:txBody>
       </p:sp>
-      <p:pic>
-        <p:nvPicPr>
-          <p:cNvPr id="4" name="Picture 3"/>
-          <p:cNvPicPr>
-            <a:picLocks noChangeAspect="1"/>
-          </p:cNvPicPr>
-          <p:nvPr/>
-        </p:nvPicPr>
-        <p:blipFill>
-          <a:blip r:embed="rId2">
-            <a:extLst>
-              <a:ext uri="{28A0092B-C50C-407E-A947-70E740481C1C}">
-                <a14:useLocalDpi xmlns:a14="http://schemas.microsoft.com/office/drawing/2010/main" val="0"/>
-              </a:ext>
-            </a:extLst>
-          </a:blip>
-          <a:stretch>
-            <a:fillRect/>
-          </a:stretch>
-        </p:blipFill>
-        <p:spPr>
-          <a:xfrm>
-            <a:off x="5995002" y="1563343"/>
-            <a:ext cx="5987415" cy="3820477"/>
-          </a:xfrm>
-          <a:prstGeom prst="rect">
-            <a:avLst/>
-          </a:prstGeom>
-        </p:spPr>
-      </p:pic>
-      <p:pic>
-        <p:nvPicPr>
-          <p:cNvPr id="6" name="Picture 5"/>
-          <p:cNvPicPr>
-            <a:picLocks noChangeAspect="1"/>
-          </p:cNvPicPr>
-          <p:nvPr/>
-        </p:nvPicPr>
-        <p:blipFill>
-          <a:blip r:embed="rId3">
-            <a:extLst>
-              <a:ext uri="{28A0092B-C50C-407E-A947-70E740481C1C}">
-                <a14:useLocalDpi xmlns:a14="http://schemas.microsoft.com/office/drawing/2010/main" val="0"/>
-              </a:ext>
-            </a:extLst>
-          </a:blip>
-          <a:stretch>
-            <a:fillRect/>
-          </a:stretch>
-        </p:blipFill>
-        <p:spPr>
-          <a:xfrm>
-            <a:off x="0" y="1563344"/>
-            <a:ext cx="5987415" cy="3820477"/>
-          </a:xfrm>
-          <a:prstGeom prst="rect">
-            <a:avLst/>
-          </a:prstGeom>
-        </p:spPr>
-      </p:pic>
       <p:sp>
         <p:nvSpPr>
           <p:cNvPr id="7" name="Slide Number Placeholder 6"/>
@@ -5206,7 +5087,7 @@
     </p:spTree>
     <p:extLst>
       <p:ext uri="{BB962C8B-B14F-4D97-AF65-F5344CB8AC3E}">
-        <p14:creationId xmlns:p14="http://schemas.microsoft.com/office/powerpoint/2010/main" val="3328447116"/>
+        <p14:creationId xmlns:p14="http://schemas.microsoft.com/office/powerpoint/2010/main" val="1037027503"/>
       </p:ext>
     </p:extLst>
   </p:cSld>
@@ -5393,7 +5274,7 @@
             </a:r>
             <a:r>
               <a:rPr lang="en-GB" dirty="0" smtClean="0"/>
-              <a:t>: 0.6</a:t>
+              <a:t>: 0.8</a:t>
             </a:r>
             <a:endParaRPr lang="en-GB" dirty="0"/>
           </a:p>
@@ -5408,7 +5289,7 @@
             </a:r>
             <a:r>
               <a:rPr lang="en-GB" dirty="0" smtClean="0"/>
-              <a:t>Medium </a:t>
+              <a:t>Loose </a:t>
             </a:r>
             <a:r>
               <a:rPr lang="en-GB" dirty="0"/>
@@ -5475,66 +5356,6 @@
           </a:p>
         </p:txBody>
       </p:sp>
-      <p:pic>
-        <p:nvPicPr>
-          <p:cNvPr id="4" name="Picture 3"/>
-          <p:cNvPicPr>
-            <a:picLocks noChangeAspect="1"/>
-          </p:cNvPicPr>
-          <p:nvPr/>
-        </p:nvPicPr>
-        <p:blipFill>
-          <a:blip r:embed="rId2">
-            <a:extLst>
-              <a:ext uri="{28A0092B-C50C-407E-A947-70E740481C1C}">
-                <a14:useLocalDpi xmlns:a14="http://schemas.microsoft.com/office/drawing/2010/main" val="0"/>
-              </a:ext>
-            </a:extLst>
-          </a:blip>
-          <a:stretch>
-            <a:fillRect/>
-          </a:stretch>
-        </p:blipFill>
-        <p:spPr>
-          <a:xfrm>
-            <a:off x="6204585" y="1563344"/>
-            <a:ext cx="5987415" cy="3820477"/>
-          </a:xfrm>
-          <a:prstGeom prst="rect">
-            <a:avLst/>
-          </a:prstGeom>
-        </p:spPr>
-      </p:pic>
-      <p:pic>
-        <p:nvPicPr>
-          <p:cNvPr id="6" name="Picture 5"/>
-          <p:cNvPicPr>
-            <a:picLocks noChangeAspect="1"/>
-          </p:cNvPicPr>
-          <p:nvPr/>
-        </p:nvPicPr>
-        <p:blipFill>
-          <a:blip r:embed="rId3">
-            <a:extLst>
-              <a:ext uri="{28A0092B-C50C-407E-A947-70E740481C1C}">
-                <a14:useLocalDpi xmlns:a14="http://schemas.microsoft.com/office/drawing/2010/main" val="0"/>
-              </a:ext>
-            </a:extLst>
-          </a:blip>
-          <a:stretch>
-            <a:fillRect/>
-          </a:stretch>
-        </p:blipFill>
-        <p:spPr>
-          <a:xfrm>
-            <a:off x="217170" y="1563343"/>
-            <a:ext cx="5987415" cy="3820477"/>
-          </a:xfrm>
-          <a:prstGeom prst="rect">
-            <a:avLst/>
-          </a:prstGeom>
-        </p:spPr>
-      </p:pic>
       <p:sp>
         <p:nvSpPr>
           <p:cNvPr id="7" name="Slide Number Placeholder 6"/>
@@ -5561,7 +5382,7 @@
     </p:spTree>
     <p:extLst>
       <p:ext uri="{BB962C8B-B14F-4D97-AF65-F5344CB8AC3E}">
-        <p14:creationId xmlns:p14="http://schemas.microsoft.com/office/powerpoint/2010/main" val="2530179306"/>
+        <p14:creationId xmlns:p14="http://schemas.microsoft.com/office/powerpoint/2010/main" val="3328447116"/>
       </p:ext>
     </p:extLst>
   </p:cSld>
@@ -5748,7 +5569,7 @@
             </a:r>
             <a:r>
               <a:rPr lang="en-GB" dirty="0" smtClean="0"/>
-              <a:t>: 0.7</a:t>
+              <a:t>: 0.6</a:t>
             </a:r>
             <a:endParaRPr lang="en-GB" dirty="0"/>
           </a:p>
@@ -5759,7 +5580,15 @@
             </a:r>
             <a:r>
               <a:rPr lang="en-GB" dirty="0"/>
-              <a:t>: Medium working point</a:t>
+              <a:t>: </a:t>
+            </a:r>
+            <a:r>
+              <a:rPr lang="en-GB" dirty="0" smtClean="0"/>
+              <a:t>Medium </a:t>
+            </a:r>
+            <a:r>
+              <a:rPr lang="en-GB" dirty="0"/>
+              <a:t>working point</a:t>
             </a:r>
           </a:p>
         </p:txBody>
@@ -5822,66 +5651,6 @@
           </a:p>
         </p:txBody>
       </p:sp>
-      <p:pic>
-        <p:nvPicPr>
-          <p:cNvPr id="4" name="Picture 3"/>
-          <p:cNvPicPr>
-            <a:picLocks noChangeAspect="1"/>
-          </p:cNvPicPr>
-          <p:nvPr/>
-        </p:nvPicPr>
-        <p:blipFill>
-          <a:blip r:embed="rId2">
-            <a:extLst>
-              <a:ext uri="{28A0092B-C50C-407E-A947-70E740481C1C}">
-                <a14:useLocalDpi xmlns:a14="http://schemas.microsoft.com/office/drawing/2010/main" val="0"/>
-              </a:ext>
-            </a:extLst>
-          </a:blip>
-          <a:stretch>
-            <a:fillRect/>
-          </a:stretch>
-        </p:blipFill>
-        <p:spPr>
-          <a:xfrm>
-            <a:off x="6204585" y="1563344"/>
-            <a:ext cx="5987415" cy="3820477"/>
-          </a:xfrm>
-          <a:prstGeom prst="rect">
-            <a:avLst/>
-          </a:prstGeom>
-        </p:spPr>
-      </p:pic>
-      <p:pic>
-        <p:nvPicPr>
-          <p:cNvPr id="6" name="Picture 5"/>
-          <p:cNvPicPr>
-            <a:picLocks noChangeAspect="1"/>
-          </p:cNvPicPr>
-          <p:nvPr/>
-        </p:nvPicPr>
-        <p:blipFill>
-          <a:blip r:embed="rId3">
-            <a:extLst>
-              <a:ext uri="{28A0092B-C50C-407E-A947-70E740481C1C}">
-                <a14:useLocalDpi xmlns:a14="http://schemas.microsoft.com/office/drawing/2010/main" val="0"/>
-              </a:ext>
-            </a:extLst>
-          </a:blip>
-          <a:stretch>
-            <a:fillRect/>
-          </a:stretch>
-        </p:blipFill>
-        <p:spPr>
-          <a:xfrm>
-            <a:off x="217170" y="1563343"/>
-            <a:ext cx="5987415" cy="3820477"/>
-          </a:xfrm>
-          <a:prstGeom prst="rect">
-            <a:avLst/>
-          </a:prstGeom>
-        </p:spPr>
-      </p:pic>
       <p:sp>
         <p:nvSpPr>
           <p:cNvPr id="7" name="Slide Number Placeholder 6"/>
@@ -5908,7 +5677,7 @@
     </p:spTree>
     <p:extLst>
       <p:ext uri="{BB962C8B-B14F-4D97-AF65-F5344CB8AC3E}">
-        <p14:creationId xmlns:p14="http://schemas.microsoft.com/office/powerpoint/2010/main" val="1675552753"/>
+        <p14:creationId xmlns:p14="http://schemas.microsoft.com/office/powerpoint/2010/main" val="2530179306"/>
       </p:ext>
     </p:extLst>
   </p:cSld>
@@ -6095,7 +5864,7 @@
             </a:r>
             <a:r>
               <a:rPr lang="en-GB" dirty="0" smtClean="0"/>
-              <a:t>: 0.8</a:t>
+              <a:t>: 0.7</a:t>
             </a:r>
             <a:endParaRPr lang="en-GB" dirty="0"/>
           </a:p>
@@ -6169,66 +5938,6 @@
           </a:p>
         </p:txBody>
       </p:sp>
-      <p:pic>
-        <p:nvPicPr>
-          <p:cNvPr id="4" name="Picture 3"/>
-          <p:cNvPicPr>
-            <a:picLocks noChangeAspect="1"/>
-          </p:cNvPicPr>
-          <p:nvPr/>
-        </p:nvPicPr>
-        <p:blipFill>
-          <a:blip r:embed="rId2">
-            <a:extLst>
-              <a:ext uri="{28A0092B-C50C-407E-A947-70E740481C1C}">
-                <a14:useLocalDpi xmlns:a14="http://schemas.microsoft.com/office/drawing/2010/main" val="0"/>
-              </a:ext>
-            </a:extLst>
-          </a:blip>
-          <a:stretch>
-            <a:fillRect/>
-          </a:stretch>
-        </p:blipFill>
-        <p:spPr>
-          <a:xfrm>
-            <a:off x="6084810" y="1669697"/>
-            <a:ext cx="5987415" cy="3820477"/>
-          </a:xfrm>
-          <a:prstGeom prst="rect">
-            <a:avLst/>
-          </a:prstGeom>
-        </p:spPr>
-      </p:pic>
-      <p:pic>
-        <p:nvPicPr>
-          <p:cNvPr id="6" name="Picture 5"/>
-          <p:cNvPicPr>
-            <a:picLocks noChangeAspect="1"/>
-          </p:cNvPicPr>
-          <p:nvPr/>
-        </p:nvPicPr>
-        <p:blipFill>
-          <a:blip r:embed="rId3">
-            <a:extLst>
-              <a:ext uri="{28A0092B-C50C-407E-A947-70E740481C1C}">
-                <a14:useLocalDpi xmlns:a14="http://schemas.microsoft.com/office/drawing/2010/main" val="0"/>
-              </a:ext>
-            </a:extLst>
-          </a:blip>
-          <a:stretch>
-            <a:fillRect/>
-          </a:stretch>
-        </p:blipFill>
-        <p:spPr>
-          <a:xfrm>
-            <a:off x="97395" y="1669697"/>
-            <a:ext cx="5987415" cy="3820477"/>
-          </a:xfrm>
-          <a:prstGeom prst="rect">
-            <a:avLst/>
-          </a:prstGeom>
-        </p:spPr>
-      </p:pic>
       <p:sp>
         <p:nvSpPr>
           <p:cNvPr id="7" name="Slide Number Placeholder 6"/>
@@ -6255,7 +5964,7 @@
     </p:spTree>
     <p:extLst>
       <p:ext uri="{BB962C8B-B14F-4D97-AF65-F5344CB8AC3E}">
-        <p14:creationId xmlns:p14="http://schemas.microsoft.com/office/powerpoint/2010/main" val="571602100"/>
+        <p14:creationId xmlns:p14="http://schemas.microsoft.com/office/powerpoint/2010/main" val="1675552753"/>
       </p:ext>
     </p:extLst>
   </p:cSld>
@@ -6323,7 +6032,7 @@
         </p:nvSpPr>
         <p:spPr>
           <a:xfrm>
-            <a:off x="494210" y="302849"/>
+            <a:off x="83663" y="302849"/>
             <a:ext cx="10515600" cy="338420"/>
           </a:xfrm>
         </p:spPr>
@@ -6333,20 +6042,128 @@
           </a:bodyPr>
           <a:lstStyle/>
           <a:p>
+            <a:r>
+              <a:rPr lang="en-US" sz="3600" dirty="0" smtClean="0"/>
+              <a:t>Signal over </a:t>
+            </a:r>
+            <a:r>
+              <a:rPr lang="en-US" sz="3600" dirty="0" err="1" smtClean="0"/>
+              <a:t>Bkg</a:t>
+            </a:r>
+            <a:r>
+              <a:rPr lang="en-US" sz="3600" dirty="0" smtClean="0"/>
+              <a:t> for </a:t>
+            </a:r>
+            <a:r>
+              <a:rPr lang="en-US" sz="3600" dirty="0" err="1" smtClean="0"/>
+              <a:t>mJJ</a:t>
+            </a:r>
+            <a:r>
+              <a:rPr lang="en-US" sz="3600" dirty="0" smtClean="0"/>
+              <a:t> (</a:t>
+            </a:r>
+            <a:r>
+              <a:rPr lang="en-US" sz="3600" dirty="0" err="1" smtClean="0"/>
+              <a:t>reco</a:t>
+            </a:r>
+            <a:r>
+              <a:rPr lang="en-US" sz="3600" dirty="0" smtClean="0"/>
+              <a:t>)</a:t>
+            </a:r>
+            <a:endParaRPr lang="en-US" sz="3600" dirty="0"/>
+          </a:p>
+        </p:txBody>
+      </p:sp>
+      <p:sp>
+        <p:nvSpPr>
+          <p:cNvPr id="11" name="TextBox 10"/>
+          <p:cNvSpPr txBox="1"/>
+          <p:nvPr/>
+        </p:nvSpPr>
+        <p:spPr>
+          <a:xfrm>
+            <a:off x="-99422" y="768906"/>
+            <a:ext cx="6406580" cy="523220"/>
+          </a:xfrm>
+          <a:prstGeom prst="rect">
+            <a:avLst/>
+          </a:prstGeom>
+          <a:noFill/>
+        </p:spPr>
+        <p:txBody>
+          <a:bodyPr wrap="square" rtlCol="0">
+            <a:spAutoFit/>
+          </a:bodyPr>
+          <a:lstStyle/>
+          <a:p>
             <a:pPr algn="ctr"/>
             <a:r>
-              <a:rPr lang="en-US" sz="3600" dirty="0" smtClean="0"/>
-              <a:t>Yields for Combinations of </a:t>
-            </a:r>
-            <a:r>
-              <a:rPr lang="en-US" sz="3600" dirty="0" err="1" smtClean="0"/>
-              <a:t>mva</a:t>
-            </a:r>
-            <a:r>
-              <a:rPr lang="en-US" sz="3600" dirty="0" smtClean="0"/>
-              <a:t> and b tagging</a:t>
-            </a:r>
-            <a:endParaRPr lang="en-US" sz="3600" dirty="0"/>
+              <a:rPr lang="en-GB" sz="1400" dirty="0" smtClean="0"/>
+              <a:t>nominal TT_TuneCUETP8M2T4_13TeV-powherg-pythia8</a:t>
+            </a:r>
+          </a:p>
+          <a:p>
+            <a:pPr algn="ctr"/>
+            <a:r>
+              <a:rPr lang="en-GB" sz="1400" dirty="0" smtClean="0"/>
+              <a:t> Over </a:t>
+            </a:r>
+            <a:r>
+              <a:rPr lang="en-GB" sz="1400" dirty="0" err="1" smtClean="0"/>
+              <a:t>Bkg</a:t>
+            </a:r>
+            <a:r>
+              <a:rPr lang="en-GB" sz="1400" dirty="0" smtClean="0"/>
+              <a:t> (All Categories)</a:t>
+            </a:r>
+            <a:endParaRPr lang="en-GB" sz="1400" dirty="0"/>
+          </a:p>
+        </p:txBody>
+      </p:sp>
+      <p:sp>
+        <p:nvSpPr>
+          <p:cNvPr id="8" name="Rectangle 7"/>
+          <p:cNvSpPr/>
+          <p:nvPr/>
+        </p:nvSpPr>
+        <p:spPr>
+          <a:xfrm>
+            <a:off x="5584450" y="148893"/>
+            <a:ext cx="3530930" cy="646331"/>
+          </a:xfrm>
+          <a:prstGeom prst="rect">
+            <a:avLst/>
+          </a:prstGeom>
+        </p:spPr>
+        <p:txBody>
+          <a:bodyPr wrap="square">
+            <a:spAutoFit/>
+          </a:bodyPr>
+          <a:lstStyle/>
+          <a:p>
+            <a:r>
+              <a:rPr lang="en-GB" b="1" dirty="0"/>
+              <a:t>Top </a:t>
+            </a:r>
+            <a:r>
+              <a:rPr lang="en-GB" b="1" dirty="0" smtClean="0"/>
+              <a:t>tagger cut </a:t>
+            </a:r>
+            <a:r>
+              <a:rPr lang="en-GB" dirty="0" smtClean="0"/>
+              <a:t>: 0.8</a:t>
+            </a:r>
+            <a:endParaRPr lang="en-GB" dirty="0"/>
+          </a:p>
+          <a:p>
+            <a:r>
+              <a:rPr lang="en-GB" b="1" dirty="0"/>
+              <a:t>B-tagging</a:t>
+            </a:r>
+            <a:r>
+              <a:rPr lang="en-GB" dirty="0"/>
+              <a:t>: Medium working point</a:t>
+            </a:r>
           </a:p>
         </p:txBody>
       </p:sp>
@@ -6370,6 +6187,41 @@
               <a:t>NTUA I. Papakrivopoulos, G. Bakas</a:t>
             </a:r>
             <a:endParaRPr lang="en-US"/>
+          </a:p>
+        </p:txBody>
+      </p:sp>
+      <p:sp>
+        <p:nvSpPr>
+          <p:cNvPr id="9" name="TextBox 8"/>
+          <p:cNvSpPr txBox="1"/>
+          <p:nvPr/>
+        </p:nvSpPr>
+        <p:spPr>
+          <a:xfrm>
+            <a:off x="5785420" y="795291"/>
+            <a:ext cx="6406580" cy="307777"/>
+          </a:xfrm>
+          <a:prstGeom prst="rect">
+            <a:avLst/>
+          </a:prstGeom>
+          <a:noFill/>
+        </p:spPr>
+        <p:txBody>
+          <a:bodyPr wrap="square" rtlCol="0">
+            <a:spAutoFit/>
+          </a:bodyPr>
+          <a:lstStyle/>
+          <a:p>
+            <a:pPr algn="ctr"/>
+            <a:r>
+              <a:rPr lang="en-GB" sz="1400" dirty="0" err="1" smtClean="0"/>
+              <a:t>Mtt</a:t>
+            </a:r>
+            <a:r>
+              <a:rPr lang="en-GB" sz="1400" dirty="0" smtClean="0"/>
+              <a:t> Samples</a:t>
+            </a:r>
+            <a:endParaRPr lang="en-GB" sz="1400" dirty="0"/>
           </a:p>
         </p:txBody>
       </p:sp>
@@ -6396,283 +6248,10 @@
           </a:p>
         </p:txBody>
       </p:sp>
-      <p:pic>
-        <p:nvPicPr>
-          <p:cNvPr id="10" name="Picture 9"/>
-          <p:cNvPicPr>
-            <a:picLocks noChangeAspect="1"/>
-          </p:cNvPicPr>
-          <p:nvPr/>
-        </p:nvPicPr>
-        <p:blipFill>
-          <a:blip r:embed="rId2">
-            <a:extLst>
-              <a:ext uri="{28A0092B-C50C-407E-A947-70E740481C1C}">
-                <a14:useLocalDpi xmlns:a14="http://schemas.microsoft.com/office/drawing/2010/main" val="0"/>
-              </a:ext>
-            </a:extLst>
-          </a:blip>
-          <a:stretch>
-            <a:fillRect/>
-          </a:stretch>
-        </p:blipFill>
-        <p:spPr>
-          <a:xfrm>
-            <a:off x="3762657" y="3442996"/>
-            <a:ext cx="4777274" cy="2864498"/>
-          </a:xfrm>
-          <a:prstGeom prst="rect">
-            <a:avLst/>
-          </a:prstGeom>
-        </p:spPr>
-      </p:pic>
-      <p:pic>
-        <p:nvPicPr>
-          <p:cNvPr id="12" name="Picture 11"/>
-          <p:cNvPicPr>
-            <a:picLocks noChangeAspect="1"/>
-          </p:cNvPicPr>
-          <p:nvPr/>
-        </p:nvPicPr>
-        <p:blipFill>
-          <a:blip r:embed="rId3">
-            <a:extLst>
-              <a:ext uri="{28A0092B-C50C-407E-A947-70E740481C1C}">
-                <a14:useLocalDpi xmlns:a14="http://schemas.microsoft.com/office/drawing/2010/main" val="0"/>
-              </a:ext>
-            </a:extLst>
-          </a:blip>
-          <a:stretch>
-            <a:fillRect/>
-          </a:stretch>
-        </p:blipFill>
-        <p:spPr>
-          <a:xfrm>
-            <a:off x="1380932" y="641268"/>
-            <a:ext cx="4604832" cy="2801728"/>
-          </a:xfrm>
-          <a:prstGeom prst="rect">
-            <a:avLst/>
-          </a:prstGeom>
-        </p:spPr>
-      </p:pic>
-      <p:pic>
-        <p:nvPicPr>
-          <p:cNvPr id="13" name="Picture 12"/>
-          <p:cNvPicPr>
-            <a:picLocks noChangeAspect="1"/>
-          </p:cNvPicPr>
-          <p:nvPr/>
-        </p:nvPicPr>
-        <p:blipFill>
-          <a:blip r:embed="rId4">
-            <a:extLst>
-              <a:ext uri="{28A0092B-C50C-407E-A947-70E740481C1C}">
-                <a14:useLocalDpi xmlns:a14="http://schemas.microsoft.com/office/drawing/2010/main" val="0"/>
-              </a:ext>
-            </a:extLst>
-          </a:blip>
-          <a:stretch>
-            <a:fillRect/>
-          </a:stretch>
-        </p:blipFill>
-        <p:spPr>
-          <a:xfrm>
-            <a:off x="6316824" y="641269"/>
-            <a:ext cx="4805265" cy="2801727"/>
-          </a:xfrm>
-          <a:prstGeom prst="rect">
-            <a:avLst/>
-          </a:prstGeom>
-        </p:spPr>
-      </p:pic>
-      <mc:AlternateContent xmlns:mc="http://schemas.openxmlformats.org/markup-compatibility/2006" xmlns:a14="http://schemas.microsoft.com/office/drawing/2010/main">
-        <mc:Choice Requires="a14">
-          <p:sp>
-            <p:nvSpPr>
-              <p:cNvPr id="14" name="TextBox 13"/>
-              <p:cNvSpPr txBox="1"/>
-              <p:nvPr/>
-            </p:nvSpPr>
-            <p:spPr>
-              <a:xfrm>
-                <a:off x="494210" y="4105469"/>
-                <a:ext cx="2948786" cy="1822678"/>
-              </a:xfrm>
-              <a:prstGeom prst="rect">
-                <a:avLst/>
-              </a:prstGeom>
-              <a:noFill/>
-            </p:spPr>
-            <p:txBody>
-              <a:bodyPr wrap="square" rtlCol="0">
-                <a:spAutoFit/>
-              </a:bodyPr>
-              <a:lstStyle/>
-              <a:p>
-                <a:r>
-                  <a:rPr lang="en-US" u="sng" dirty="0" smtClean="0"/>
-                  <a:t>Yield</a:t>
-                </a:r>
-                <a:r>
-                  <a:rPr lang="en-US" dirty="0" smtClean="0"/>
-                  <a:t> is extracted scaling as:</a:t>
-                </a:r>
-              </a:p>
-              <a:p>
-                <a:endParaRPr lang="en-US" dirty="0"/>
-              </a:p>
-              <a:p>
-                <a:pPr/>
-                <a14:m>
-                  <m:oMathPara xmlns:m="http://schemas.openxmlformats.org/officeDocument/2006/math">
-                    <m:oMathParaPr>
-                      <m:jc m:val="centerGroup"/>
-                    </m:oMathParaPr>
-                    <m:oMath xmlns:m="http://schemas.openxmlformats.org/officeDocument/2006/math">
-                      <m:r>
-                        <a:rPr lang="en-US" b="0" i="1" smtClean="0">
-                          <a:latin typeface="Cambria Math" panose="02040503050406030204" pitchFamily="18" charset="0"/>
-                        </a:rPr>
-                        <m:t>𝐻𝑖𝑠𝑡</m:t>
-                      </m:r>
-                      <m:r>
-                        <a:rPr lang="en-US" b="0" i="1" smtClean="0">
-                          <a:latin typeface="Cambria Math" panose="02040503050406030204" pitchFamily="18" charset="0"/>
-                        </a:rPr>
-                        <m:t>→</m:t>
-                      </m:r>
-                      <m:r>
-                        <a:rPr lang="en-US" b="0" i="1" smtClean="0">
-                          <a:latin typeface="Cambria Math" panose="02040503050406030204" pitchFamily="18" charset="0"/>
-                        </a:rPr>
-                        <m:t>𝑆𝑐𝑎𝑙𝑒</m:t>
-                      </m:r>
-                      <m:d>
-                        <m:dPr>
-                          <m:ctrlPr>
-                            <a:rPr lang="en-US" b="0" i="1" smtClean="0">
-                              <a:latin typeface="Cambria Math" panose="02040503050406030204" pitchFamily="18" charset="0"/>
-                            </a:rPr>
-                          </m:ctrlPr>
-                        </m:dPr>
-                        <m:e>
-                          <m:f>
-                            <m:fPr>
-                              <m:ctrlPr>
-                                <a:rPr lang="en-US" b="0" i="1" smtClean="0">
-                                  <a:latin typeface="Cambria Math" panose="02040503050406030204" pitchFamily="18" charset="0"/>
-                                </a:rPr>
-                              </m:ctrlPr>
-                            </m:fPr>
-                            <m:num>
-                              <m:r>
-                                <a:rPr lang="en-US" b="0" i="1" smtClean="0">
-                                  <a:latin typeface="Cambria Math" panose="02040503050406030204" pitchFamily="18" charset="0"/>
-                                </a:rPr>
-                                <m:t>𝐿𝑢𝑚𝑖</m:t>
-                              </m:r>
-                              <m:r>
-                                <a:rPr lang="en-US" b="0" i="1" smtClean="0">
-                                  <a:latin typeface="Cambria Math" panose="02040503050406030204" pitchFamily="18" charset="0"/>
-                                </a:rPr>
-                                <m:t> ∗</m:t>
-                              </m:r>
-                              <m:r>
-                                <a:rPr lang="en-US" b="0" i="1" smtClean="0">
-                                  <a:latin typeface="Cambria Math" panose="02040503050406030204" pitchFamily="18" charset="0"/>
-                                </a:rPr>
-                                <m:t>𝑋𝑆</m:t>
-                              </m:r>
-                            </m:num>
-                            <m:den>
-                              <m:r>
-                                <a:rPr lang="en-US" b="0" i="1" smtClean="0">
-                                  <a:latin typeface="Cambria Math" panose="02040503050406030204" pitchFamily="18" charset="0"/>
-                                </a:rPr>
-                                <m:t>𝐺𝑒𝑛𝐸𝑣𝑒𝑛𝑡𝑠</m:t>
-                              </m:r>
-                            </m:den>
-                          </m:f>
-                        </m:e>
-                      </m:d>
-                    </m:oMath>
-                  </m:oMathPara>
-                </a14:m>
-                <a:endParaRPr lang="en-US" b="0" dirty="0" smtClean="0"/>
-              </a:p>
-              <a:p>
-                <a:endParaRPr lang="en-US" b="0" dirty="0" smtClean="0"/>
-              </a:p>
-              <a:p>
-                <a:r>
-                  <a:rPr lang="en-US" dirty="0" smtClean="0"/>
-                  <a:t>With </a:t>
-                </a:r>
-                <a:r>
-                  <a:rPr lang="en-US" dirty="0" err="1" smtClean="0"/>
-                  <a:t>Lumi</a:t>
-                </a:r>
-                <a:r>
-                  <a:rPr lang="en-US" dirty="0" smtClean="0"/>
-                  <a:t> = 35.9 fb</a:t>
-                </a:r>
-                <a:r>
-                  <a:rPr lang="en-US" baseline="30000" dirty="0" smtClean="0"/>
-                  <a:t>-1</a:t>
-                </a:r>
-                <a:r>
-                  <a:rPr lang="en-US" dirty="0" smtClean="0"/>
-                  <a:t> </a:t>
-                </a:r>
-                <a:endParaRPr lang="en-GB" dirty="0"/>
-              </a:p>
-            </p:txBody>
-          </p:sp>
-        </mc:Choice>
-        <mc:Fallback xmlns="">
-          <p:sp>
-            <p:nvSpPr>
-              <p:cNvPr id="14" name="TextBox 13"/>
-              <p:cNvSpPr txBox="1">
-                <a:spLocks noRot="1" noChangeAspect="1" noMove="1" noResize="1" noEditPoints="1" noAdjustHandles="1" noChangeArrowheads="1" noChangeShapeType="1" noTextEdit="1"/>
-              </p:cNvSpPr>
-              <p:nvPr/>
-            </p:nvSpPr>
-            <p:spPr>
-              <a:xfrm>
-                <a:off x="494210" y="4105469"/>
-                <a:ext cx="2948786" cy="1822678"/>
-              </a:xfrm>
-              <a:prstGeom prst="rect">
-                <a:avLst/>
-              </a:prstGeom>
-              <a:blipFill>
-                <a:blip r:embed="rId5"/>
-                <a:stretch>
-                  <a:fillRect l="-1653" t="-1672" b="-4348"/>
-                </a:stretch>
-              </a:blipFill>
-            </p:spPr>
-            <p:txBody>
-              <a:bodyPr/>
-              <a:lstStyle/>
-              <a:p>
-                <a:r>
-                  <a:rPr lang="en-GB">
-                    <a:noFill/>
-                  </a:rPr>
-                  <a:t> </a:t>
-                </a:r>
-              </a:p>
-            </p:txBody>
-          </p:sp>
-        </mc:Fallback>
-      </mc:AlternateContent>
     </p:spTree>
     <p:extLst>
       <p:ext uri="{BB962C8B-B14F-4D97-AF65-F5344CB8AC3E}">
-        <p14:creationId xmlns:p14="http://schemas.microsoft.com/office/powerpoint/2010/main" val="4173575228"/>
+        <p14:creationId xmlns:p14="http://schemas.microsoft.com/office/powerpoint/2010/main" val="571602100"/>
       </p:ext>
     </p:extLst>
   </p:cSld>
@@ -6813,70 +6392,10 @@
           </a:p>
         </p:txBody>
       </p:sp>
-      <p:pic>
-        <p:nvPicPr>
-          <p:cNvPr id="4" name="Picture 3"/>
-          <p:cNvPicPr>
-            <a:picLocks noChangeAspect="1"/>
-          </p:cNvPicPr>
-          <p:nvPr/>
-        </p:nvPicPr>
-        <p:blipFill>
-          <a:blip r:embed="rId2">
-            <a:extLst>
-              <a:ext uri="{28A0092B-C50C-407E-A947-70E740481C1C}">
-                <a14:useLocalDpi xmlns:a14="http://schemas.microsoft.com/office/drawing/2010/main" val="0"/>
-              </a:ext>
-            </a:extLst>
-          </a:blip>
-          <a:stretch>
-            <a:fillRect/>
-          </a:stretch>
-        </p:blipFill>
-        <p:spPr>
-          <a:xfrm>
-            <a:off x="6097587" y="1126461"/>
-            <a:ext cx="5987415" cy="3820477"/>
-          </a:xfrm>
-          <a:prstGeom prst="rect">
-            <a:avLst/>
-          </a:prstGeom>
-        </p:spPr>
-      </p:pic>
-      <p:pic>
-        <p:nvPicPr>
-          <p:cNvPr id="6" name="Picture 5"/>
-          <p:cNvPicPr>
-            <a:picLocks noChangeAspect="1"/>
-          </p:cNvPicPr>
-          <p:nvPr/>
-        </p:nvPicPr>
-        <p:blipFill>
-          <a:blip r:embed="rId3">
-            <a:extLst>
-              <a:ext uri="{28A0092B-C50C-407E-A947-70E740481C1C}">
-                <a14:useLocalDpi xmlns:a14="http://schemas.microsoft.com/office/drawing/2010/main" val="0"/>
-              </a:ext>
-            </a:extLst>
-          </a:blip>
-          <a:stretch>
-            <a:fillRect/>
-          </a:stretch>
-        </p:blipFill>
-        <p:spPr>
-          <a:xfrm>
-            <a:off x="110172" y="1126461"/>
-            <a:ext cx="5987415" cy="3820477"/>
-          </a:xfrm>
-          <a:prstGeom prst="rect">
-            <a:avLst/>
-          </a:prstGeom>
-        </p:spPr>
-      </p:pic>
     </p:spTree>
     <p:extLst>
       <p:ext uri="{BB962C8B-B14F-4D97-AF65-F5344CB8AC3E}">
-        <p14:creationId xmlns:p14="http://schemas.microsoft.com/office/powerpoint/2010/main" val="2700147942"/>
+        <p14:creationId xmlns:p14="http://schemas.microsoft.com/office/powerpoint/2010/main" val="4173575228"/>
       </p:ext>
     </p:extLst>
   </p:cSld>
@@ -6944,7 +6463,7 @@
         </p:nvSpPr>
         <p:spPr>
           <a:xfrm>
-            <a:off x="494210" y="302849"/>
+            <a:off x="494210" y="210296"/>
             <a:ext cx="10515600" cy="338420"/>
           </a:xfrm>
         </p:spPr>
@@ -7039,7 +6558,7 @@
         </p:blipFill>
         <p:spPr>
           <a:xfrm>
-            <a:off x="110172" y="1129294"/>
+            <a:off x="6097587" y="2285230"/>
             <a:ext cx="5987415" cy="3820477"/>
           </a:xfrm>
           <a:prstGeom prst="rect">
@@ -7069,7 +6588,7 @@
         </p:blipFill>
         <p:spPr>
           <a:xfrm>
-            <a:off x="6097587" y="1129295"/>
+            <a:off x="110172" y="2285230"/>
             <a:ext cx="5987415" cy="3820477"/>
           </a:xfrm>
           <a:prstGeom prst="rect">
@@ -7077,10 +6596,193 @@
           </a:prstGeom>
         </p:spPr>
       </p:pic>
+      <mc:AlternateContent xmlns:mc="http://schemas.openxmlformats.org/markup-compatibility/2006">
+        <mc:Choice xmlns:a14="http://schemas.microsoft.com/office/drawing/2010/main" Requires="a14">
+          <p:sp>
+            <p:nvSpPr>
+              <p:cNvPr id="8" name="TextBox 7"/>
+              <p:cNvSpPr txBox="1"/>
+              <p:nvPr/>
+            </p:nvSpPr>
+            <p:spPr>
+              <a:xfrm>
+                <a:off x="4559916" y="821982"/>
+                <a:ext cx="3075341" cy="1438151"/>
+              </a:xfrm>
+              <a:prstGeom prst="rect">
+                <a:avLst/>
+              </a:prstGeom>
+              <a:noFill/>
+            </p:spPr>
+            <p:txBody>
+              <a:bodyPr wrap="square" rtlCol="0">
+                <a:spAutoFit/>
+              </a:bodyPr>
+              <a:lstStyle/>
+              <a:p>
+                <a:r>
+                  <a:rPr lang="en-US" sz="1400" u="sng" dirty="0" smtClean="0"/>
+                  <a:t>Yield</a:t>
+                </a:r>
+                <a:r>
+                  <a:rPr lang="en-US" sz="1400" dirty="0" smtClean="0"/>
+                  <a:t> is extracted scaling as:</a:t>
+                </a:r>
+              </a:p>
+              <a:p>
+                <a:endParaRPr lang="en-US" sz="1400" dirty="0"/>
+              </a:p>
+              <a:p>
+                <a:pPr/>
+                <a14:m>
+                  <m:oMathPara xmlns:m="http://schemas.openxmlformats.org/officeDocument/2006/math">
+                    <m:oMathParaPr>
+                      <m:jc m:val="centerGroup"/>
+                    </m:oMathParaPr>
+                    <m:oMath xmlns:m="http://schemas.openxmlformats.org/officeDocument/2006/math">
+                      <m:r>
+                        <a:rPr lang="en-US" sz="1400" b="0" i="1" smtClean="0">
+                          <a:latin typeface="Cambria Math" panose="02040503050406030204" pitchFamily="18" charset="0"/>
+                        </a:rPr>
+                        <m:t>𝐻𝑖𝑠𝑡</m:t>
+                      </m:r>
+                      <m:r>
+                        <a:rPr lang="en-US" sz="1400" b="0" i="1" smtClean="0">
+                          <a:latin typeface="Cambria Math" panose="02040503050406030204" pitchFamily="18" charset="0"/>
+                        </a:rPr>
+                        <m:t>→</m:t>
+                      </m:r>
+                      <m:r>
+                        <a:rPr lang="en-US" sz="1400" b="0" i="1" smtClean="0">
+                          <a:latin typeface="Cambria Math" panose="02040503050406030204" pitchFamily="18" charset="0"/>
+                        </a:rPr>
+                        <m:t>𝑆𝑐𝑎𝑙𝑒</m:t>
+                      </m:r>
+                      <m:d>
+                        <m:dPr>
+                          <m:ctrlPr>
+                            <a:rPr lang="en-US" sz="1400" b="0" i="1" smtClean="0">
+                              <a:latin typeface="Cambria Math" panose="02040503050406030204" pitchFamily="18" charset="0"/>
+                            </a:rPr>
+                          </m:ctrlPr>
+                        </m:dPr>
+                        <m:e>
+                          <m:f>
+                            <m:fPr>
+                              <m:ctrlPr>
+                                <a:rPr lang="en-US" sz="1400" b="0" i="1" smtClean="0">
+                                  <a:latin typeface="Cambria Math" panose="02040503050406030204" pitchFamily="18" charset="0"/>
+                                </a:rPr>
+                              </m:ctrlPr>
+                            </m:fPr>
+                            <m:num>
+                              <m:r>
+                                <a:rPr lang="en-US" sz="1400" b="0" i="1" smtClean="0">
+                                  <a:latin typeface="Cambria Math" panose="02040503050406030204" pitchFamily="18" charset="0"/>
+                                </a:rPr>
+                                <m:t>𝐿𝑢𝑚𝑖</m:t>
+                              </m:r>
+                              <m:r>
+                                <a:rPr lang="en-US" sz="1400" b="0" i="1" smtClean="0">
+                                  <a:latin typeface="Cambria Math" panose="02040503050406030204" pitchFamily="18" charset="0"/>
+                                </a:rPr>
+                                <m:t> ∗</m:t>
+                              </m:r>
+                              <m:r>
+                                <a:rPr lang="en-US" sz="1400" b="0" i="1" smtClean="0">
+                                  <a:latin typeface="Cambria Math" panose="02040503050406030204" pitchFamily="18" charset="0"/>
+                                </a:rPr>
+                                <m:t>𝑋𝑆</m:t>
+                              </m:r>
+                            </m:num>
+                            <m:den>
+                              <m:r>
+                                <a:rPr lang="en-US" sz="1400" b="0" i="1" smtClean="0">
+                                  <a:latin typeface="Cambria Math" panose="02040503050406030204" pitchFamily="18" charset="0"/>
+                                </a:rPr>
+                                <m:t>𝐺𝑒𝑛𝐸𝑣𝑒𝑛𝑡𝑠</m:t>
+                              </m:r>
+                            </m:den>
+                          </m:f>
+                        </m:e>
+                      </m:d>
+                    </m:oMath>
+                  </m:oMathPara>
+                </a14:m>
+                <a:endParaRPr lang="en-US" sz="1400" b="0" dirty="0" smtClean="0"/>
+              </a:p>
+              <a:p>
+                <a:endParaRPr lang="en-US" sz="1400" b="0" dirty="0" smtClean="0"/>
+              </a:p>
+              <a:p>
+                <a:r>
+                  <a:rPr lang="en-US" sz="1400" dirty="0" smtClean="0"/>
+                  <a:t>With </a:t>
+                </a:r>
+                <a:r>
+                  <a:rPr lang="en-US" sz="1400" dirty="0" err="1" smtClean="0"/>
+                  <a:t>Lumi</a:t>
+                </a:r>
+                <a:r>
+                  <a:rPr lang="en-US" sz="1400" dirty="0" smtClean="0"/>
+                  <a:t> = 35.9 fb</a:t>
+                </a:r>
+                <a:r>
+                  <a:rPr lang="en-US" sz="1400" baseline="30000" dirty="0" smtClean="0"/>
+                  <a:t>-1</a:t>
+                </a:r>
+                <a:r>
+                  <a:rPr lang="en-US" sz="1400" dirty="0" smtClean="0"/>
+                  <a:t> </a:t>
+                </a:r>
+                <a:endParaRPr lang="en-GB" sz="1400" dirty="0"/>
+              </a:p>
+            </p:txBody>
+          </p:sp>
+        </mc:Choice>
+        <mc:Fallback>
+          <p:sp>
+            <p:nvSpPr>
+              <p:cNvPr id="8" name="TextBox 7"/>
+              <p:cNvSpPr txBox="1">
+                <a:spLocks noRot="1" noChangeAspect="1" noMove="1" noResize="1" noEditPoints="1" noAdjustHandles="1" noChangeArrowheads="1" noChangeShapeType="1" noTextEdit="1"/>
+              </p:cNvSpPr>
+              <p:nvPr/>
+            </p:nvSpPr>
+            <p:spPr>
+              <a:xfrm>
+                <a:off x="4559916" y="821982"/>
+                <a:ext cx="3075341" cy="1438151"/>
+              </a:xfrm>
+              <a:prstGeom prst="rect">
+                <a:avLst/>
+              </a:prstGeom>
+              <a:blipFill>
+                <a:blip r:embed="rId4"/>
+                <a:stretch>
+                  <a:fillRect l="-594" t="-847" b="-3390"/>
+                </a:stretch>
+              </a:blipFill>
+            </p:spPr>
+            <p:txBody>
+              <a:bodyPr/>
+              <a:lstStyle/>
+              <a:p>
+                <a:r>
+                  <a:rPr lang="en-GB">
+                    <a:noFill/>
+                  </a:rPr>
+                  <a:t> </a:t>
+                </a:r>
+              </a:p>
+            </p:txBody>
+          </p:sp>
+        </mc:Fallback>
+      </mc:AlternateContent>
     </p:spTree>
     <p:extLst>
       <p:ext uri="{BB962C8B-B14F-4D97-AF65-F5344CB8AC3E}">
-        <p14:creationId xmlns:p14="http://schemas.microsoft.com/office/powerpoint/2010/main" val="4050269619"/>
+        <p14:creationId xmlns:p14="http://schemas.microsoft.com/office/powerpoint/2010/main" val="2700147942"/>
       </p:ext>
     </p:extLst>
   </p:cSld>
@@ -7216,6 +6918,210 @@
             <a:fld id="{AEEFAC8D-0A19-DC49-9F7A-4BFCAD95B105}" type="slidenum">
               <a:rPr lang="en-US" smtClean="0"/>
               <a:t>18</a:t>
+            </a:fld>
+            <a:endParaRPr lang="en-US"/>
+          </a:p>
+        </p:txBody>
+      </p:sp>
+      <p:pic>
+        <p:nvPicPr>
+          <p:cNvPr id="4" name="Picture 3"/>
+          <p:cNvPicPr>
+            <a:picLocks noChangeAspect="1"/>
+          </p:cNvPicPr>
+          <p:nvPr/>
+        </p:nvPicPr>
+        <p:blipFill>
+          <a:blip r:embed="rId2">
+            <a:extLst>
+              <a:ext uri="{28A0092B-C50C-407E-A947-70E740481C1C}">
+                <a14:useLocalDpi xmlns:a14="http://schemas.microsoft.com/office/drawing/2010/main" val="0"/>
+              </a:ext>
+            </a:extLst>
+          </a:blip>
+          <a:stretch>
+            <a:fillRect/>
+          </a:stretch>
+        </p:blipFill>
+        <p:spPr>
+          <a:xfrm>
+            <a:off x="110172" y="1129294"/>
+            <a:ext cx="5987415" cy="3820477"/>
+          </a:xfrm>
+          <a:prstGeom prst="rect">
+            <a:avLst/>
+          </a:prstGeom>
+        </p:spPr>
+      </p:pic>
+      <p:pic>
+        <p:nvPicPr>
+          <p:cNvPr id="6" name="Picture 5"/>
+          <p:cNvPicPr>
+            <a:picLocks noChangeAspect="1"/>
+          </p:cNvPicPr>
+          <p:nvPr/>
+        </p:nvPicPr>
+        <p:blipFill>
+          <a:blip r:embed="rId3">
+            <a:extLst>
+              <a:ext uri="{28A0092B-C50C-407E-A947-70E740481C1C}">
+                <a14:useLocalDpi xmlns:a14="http://schemas.microsoft.com/office/drawing/2010/main" val="0"/>
+              </a:ext>
+            </a:extLst>
+          </a:blip>
+          <a:stretch>
+            <a:fillRect/>
+          </a:stretch>
+        </p:blipFill>
+        <p:spPr>
+          <a:xfrm>
+            <a:off x="6097587" y="1129295"/>
+            <a:ext cx="5987415" cy="3820477"/>
+          </a:xfrm>
+          <a:prstGeom prst="rect">
+            <a:avLst/>
+          </a:prstGeom>
+        </p:spPr>
+      </p:pic>
+    </p:spTree>
+    <p:extLst>
+      <p:ext uri="{BB962C8B-B14F-4D97-AF65-F5344CB8AC3E}">
+        <p14:creationId xmlns:p14="http://schemas.microsoft.com/office/powerpoint/2010/main" val="4050269619"/>
+      </p:ext>
+    </p:extLst>
+  </p:cSld>
+  <p:clrMapOvr>
+    <a:masterClrMapping/>
+  </p:clrMapOvr>
+</p:sld>
+</file>
+
+<file path=ppt/slides/slide19.xml><?xml version="1.0" encoding="utf-8"?>
+<p:sld xmlns:a="http://schemas.openxmlformats.org/drawingml/2006/main" xmlns:r="http://schemas.openxmlformats.org/officeDocument/2006/relationships" xmlns:p="http://schemas.openxmlformats.org/presentationml/2006/main">
+  <p:cSld>
+    <p:spTree>
+      <p:nvGrpSpPr>
+        <p:cNvPr id="1" name=""/>
+        <p:cNvGrpSpPr/>
+        <p:nvPr/>
+      </p:nvGrpSpPr>
+      <p:grpSpPr>
+        <a:xfrm>
+          <a:off x="0" y="0"/>
+          <a:ext cx="0" cy="0"/>
+          <a:chOff x="0" y="0"/>
+          <a:chExt cx="0" cy="0"/>
+        </a:xfrm>
+      </p:grpSpPr>
+      <p:sp>
+        <p:nvSpPr>
+          <p:cNvPr id="3" name="Date Placeholder 2"/>
+          <p:cNvSpPr>
+            <a:spLocks noGrp="1"/>
+          </p:cNvSpPr>
+          <p:nvPr>
+            <p:ph type="dt" sz="half" idx="10"/>
+          </p:nvPr>
+        </p:nvSpPr>
+        <p:spPr/>
+        <p:txBody>
+          <a:bodyPr/>
+          <a:lstStyle/>
+          <a:p>
+            <a:r>
+              <a:rPr lang="en-US" smtClean="0"/>
+              <a:t>8/5/2019</a:t>
+            </a:r>
+            <a:endParaRPr lang="en-US"/>
+          </a:p>
+        </p:txBody>
+      </p:sp>
+      <p:sp>
+        <p:nvSpPr>
+          <p:cNvPr id="2" name="Title 1">
+            <a:extLst>
+              <a:ext uri="{FF2B5EF4-FFF2-40B4-BE49-F238E27FC236}">
+                <a16:creationId xmlns:a16="http://schemas.microsoft.com/office/drawing/2014/main" id="{5CF40D89-DF1E-8F4E-93AC-378FC1818147}"/>
+              </a:ext>
+            </a:extLst>
+          </p:cNvPr>
+          <p:cNvSpPr>
+            <a:spLocks noGrp="1"/>
+          </p:cNvSpPr>
+          <p:nvPr>
+            <p:ph type="title" idx="4294967295"/>
+          </p:nvPr>
+        </p:nvSpPr>
+        <p:spPr>
+          <a:xfrm>
+            <a:off x="494210" y="302849"/>
+            <a:ext cx="10515600" cy="338420"/>
+          </a:xfrm>
+        </p:spPr>
+        <p:txBody>
+          <a:bodyPr>
+            <a:normAutofit fontScale="90000"/>
+          </a:bodyPr>
+          <a:lstStyle/>
+          <a:p>
+            <a:pPr algn="ctr"/>
+            <a:r>
+              <a:rPr lang="en-US" sz="3600" dirty="0" smtClean="0"/>
+              <a:t>Yields for Combinations of </a:t>
+            </a:r>
+            <a:r>
+              <a:rPr lang="en-US" sz="3600" dirty="0" err="1" smtClean="0"/>
+              <a:t>mva</a:t>
+            </a:r>
+            <a:r>
+              <a:rPr lang="en-US" sz="3600" dirty="0" smtClean="0"/>
+              <a:t> and b tagging</a:t>
+            </a:r>
+            <a:endParaRPr lang="en-US" sz="3600" dirty="0"/>
+          </a:p>
+        </p:txBody>
+      </p:sp>
+      <p:sp>
+        <p:nvSpPr>
+          <p:cNvPr id="5" name="Footer Placeholder 4"/>
+          <p:cNvSpPr>
+            <a:spLocks noGrp="1"/>
+          </p:cNvSpPr>
+          <p:nvPr>
+            <p:ph type="ftr" sz="quarter" idx="11"/>
+          </p:nvPr>
+        </p:nvSpPr>
+        <p:spPr/>
+        <p:txBody>
+          <a:bodyPr/>
+          <a:lstStyle/>
+          <a:p>
+            <a:r>
+              <a:rPr lang="fi-FI" smtClean="0"/>
+              <a:t>NTUA I. Papakrivopoulos, G. Bakas</a:t>
+            </a:r>
+            <a:endParaRPr lang="en-US"/>
+          </a:p>
+        </p:txBody>
+      </p:sp>
+      <p:sp>
+        <p:nvSpPr>
+          <p:cNvPr id="7" name="Slide Number Placeholder 6"/>
+          <p:cNvSpPr>
+            <a:spLocks noGrp="1"/>
+          </p:cNvSpPr>
+          <p:nvPr>
+            <p:ph type="sldNum" sz="quarter" idx="12"/>
+          </p:nvPr>
+        </p:nvSpPr>
+        <p:spPr/>
+        <p:txBody>
+          <a:bodyPr/>
+          <a:lstStyle/>
+          <a:p>
+            <a:fld id="{AEEFAC8D-0A19-DC49-9F7A-4BFCAD95B105}" type="slidenum">
+              <a:rPr lang="en-US" smtClean="0"/>
+              <a:t>19</a:t>
             </a:fld>
             <a:endParaRPr lang="en-US"/>
           </a:p>
@@ -7846,7 +7752,35 @@
       </p:grpSpPr>
       <p:sp>
         <p:nvSpPr>
-          <p:cNvPr id="3" name="Date Placeholder 2"/>
+          <p:cNvPr id="2" name="Title 1"/>
+          <p:cNvSpPr>
+            <a:spLocks noGrp="1"/>
+          </p:cNvSpPr>
+          <p:nvPr>
+            <p:ph type="title"/>
+          </p:nvPr>
+        </p:nvSpPr>
+        <p:spPr>
+          <a:xfrm>
+            <a:off x="1097280" y="286604"/>
+            <a:ext cx="10058400" cy="758426"/>
+          </a:xfrm>
+        </p:spPr>
+        <p:txBody>
+          <a:bodyPr/>
+          <a:lstStyle/>
+          <a:p>
+            <a:r>
+              <a:rPr lang="en-US" dirty="0" smtClean="0"/>
+              <a:t>Training</a:t>
+            </a:r>
+            <a:endParaRPr lang="en-GB" dirty="0"/>
+          </a:p>
+        </p:txBody>
+      </p:sp>
+      <p:sp>
+        <p:nvSpPr>
+          <p:cNvPr id="4" name="Date Placeholder 3"/>
           <p:cNvSpPr>
             <a:spLocks noGrp="1"/>
           </p:cNvSpPr>
@@ -7869,135 +7803,7 @@
       </p:sp>
       <p:sp>
         <p:nvSpPr>
-          <p:cNvPr id="2" name="Title 1">
-            <a:extLst>
-              <a:ext uri="{FF2B5EF4-FFF2-40B4-BE49-F238E27FC236}">
-                <a16:creationId xmlns:a16="http://schemas.microsoft.com/office/drawing/2014/main" id="{5CF40D89-DF1E-8F4E-93AC-378FC1818147}"/>
-              </a:ext>
-            </a:extLst>
-          </p:cNvPr>
-          <p:cNvSpPr>
-            <a:spLocks noGrp="1"/>
-          </p:cNvSpPr>
-          <p:nvPr>
-            <p:ph type="title" idx="4294967295"/>
-          </p:nvPr>
-        </p:nvSpPr>
-        <p:spPr>
-          <a:xfrm>
-            <a:off x="83663" y="302849"/>
-            <a:ext cx="10515600" cy="338420"/>
-          </a:xfrm>
-        </p:spPr>
-        <p:txBody>
-          <a:bodyPr>
-            <a:normAutofit fontScale="90000"/>
-          </a:bodyPr>
-          <a:lstStyle/>
-          <a:p>
-            <a:r>
-              <a:rPr lang="en-US" sz="3600" dirty="0" smtClean="0"/>
-              <a:t>Efficiency vs </a:t>
-            </a:r>
-            <a:r>
-              <a:rPr lang="en-US" sz="3600" dirty="0" err="1" smtClean="0"/>
-              <a:t>mTTbarParton</a:t>
-            </a:r>
-            <a:endParaRPr lang="en-US" sz="3600" dirty="0"/>
-          </a:p>
-        </p:txBody>
-      </p:sp>
-      <p:sp>
-        <p:nvSpPr>
-          <p:cNvPr id="11" name="TextBox 10"/>
-          <p:cNvSpPr txBox="1"/>
-          <p:nvPr/>
-        </p:nvSpPr>
-        <p:spPr>
-          <a:xfrm>
-            <a:off x="-99422" y="768906"/>
-            <a:ext cx="6406580" cy="307777"/>
-          </a:xfrm>
-          <a:prstGeom prst="rect">
-            <a:avLst/>
-          </a:prstGeom>
-          <a:noFill/>
-        </p:spPr>
-        <p:txBody>
-          <a:bodyPr wrap="square" rtlCol="0">
-            <a:spAutoFit/>
-          </a:bodyPr>
-          <a:lstStyle/>
-          <a:p>
-            <a:pPr algn="ctr"/>
-            <a:r>
-              <a:rPr lang="en-GB" sz="1400" dirty="0" smtClean="0"/>
-              <a:t>nominal TT_TuneCUETP8M2T4_13TeV-powherg-pythia8</a:t>
-            </a:r>
-          </a:p>
-        </p:txBody>
-      </p:sp>
-      <p:sp>
-        <p:nvSpPr>
-          <p:cNvPr id="8" name="Rectangle 7"/>
-          <p:cNvSpPr/>
-          <p:nvPr/>
-        </p:nvSpPr>
-        <p:spPr>
-          <a:xfrm>
-            <a:off x="5584450" y="148893"/>
-            <a:ext cx="3530930" cy="646331"/>
-          </a:xfrm>
-          <a:prstGeom prst="rect">
-            <a:avLst/>
-          </a:prstGeom>
-        </p:spPr>
-        <p:txBody>
-          <a:bodyPr wrap="square">
-            <a:spAutoFit/>
-          </a:bodyPr>
-          <a:lstStyle/>
-          <a:p>
-            <a:r>
-              <a:rPr lang="en-GB" b="1" dirty="0"/>
-              <a:t>Top </a:t>
-            </a:r>
-            <a:r>
-              <a:rPr lang="en-GB" b="1" dirty="0" smtClean="0"/>
-              <a:t>tagger cut </a:t>
-            </a:r>
-            <a:r>
-              <a:rPr lang="en-GB" dirty="0" smtClean="0"/>
-              <a:t>: </a:t>
-            </a:r>
-            <a:r>
-              <a:rPr lang="en-GB" dirty="0"/>
-              <a:t>0.6 </a:t>
-            </a:r>
-          </a:p>
-          <a:p>
-            <a:r>
-              <a:rPr lang="en-GB" b="1" dirty="0"/>
-              <a:t>B-tagging</a:t>
-            </a:r>
-            <a:r>
-              <a:rPr lang="en-GB" dirty="0"/>
-              <a:t>: </a:t>
-            </a:r>
-            <a:r>
-              <a:rPr lang="en-GB" dirty="0" smtClean="0"/>
-              <a:t>Loose </a:t>
-            </a:r>
-            <a:r>
-              <a:rPr lang="en-GB" dirty="0"/>
-              <a:t>working point</a:t>
-            </a:r>
-          </a:p>
-        </p:txBody>
-      </p:sp>
-      <p:sp>
-        <p:nvSpPr>
-          <p:cNvPr id="5" name="Footer Placeholder 4"/>
+          <p:cNvPr id="6" name="Footer Placeholder 5"/>
           <p:cNvSpPr>
             <a:spLocks noGrp="1"/>
           </p:cNvSpPr>
@@ -8020,42 +7826,30 @@
       </p:sp>
       <p:sp>
         <p:nvSpPr>
-          <p:cNvPr id="9" name="TextBox 8"/>
-          <p:cNvSpPr txBox="1"/>
-          <p:nvPr/>
-        </p:nvSpPr>
-        <p:spPr>
-          <a:xfrm>
-            <a:off x="5785420" y="795291"/>
-            <a:ext cx="6406580" cy="307777"/>
-          </a:xfrm>
-          <a:prstGeom prst="rect">
-            <a:avLst/>
-          </a:prstGeom>
-          <a:noFill/>
-        </p:spPr>
-        <p:txBody>
-          <a:bodyPr wrap="square" rtlCol="0">
-            <a:spAutoFit/>
-          </a:bodyPr>
-          <a:lstStyle/>
-          <a:p>
-            <a:pPr algn="ctr"/>
-            <a:r>
-              <a:rPr lang="en-GB" sz="1400" dirty="0" err="1" smtClean="0"/>
-              <a:t>Mtt</a:t>
-            </a:r>
-            <a:r>
-              <a:rPr lang="en-GB" sz="1400" dirty="0" smtClean="0"/>
-              <a:t> Samples</a:t>
-            </a:r>
-            <a:endParaRPr lang="en-GB" sz="1400" dirty="0"/>
+          <p:cNvPr id="5" name="Slide Number Placeholder 4"/>
+          <p:cNvSpPr>
+            <a:spLocks noGrp="1"/>
+          </p:cNvSpPr>
+          <p:nvPr>
+            <p:ph type="sldNum" sz="quarter" idx="12"/>
+          </p:nvPr>
+        </p:nvSpPr>
+        <p:spPr/>
+        <p:txBody>
+          <a:bodyPr/>
+          <a:lstStyle/>
+          <a:p>
+            <a:fld id="{AEEFAC8D-0A19-DC49-9F7A-4BFCAD95B105}" type="slidenum">
+              <a:rPr lang="en-US" smtClean="0"/>
+              <a:t>3</a:t>
+            </a:fld>
+            <a:endParaRPr lang="en-US"/>
           </a:p>
         </p:txBody>
       </p:sp>
       <p:pic>
         <p:nvPicPr>
-          <p:cNvPr id="12" name="Picture 11"/>
+          <p:cNvPr id="8" name="Picture 7"/>
           <p:cNvPicPr>
             <a:picLocks noChangeAspect="1"/>
           </p:cNvPicPr>
@@ -8075,8 +7869,8 @@
         </p:blipFill>
         <p:spPr>
           <a:xfrm>
-            <a:off x="6123796" y="1678964"/>
-            <a:ext cx="5987415" cy="3820477"/>
+            <a:off x="63391" y="1257792"/>
+            <a:ext cx="5853934" cy="4200525"/>
           </a:xfrm>
           <a:prstGeom prst="rect">
             <a:avLst/>
@@ -8085,7 +7879,7 @@
       </p:pic>
       <p:pic>
         <p:nvPicPr>
-          <p:cNvPr id="13" name="Picture 12"/>
+          <p:cNvPr id="9" name="Picture 8"/>
           <p:cNvPicPr>
             <a:picLocks noChangeAspect="1"/>
           </p:cNvPicPr>
@@ -8105,41 +7899,18 @@
         </p:blipFill>
         <p:spPr>
           <a:xfrm>
-            <a:off x="136381" y="1678964"/>
-            <a:ext cx="5987415" cy="3820477"/>
+            <a:off x="6019800" y="1257792"/>
+            <a:ext cx="5969876" cy="4200525"/>
           </a:xfrm>
           <a:prstGeom prst="rect">
             <a:avLst/>
           </a:prstGeom>
         </p:spPr>
       </p:pic>
-      <p:sp>
-        <p:nvSpPr>
-          <p:cNvPr id="4" name="Slide Number Placeholder 3"/>
-          <p:cNvSpPr>
-            <a:spLocks noGrp="1"/>
-          </p:cNvSpPr>
-          <p:nvPr>
-            <p:ph type="sldNum" sz="quarter" idx="12"/>
-          </p:nvPr>
-        </p:nvSpPr>
-        <p:spPr/>
-        <p:txBody>
-          <a:bodyPr/>
-          <a:lstStyle/>
-          <a:p>
-            <a:fld id="{AEEFAC8D-0A19-DC49-9F7A-4BFCAD95B105}" type="slidenum">
-              <a:rPr lang="en-US" smtClean="0"/>
-              <a:t>3</a:t>
-            </a:fld>
-            <a:endParaRPr lang="en-US"/>
-          </a:p>
-        </p:txBody>
-      </p:sp>
     </p:spTree>
     <p:extLst>
       <p:ext uri="{BB962C8B-B14F-4D97-AF65-F5344CB8AC3E}">
-        <p14:creationId xmlns:p14="http://schemas.microsoft.com/office/powerpoint/2010/main" val="1396194161"/>
+        <p14:creationId xmlns:p14="http://schemas.microsoft.com/office/powerpoint/2010/main" val="2153512693"/>
       </p:ext>
     </p:extLst>
   </p:cSld>
@@ -8218,11 +7989,11 @@
           <a:lstStyle/>
           <a:p>
             <a:r>
-              <a:rPr lang="en-US" sz="3600" dirty="0"/>
+              <a:rPr lang="en-US" sz="3600" dirty="0" smtClean="0"/>
               <a:t>Efficiency vs </a:t>
             </a:r>
             <a:r>
-              <a:rPr lang="en-US" sz="3600" dirty="0" err="1"/>
+              <a:rPr lang="en-US" sz="3600" dirty="0" err="1" smtClean="0"/>
               <a:t>mTTbarParton</a:t>
             </a:r>
             <a:endParaRPr lang="en-US" sz="3600" dirty="0"/>
@@ -8290,9 +8061,12 @@
             </a:r>
             <a:r>
               <a:rPr lang="en-GB" dirty="0" smtClean="0"/>
-              <a:t>: 0.7 </a:t>
-            </a:r>
-            <a:endParaRPr lang="en-GB" dirty="0"/>
+              <a:t>: </a:t>
+            </a:r>
+            <a:r>
+              <a:rPr lang="en-GB" dirty="0"/>
+              <a:t>0.6 </a:t>
+            </a:r>
           </a:p>
           <a:p>
             <a:r>
@@ -8372,69 +8146,9 @@
           </a:p>
         </p:txBody>
       </p:sp>
-      <p:pic>
-        <p:nvPicPr>
-          <p:cNvPr id="4" name="Picture 3"/>
-          <p:cNvPicPr>
-            <a:picLocks noChangeAspect="1"/>
-          </p:cNvPicPr>
-          <p:nvPr/>
-        </p:nvPicPr>
-        <p:blipFill>
-          <a:blip r:embed="rId2">
-            <a:extLst>
-              <a:ext uri="{28A0092B-C50C-407E-A947-70E740481C1C}">
-                <a14:useLocalDpi xmlns:a14="http://schemas.microsoft.com/office/drawing/2010/main" val="0"/>
-              </a:ext>
-            </a:extLst>
-          </a:blip>
-          <a:stretch>
-            <a:fillRect/>
-          </a:stretch>
-        </p:blipFill>
-        <p:spPr>
-          <a:xfrm>
-            <a:off x="5969948" y="1489285"/>
-            <a:ext cx="5987415" cy="3820477"/>
-          </a:xfrm>
-          <a:prstGeom prst="rect">
-            <a:avLst/>
-          </a:prstGeom>
-        </p:spPr>
-      </p:pic>
-      <p:pic>
-        <p:nvPicPr>
-          <p:cNvPr id="6" name="Picture 5"/>
-          <p:cNvPicPr>
-            <a:picLocks noChangeAspect="1"/>
-          </p:cNvPicPr>
-          <p:nvPr/>
-        </p:nvPicPr>
-        <p:blipFill>
-          <a:blip r:embed="rId3">
-            <a:extLst>
-              <a:ext uri="{28A0092B-C50C-407E-A947-70E740481C1C}">
-                <a14:useLocalDpi xmlns:a14="http://schemas.microsoft.com/office/drawing/2010/main" val="0"/>
-              </a:ext>
-            </a:extLst>
-          </a:blip>
-          <a:stretch>
-            <a:fillRect/>
-          </a:stretch>
-        </p:blipFill>
-        <p:spPr>
-          <a:xfrm>
-            <a:off x="0" y="1470623"/>
-            <a:ext cx="5987415" cy="3820477"/>
-          </a:xfrm>
-          <a:prstGeom prst="rect">
-            <a:avLst/>
-          </a:prstGeom>
-        </p:spPr>
-      </p:pic>
-      <p:sp>
-        <p:nvSpPr>
-          <p:cNvPr id="7" name="Slide Number Placeholder 6"/>
+      <p:sp>
+        <p:nvSpPr>
+          <p:cNvPr id="4" name="Slide Number Placeholder 3"/>
           <p:cNvSpPr>
             <a:spLocks noGrp="1"/>
           </p:cNvSpPr>
@@ -8458,7 +8172,7 @@
     </p:spTree>
     <p:extLst>
       <p:ext uri="{BB962C8B-B14F-4D97-AF65-F5344CB8AC3E}">
-        <p14:creationId xmlns:p14="http://schemas.microsoft.com/office/powerpoint/2010/main" val="137508689"/>
+        <p14:creationId xmlns:p14="http://schemas.microsoft.com/office/powerpoint/2010/main" val="1396194161"/>
       </p:ext>
     </p:extLst>
   </p:cSld>
@@ -8609,7 +8323,7 @@
             </a:r>
             <a:r>
               <a:rPr lang="en-GB" dirty="0" smtClean="0"/>
-              <a:t>: 0.8</a:t>
+              <a:t>: 0.7 </a:t>
             </a:r>
             <a:endParaRPr lang="en-GB" dirty="0"/>
           </a:p>
@@ -8691,69 +8405,9 @@
           </a:p>
         </p:txBody>
       </p:sp>
-      <p:pic>
-        <p:nvPicPr>
-          <p:cNvPr id="6" name="Picture 5"/>
-          <p:cNvPicPr>
-            <a:picLocks noChangeAspect="1"/>
-          </p:cNvPicPr>
-          <p:nvPr/>
-        </p:nvPicPr>
-        <p:blipFill>
-          <a:blip r:embed="rId2">
-            <a:extLst>
-              <a:ext uri="{28A0092B-C50C-407E-A947-70E740481C1C}">
-                <a14:useLocalDpi xmlns:a14="http://schemas.microsoft.com/office/drawing/2010/main" val="0"/>
-              </a:ext>
-            </a:extLst>
-          </a:blip>
-          <a:stretch>
-            <a:fillRect/>
-          </a:stretch>
-        </p:blipFill>
-        <p:spPr>
-          <a:xfrm>
-            <a:off x="0" y="1563344"/>
-            <a:ext cx="5987415" cy="3820477"/>
-          </a:xfrm>
-          <a:prstGeom prst="rect">
-            <a:avLst/>
-          </a:prstGeom>
-        </p:spPr>
-      </p:pic>
-      <p:pic>
-        <p:nvPicPr>
-          <p:cNvPr id="7" name="Picture 6"/>
-          <p:cNvPicPr>
-            <a:picLocks noChangeAspect="1"/>
-          </p:cNvPicPr>
-          <p:nvPr/>
-        </p:nvPicPr>
-        <p:blipFill>
-          <a:blip r:embed="rId3">
-            <a:extLst>
-              <a:ext uri="{28A0092B-C50C-407E-A947-70E740481C1C}">
-                <a14:useLocalDpi xmlns:a14="http://schemas.microsoft.com/office/drawing/2010/main" val="0"/>
-              </a:ext>
-            </a:extLst>
-          </a:blip>
-          <a:stretch>
-            <a:fillRect/>
-          </a:stretch>
-        </p:blipFill>
-        <p:spPr>
-          <a:xfrm>
-            <a:off x="5987415" y="1563343"/>
-            <a:ext cx="5987415" cy="3820477"/>
-          </a:xfrm>
-          <a:prstGeom prst="rect">
-            <a:avLst/>
-          </a:prstGeom>
-        </p:spPr>
-      </p:pic>
-      <p:sp>
-        <p:nvSpPr>
-          <p:cNvPr id="4" name="Slide Number Placeholder 3"/>
+      <p:sp>
+        <p:nvSpPr>
+          <p:cNvPr id="7" name="Slide Number Placeholder 6"/>
           <p:cNvSpPr>
             <a:spLocks noGrp="1"/>
           </p:cNvSpPr>
@@ -8777,7 +8431,7 @@
     </p:spTree>
     <p:extLst>
       <p:ext uri="{BB962C8B-B14F-4D97-AF65-F5344CB8AC3E}">
-        <p14:creationId xmlns:p14="http://schemas.microsoft.com/office/powerpoint/2010/main" val="1819420524"/>
+        <p14:creationId xmlns:p14="http://schemas.microsoft.com/office/powerpoint/2010/main" val="137508689"/>
       </p:ext>
     </p:extLst>
   </p:cSld>
@@ -8928,12 +8582,9 @@
             </a:r>
             <a:r>
               <a:rPr lang="en-GB" dirty="0" smtClean="0"/>
-              <a:t>: </a:t>
-            </a:r>
-            <a:r>
-              <a:rPr lang="en-GB" dirty="0"/>
-              <a:t>0.6 </a:t>
-            </a:r>
+              <a:t>: 0.8</a:t>
+            </a:r>
+            <a:endParaRPr lang="en-GB" dirty="0"/>
           </a:p>
           <a:p>
             <a:r>
@@ -8946,7 +8597,7 @@
             </a:r>
             <a:r>
               <a:rPr lang="en-GB" dirty="0" smtClean="0"/>
-              <a:t>Medium </a:t>
+              <a:t>Loose </a:t>
             </a:r>
             <a:r>
               <a:rPr lang="en-GB" dirty="0"/>
@@ -9013,69 +8664,9 @@
           </a:p>
         </p:txBody>
       </p:sp>
-      <p:pic>
-        <p:nvPicPr>
-          <p:cNvPr id="4" name="Picture 3"/>
-          <p:cNvPicPr>
-            <a:picLocks noChangeAspect="1"/>
-          </p:cNvPicPr>
-          <p:nvPr/>
-        </p:nvPicPr>
-        <p:blipFill>
-          <a:blip r:embed="rId2">
-            <a:extLst>
-              <a:ext uri="{28A0092B-C50C-407E-A947-70E740481C1C}">
-                <a14:useLocalDpi xmlns:a14="http://schemas.microsoft.com/office/drawing/2010/main" val="0"/>
-              </a:ext>
-            </a:extLst>
-          </a:blip>
-          <a:stretch>
-            <a:fillRect/>
-          </a:stretch>
-        </p:blipFill>
-        <p:spPr>
-          <a:xfrm>
-            <a:off x="6050988" y="1563344"/>
-            <a:ext cx="5987415" cy="3820477"/>
-          </a:xfrm>
-          <a:prstGeom prst="rect">
-            <a:avLst/>
-          </a:prstGeom>
-        </p:spPr>
-      </p:pic>
-      <p:pic>
-        <p:nvPicPr>
-          <p:cNvPr id="6" name="Picture 5"/>
-          <p:cNvPicPr>
-            <a:picLocks noChangeAspect="1"/>
-          </p:cNvPicPr>
-          <p:nvPr/>
-        </p:nvPicPr>
-        <p:blipFill>
-          <a:blip r:embed="rId3">
-            <a:extLst>
-              <a:ext uri="{28A0092B-C50C-407E-A947-70E740481C1C}">
-                <a14:useLocalDpi xmlns:a14="http://schemas.microsoft.com/office/drawing/2010/main" val="0"/>
-              </a:ext>
-            </a:extLst>
-          </a:blip>
-          <a:stretch>
-            <a:fillRect/>
-          </a:stretch>
-        </p:blipFill>
-        <p:spPr>
-          <a:xfrm>
-            <a:off x="87254" y="1563344"/>
-            <a:ext cx="5987415" cy="3820477"/>
-          </a:xfrm>
-          <a:prstGeom prst="rect">
-            <a:avLst/>
-          </a:prstGeom>
-        </p:spPr>
-      </p:pic>
-      <p:sp>
-        <p:nvSpPr>
-          <p:cNvPr id="7" name="Slide Number Placeholder 6"/>
+      <p:sp>
+        <p:nvSpPr>
+          <p:cNvPr id="4" name="Slide Number Placeholder 3"/>
           <p:cNvSpPr>
             <a:spLocks noGrp="1"/>
           </p:cNvSpPr>
@@ -9099,7 +8690,7 @@
     </p:spTree>
     <p:extLst>
       <p:ext uri="{BB962C8B-B14F-4D97-AF65-F5344CB8AC3E}">
-        <p14:creationId xmlns:p14="http://schemas.microsoft.com/office/powerpoint/2010/main" val="746244064"/>
+        <p14:creationId xmlns:p14="http://schemas.microsoft.com/office/powerpoint/2010/main" val="1819420524"/>
       </p:ext>
     </p:extLst>
   </p:cSld>
@@ -9198,7 +8789,7 @@
         <p:spPr>
           <a:xfrm>
             <a:off x="-99422" y="768906"/>
-            <a:ext cx="6406580" cy="523220"/>
+            <a:ext cx="6406580" cy="307777"/>
           </a:xfrm>
           <a:prstGeom prst="rect">
             <a:avLst/>
@@ -9217,22 +8808,6 @@
               <a:t>nominal TT_TuneCUETP8M2T4_13TeV-powherg-pythia8</a:t>
             </a:r>
           </a:p>
-          <a:p>
-            <a:pPr algn="ctr"/>
-            <a:r>
-              <a:rPr lang="en-GB" sz="1400" dirty="0" smtClean="0"/>
-              <a:t> Over </a:t>
-            </a:r>
-            <a:r>
-              <a:rPr lang="en-GB" sz="1400" dirty="0" err="1" smtClean="0"/>
-              <a:t>Bkg</a:t>
-            </a:r>
-            <a:r>
-              <a:rPr lang="en-GB" sz="1400" dirty="0" smtClean="0"/>
-              <a:t> (All Categories)</a:t>
-            </a:r>
-            <a:endParaRPr lang="en-GB" sz="1400" dirty="0"/>
-          </a:p>
         </p:txBody>
       </p:sp>
       <p:sp>
@@ -9266,9 +8841,12 @@
             </a:r>
             <a:r>
               <a:rPr lang="en-GB" dirty="0" smtClean="0"/>
-              <a:t>: 0.7 </a:t>
-            </a:r>
-            <a:endParaRPr lang="en-GB" dirty="0"/>
+              <a:t>: </a:t>
+            </a:r>
+            <a:r>
+              <a:rPr lang="en-GB" dirty="0"/>
+              <a:t>0.6 </a:t>
+            </a:r>
           </a:p>
           <a:p>
             <a:r>
@@ -9348,66 +8926,6 @@
           </a:p>
         </p:txBody>
       </p:sp>
-      <p:pic>
-        <p:nvPicPr>
-          <p:cNvPr id="4" name="Picture 3"/>
-          <p:cNvPicPr>
-            <a:picLocks noChangeAspect="1"/>
-          </p:cNvPicPr>
-          <p:nvPr/>
-        </p:nvPicPr>
-        <p:blipFill>
-          <a:blip r:embed="rId2">
-            <a:extLst>
-              <a:ext uri="{28A0092B-C50C-407E-A947-70E740481C1C}">
-                <a14:useLocalDpi xmlns:a14="http://schemas.microsoft.com/office/drawing/2010/main" val="0"/>
-              </a:ext>
-            </a:extLst>
-          </a:blip>
-          <a:stretch>
-            <a:fillRect/>
-          </a:stretch>
-        </p:blipFill>
-        <p:spPr>
-          <a:xfrm>
-            <a:off x="5995002" y="1563344"/>
-            <a:ext cx="5987415" cy="3820477"/>
-          </a:xfrm>
-          <a:prstGeom prst="rect">
-            <a:avLst/>
-          </a:prstGeom>
-        </p:spPr>
-      </p:pic>
-      <p:pic>
-        <p:nvPicPr>
-          <p:cNvPr id="6" name="Picture 5"/>
-          <p:cNvPicPr>
-            <a:picLocks noChangeAspect="1"/>
-          </p:cNvPicPr>
-          <p:nvPr/>
-        </p:nvPicPr>
-        <p:blipFill>
-          <a:blip r:embed="rId3">
-            <a:extLst>
-              <a:ext uri="{28A0092B-C50C-407E-A947-70E740481C1C}">
-                <a14:useLocalDpi xmlns:a14="http://schemas.microsoft.com/office/drawing/2010/main" val="0"/>
-              </a:ext>
-            </a:extLst>
-          </a:blip>
-          <a:stretch>
-            <a:fillRect/>
-          </a:stretch>
-        </p:blipFill>
-        <p:spPr>
-          <a:xfrm>
-            <a:off x="3217" y="1563344"/>
-            <a:ext cx="5987415" cy="3820477"/>
-          </a:xfrm>
-          <a:prstGeom prst="rect">
-            <a:avLst/>
-          </a:prstGeom>
-        </p:spPr>
-      </p:pic>
       <p:sp>
         <p:nvSpPr>
           <p:cNvPr id="7" name="Slide Number Placeholder 6"/>
@@ -9434,7 +8952,7 @@
     </p:spTree>
     <p:extLst>
       <p:ext uri="{BB962C8B-B14F-4D97-AF65-F5344CB8AC3E}">
-        <p14:creationId xmlns:p14="http://schemas.microsoft.com/office/powerpoint/2010/main" val="4251647727"/>
+        <p14:creationId xmlns:p14="http://schemas.microsoft.com/office/powerpoint/2010/main" val="746244064"/>
       </p:ext>
     </p:extLst>
   </p:cSld>
@@ -9533,7 +9051,7 @@
         <p:spPr>
           <a:xfrm>
             <a:off x="-99422" y="768906"/>
-            <a:ext cx="6406580" cy="307777"/>
+            <a:ext cx="6406580" cy="523220"/>
           </a:xfrm>
           <a:prstGeom prst="rect">
             <a:avLst/>
@@ -9552,6 +9070,22 @@
               <a:t>nominal TT_TuneCUETP8M2T4_13TeV-powherg-pythia8</a:t>
             </a:r>
           </a:p>
+          <a:p>
+            <a:pPr algn="ctr"/>
+            <a:r>
+              <a:rPr lang="en-GB" sz="1400" dirty="0" smtClean="0"/>
+              <a:t> Over </a:t>
+            </a:r>
+            <a:r>
+              <a:rPr lang="en-GB" sz="1400" dirty="0" err="1" smtClean="0"/>
+              <a:t>Bkg</a:t>
+            </a:r>
+            <a:r>
+              <a:rPr lang="en-GB" sz="1400" dirty="0" smtClean="0"/>
+              <a:t> (All Categories)</a:t>
+            </a:r>
+            <a:endParaRPr lang="en-GB" sz="1400" dirty="0"/>
+          </a:p>
         </p:txBody>
       </p:sp>
       <p:sp>
@@ -9585,7 +9119,7 @@
             </a:r>
             <a:r>
               <a:rPr lang="en-GB" dirty="0" smtClean="0"/>
-              <a:t>: 0.8</a:t>
+              <a:t>: 0.7 </a:t>
             </a:r>
             <a:endParaRPr lang="en-GB" dirty="0"/>
           </a:p>
@@ -9667,66 +9201,6 @@
           </a:p>
         </p:txBody>
       </p:sp>
-      <p:pic>
-        <p:nvPicPr>
-          <p:cNvPr id="4" name="Picture 3"/>
-          <p:cNvPicPr>
-            <a:picLocks noChangeAspect="1"/>
-          </p:cNvPicPr>
-          <p:nvPr/>
-        </p:nvPicPr>
-        <p:blipFill>
-          <a:blip r:embed="rId2">
-            <a:extLst>
-              <a:ext uri="{28A0092B-C50C-407E-A947-70E740481C1C}">
-                <a14:useLocalDpi xmlns:a14="http://schemas.microsoft.com/office/drawing/2010/main" val="0"/>
-              </a:ext>
-            </a:extLst>
-          </a:blip>
-          <a:stretch>
-            <a:fillRect/>
-          </a:stretch>
-        </p:blipFill>
-        <p:spPr>
-          <a:xfrm>
-            <a:off x="5990698" y="1745115"/>
-            <a:ext cx="5987415" cy="3820477"/>
-          </a:xfrm>
-          <a:prstGeom prst="rect">
-            <a:avLst/>
-          </a:prstGeom>
-        </p:spPr>
-      </p:pic>
-      <p:pic>
-        <p:nvPicPr>
-          <p:cNvPr id="6" name="Picture 5"/>
-          <p:cNvPicPr>
-            <a:picLocks noChangeAspect="1"/>
-          </p:cNvPicPr>
-          <p:nvPr/>
-        </p:nvPicPr>
-        <p:blipFill>
-          <a:blip r:embed="rId3">
-            <a:extLst>
-              <a:ext uri="{28A0092B-C50C-407E-A947-70E740481C1C}">
-                <a14:useLocalDpi xmlns:a14="http://schemas.microsoft.com/office/drawing/2010/main" val="0"/>
-              </a:ext>
-            </a:extLst>
-          </a:blip>
-          <a:stretch>
-            <a:fillRect/>
-          </a:stretch>
-        </p:blipFill>
-        <p:spPr>
-          <a:xfrm>
-            <a:off x="51943" y="1745115"/>
-            <a:ext cx="5987415" cy="3820477"/>
-          </a:xfrm>
-          <a:prstGeom prst="rect">
-            <a:avLst/>
-          </a:prstGeom>
-        </p:spPr>
-      </p:pic>
       <p:sp>
         <p:nvSpPr>
           <p:cNvPr id="7" name="Slide Number Placeholder 6"/>
@@ -9753,7 +9227,7 @@
     </p:spTree>
     <p:extLst>
       <p:ext uri="{BB962C8B-B14F-4D97-AF65-F5344CB8AC3E}">
-        <p14:creationId xmlns:p14="http://schemas.microsoft.com/office/powerpoint/2010/main" val="2528589119"/>
+        <p14:creationId xmlns:p14="http://schemas.microsoft.com/office/powerpoint/2010/main" val="4251647727"/>
       </p:ext>
     </p:extLst>
   </p:cSld>
@@ -9832,32 +9306,12 @@
           <a:lstStyle/>
           <a:p>
             <a:r>
-              <a:rPr lang="en-US" sz="3600" dirty="0" smtClean="0"/>
-              <a:t>Signal over </a:t>
-            </a:r>
-            <a:r>
-              <a:rPr lang="en-US" sz="3600" dirty="0" err="1" smtClean="0"/>
-              <a:t>Bkg</a:t>
-            </a:r>
-            <a:r>
-              <a:rPr lang="en-US" sz="3600" dirty="0" smtClean="0"/>
-              <a:t> for </a:t>
-            </a:r>
-            <a:r>
-              <a:rPr lang="en-US" sz="3600" dirty="0" err="1" smtClean="0"/>
-              <a:t>mJJ</a:t>
-            </a:r>
-            <a:r>
-              <a:rPr lang="en-US" sz="3600" dirty="0" smtClean="0"/>
-              <a:t> (</a:t>
-            </a:r>
-            <a:r>
-              <a:rPr lang="en-US" sz="3600" dirty="0" err="1" smtClean="0"/>
-              <a:t>reco</a:t>
-            </a:r>
-            <a:r>
-              <a:rPr lang="en-US" sz="3600" dirty="0" smtClean="0"/>
-              <a:t>)</a:t>
+              <a:rPr lang="en-US" sz="3600" dirty="0"/>
+              <a:t>Efficiency vs </a:t>
+            </a:r>
+            <a:r>
+              <a:rPr lang="en-US" sz="3600" dirty="0" err="1"/>
+              <a:t>mTTbarParton</a:t>
             </a:r>
             <a:endParaRPr lang="en-US" sz="3600" dirty="0"/>
           </a:p>
@@ -9872,7 +9326,7 @@
         <p:spPr>
           <a:xfrm>
             <a:off x="-99422" y="768906"/>
-            <a:ext cx="6406580" cy="523220"/>
+            <a:ext cx="6406580" cy="307777"/>
           </a:xfrm>
           <a:prstGeom prst="rect">
             <a:avLst/>
@@ -9891,22 +9345,6 @@
               <a:t>nominal TT_TuneCUETP8M2T4_13TeV-powherg-pythia8</a:t>
             </a:r>
           </a:p>
-          <a:p>
-            <a:pPr algn="ctr"/>
-            <a:r>
-              <a:rPr lang="en-GB" sz="1400" dirty="0" smtClean="0"/>
-              <a:t> Over </a:t>
-            </a:r>
-            <a:r>
-              <a:rPr lang="en-GB" sz="1400" dirty="0" err="1" smtClean="0"/>
-              <a:t>Bkg</a:t>
-            </a:r>
-            <a:r>
-              <a:rPr lang="en-GB" sz="1400" dirty="0" smtClean="0"/>
-              <a:t> (All Categories)</a:t>
-            </a:r>
-            <a:endParaRPr lang="en-GB" sz="1400" dirty="0"/>
-          </a:p>
         </p:txBody>
       </p:sp>
       <p:sp>
@@ -9940,7 +9378,7 @@
             </a:r>
             <a:r>
               <a:rPr lang="en-GB" dirty="0" smtClean="0"/>
-              <a:t>: 0.6</a:t>
+              <a:t>: 0.8</a:t>
             </a:r>
             <a:endParaRPr lang="en-GB" dirty="0"/>
           </a:p>
@@ -9955,7 +9393,7 @@
             </a:r>
             <a:r>
               <a:rPr lang="en-GB" dirty="0" smtClean="0"/>
-              <a:t>Loose </a:t>
+              <a:t>Medium </a:t>
             </a:r>
             <a:r>
               <a:rPr lang="en-GB" dirty="0"/>
@@ -10022,69 +9460,9 @@
           </a:p>
         </p:txBody>
       </p:sp>
-      <p:pic>
-        <p:nvPicPr>
-          <p:cNvPr id="7" name="Picture 6"/>
-          <p:cNvPicPr>
-            <a:picLocks noChangeAspect="1"/>
-          </p:cNvPicPr>
-          <p:nvPr/>
-        </p:nvPicPr>
-        <p:blipFill>
-          <a:blip r:embed="rId2">
-            <a:extLst>
-              <a:ext uri="{28A0092B-C50C-407E-A947-70E740481C1C}">
-                <a14:useLocalDpi xmlns:a14="http://schemas.microsoft.com/office/drawing/2010/main" val="0"/>
-              </a:ext>
-            </a:extLst>
-          </a:blip>
-          <a:stretch>
-            <a:fillRect/>
-          </a:stretch>
-        </p:blipFill>
-        <p:spPr>
-          <a:xfrm>
-            <a:off x="6204585" y="1726454"/>
-            <a:ext cx="5987415" cy="3820477"/>
-          </a:xfrm>
-          <a:prstGeom prst="rect">
-            <a:avLst/>
-          </a:prstGeom>
-        </p:spPr>
-      </p:pic>
-      <p:pic>
-        <p:nvPicPr>
-          <p:cNvPr id="10" name="Picture 9"/>
-          <p:cNvPicPr>
-            <a:picLocks noChangeAspect="1"/>
-          </p:cNvPicPr>
-          <p:nvPr/>
-        </p:nvPicPr>
-        <p:blipFill>
-          <a:blip r:embed="rId3">
-            <a:extLst>
-              <a:ext uri="{28A0092B-C50C-407E-A947-70E740481C1C}">
-                <a14:useLocalDpi xmlns:a14="http://schemas.microsoft.com/office/drawing/2010/main" val="0"/>
-              </a:ext>
-            </a:extLst>
-          </a:blip>
-          <a:stretch>
-            <a:fillRect/>
-          </a:stretch>
-        </p:blipFill>
-        <p:spPr>
-          <a:xfrm>
-            <a:off x="0" y="1708078"/>
-            <a:ext cx="5987415" cy="3820477"/>
-          </a:xfrm>
-          <a:prstGeom prst="rect">
-            <a:avLst/>
-          </a:prstGeom>
-        </p:spPr>
-      </p:pic>
-      <p:sp>
-        <p:nvSpPr>
-          <p:cNvPr id="4" name="Slide Number Placeholder 3"/>
+      <p:sp>
+        <p:nvSpPr>
+          <p:cNvPr id="7" name="Slide Number Placeholder 6"/>
           <p:cNvSpPr>
             <a:spLocks noGrp="1"/>
           </p:cNvSpPr>
@@ -10108,7 +9486,7 @@
     </p:spTree>
     <p:extLst>
       <p:ext uri="{BB962C8B-B14F-4D97-AF65-F5344CB8AC3E}">
-        <p14:creationId xmlns:p14="http://schemas.microsoft.com/office/powerpoint/2010/main" val="3107067426"/>
+        <p14:creationId xmlns:p14="http://schemas.microsoft.com/office/powerpoint/2010/main" val="2528589119"/>
       </p:ext>
     </p:extLst>
   </p:cSld>

--- a/Documents for Progress/StatusReport_Eff_SignalOverBkg_AllMVA_allbtag_07_05_19.pptx
+++ b/Documents for Progress/StatusReport_Eff_SignalOverBkg_AllMVA_allbtag_07_05_19.pptx
@@ -6596,8 +6596,8 @@
           </a:prstGeom>
         </p:spPr>
       </p:pic>
-      <mc:AlternateContent xmlns:mc="http://schemas.openxmlformats.org/markup-compatibility/2006">
-        <mc:Choice xmlns:a14="http://schemas.microsoft.com/office/drawing/2010/main" Requires="a14">
+      <mc:AlternateContent xmlns:mc="http://schemas.openxmlformats.org/markup-compatibility/2006" xmlns:a14="http://schemas.microsoft.com/office/drawing/2010/main">
+        <mc:Choice Requires="a14">
           <p:sp>
             <p:nvSpPr>
               <p:cNvPr id="8" name="TextBox 7"/>
@@ -6740,7 +6740,7 @@
             </p:txBody>
           </p:sp>
         </mc:Choice>
-        <mc:Fallback>
+        <mc:Fallback xmlns="">
           <p:sp>
             <p:nvSpPr>
               <p:cNvPr id="8" name="TextBox 7"/>

--- a/Documents for Progress/StatusReport_Eff_SignalOverBkg_AllMVA_allbtag_07_05_19.pptx
+++ b/Documents for Progress/StatusReport_Eff_SignalOverBkg_AllMVA_allbtag_07_05_19.pptx
@@ -279,35 +279,35 @@
           <a:p>
             <a:pPr lvl="0"/>
             <a:r>
-              <a:rPr lang="en-US" smtClean="0"/>
+              <a:rPr lang="en-US"/>
               <a:t>Edit Master text styles</a:t>
             </a:r>
           </a:p>
           <a:p>
             <a:pPr lvl="1"/>
             <a:r>
-              <a:rPr lang="en-US" smtClean="0"/>
+              <a:rPr lang="en-US"/>
               <a:t>Second level</a:t>
             </a:r>
           </a:p>
           <a:p>
             <a:pPr lvl="2"/>
             <a:r>
-              <a:rPr lang="en-US" smtClean="0"/>
+              <a:rPr lang="en-US"/>
               <a:t>Third level</a:t>
             </a:r>
           </a:p>
           <a:p>
             <a:pPr lvl="3"/>
             <a:r>
-              <a:rPr lang="en-US" smtClean="0"/>
+              <a:rPr lang="en-US"/>
               <a:t>Fourth level</a:t>
             </a:r>
           </a:p>
           <a:p>
             <a:pPr lvl="4"/>
             <a:r>
-              <a:rPr lang="en-US" smtClean="0"/>
+              <a:rPr lang="en-US"/>
               <a:t>Fifth level</a:t>
             </a:r>
             <a:endParaRPr lang="en-GB"/>
@@ -697,7 +697,7 @@
           </a:lstStyle>
           <a:p>
             <a:r>
-              <a:rPr lang="en-US" smtClean="0"/>
+              <a:rPr lang="en-US"/>
               <a:t>Click to edit Master title style</a:t>
             </a:r>
             <a:endParaRPr lang="en-US" dirty="0"/>
@@ -769,7 +769,7 @@
           </a:lstStyle>
           <a:p>
             <a:r>
-              <a:rPr lang="en-US" smtClean="0"/>
+              <a:rPr lang="en-US"/>
               <a:t>Click to edit Master subtitle style</a:t>
             </a:r>
             <a:endParaRPr lang="en-US" dirty="0"/>
@@ -792,10 +792,9 @@
           <a:lstStyle/>
           <a:p>
             <a:r>
-              <a:rPr lang="en-US" smtClean="0"/>
+              <a:rPr lang="en-US"/>
               <a:t>8/5/2019</a:t>
             </a:r>
-            <a:endParaRPr lang="en-US"/>
           </a:p>
         </p:txBody>
       </p:sp>
@@ -815,7 +814,7 @@
           <a:lstStyle/>
           <a:p>
             <a:r>
-              <a:rPr lang="fi-FI" smtClean="0"/>
+              <a:rPr lang="fi-FI"/>
               <a:t>NTUA I. Papakrivopoulos, G. Bakas</a:t>
             </a:r>
             <a:endParaRPr lang="en-US"/>
@@ -929,7 +928,7 @@
           <a:lstStyle/>
           <a:p>
             <a:r>
-              <a:rPr lang="en-US" smtClean="0"/>
+              <a:rPr lang="en-US"/>
               <a:t>Click to edit Master title style</a:t>
             </a:r>
             <a:endParaRPr lang="en-US" dirty="0"/>
@@ -953,35 +952,35 @@
           <a:p>
             <a:pPr lvl="0"/>
             <a:r>
-              <a:rPr lang="en-US" smtClean="0"/>
+              <a:rPr lang="en-US"/>
               <a:t>Edit Master text styles</a:t>
             </a:r>
           </a:p>
           <a:p>
             <a:pPr lvl="1"/>
             <a:r>
-              <a:rPr lang="en-US" smtClean="0"/>
+              <a:rPr lang="en-US"/>
               <a:t>Second level</a:t>
             </a:r>
           </a:p>
           <a:p>
             <a:pPr lvl="2"/>
             <a:r>
-              <a:rPr lang="en-US" smtClean="0"/>
+              <a:rPr lang="en-US"/>
               <a:t>Third level</a:t>
             </a:r>
           </a:p>
           <a:p>
             <a:pPr lvl="3"/>
             <a:r>
-              <a:rPr lang="en-US" smtClean="0"/>
+              <a:rPr lang="en-US"/>
               <a:t>Fourth level</a:t>
             </a:r>
           </a:p>
           <a:p>
             <a:pPr lvl="4"/>
             <a:r>
-              <a:rPr lang="en-US" smtClean="0"/>
+              <a:rPr lang="en-US"/>
               <a:t>Fifth level</a:t>
             </a:r>
             <a:endParaRPr lang="en-US" dirty="0"/>
@@ -1004,10 +1003,9 @@
           <a:lstStyle/>
           <a:p>
             <a:r>
-              <a:rPr lang="en-US" smtClean="0"/>
+              <a:rPr lang="en-US"/>
               <a:t>8/5/2019</a:t>
             </a:r>
-            <a:endParaRPr lang="en-US"/>
           </a:p>
         </p:txBody>
       </p:sp>
@@ -1027,7 +1025,7 @@
           <a:lstStyle/>
           <a:p>
             <a:r>
-              <a:rPr lang="fi-FI" smtClean="0"/>
+              <a:rPr lang="fi-FI"/>
               <a:t>NTUA I. Papakrivopoulos, G. Bakas</a:t>
             </a:r>
             <a:endParaRPr lang="en-US"/>
@@ -1184,7 +1182,7 @@
           <a:lstStyle/>
           <a:p>
             <a:r>
-              <a:rPr lang="en-US" smtClean="0"/>
+              <a:rPr lang="en-US"/>
               <a:t>Click to edit Master title style</a:t>
             </a:r>
             <a:endParaRPr lang="en-US" dirty="0"/>
@@ -1213,35 +1211,35 @@
           <a:p>
             <a:pPr lvl="0"/>
             <a:r>
-              <a:rPr lang="en-US" smtClean="0"/>
+              <a:rPr lang="en-US"/>
               <a:t>Edit Master text styles</a:t>
             </a:r>
           </a:p>
           <a:p>
             <a:pPr lvl="1"/>
             <a:r>
-              <a:rPr lang="en-US" smtClean="0"/>
+              <a:rPr lang="en-US"/>
               <a:t>Second level</a:t>
             </a:r>
           </a:p>
           <a:p>
             <a:pPr lvl="2"/>
             <a:r>
-              <a:rPr lang="en-US" smtClean="0"/>
+              <a:rPr lang="en-US"/>
               <a:t>Third level</a:t>
             </a:r>
           </a:p>
           <a:p>
             <a:pPr lvl="3"/>
             <a:r>
-              <a:rPr lang="en-US" smtClean="0"/>
+              <a:rPr lang="en-US"/>
               <a:t>Fourth level</a:t>
             </a:r>
           </a:p>
           <a:p>
             <a:pPr lvl="4"/>
             <a:r>
-              <a:rPr lang="en-US" smtClean="0"/>
+              <a:rPr lang="en-US"/>
               <a:t>Fifth level</a:t>
             </a:r>
             <a:endParaRPr lang="en-US" dirty="0"/>
@@ -1264,10 +1262,9 @@
           <a:lstStyle/>
           <a:p>
             <a:r>
-              <a:rPr lang="en-US" smtClean="0"/>
+              <a:rPr lang="en-US"/>
               <a:t>8/5/2019</a:t>
             </a:r>
-            <a:endParaRPr lang="en-US"/>
           </a:p>
         </p:txBody>
       </p:sp>
@@ -1287,7 +1284,7 @@
           <a:lstStyle/>
           <a:p>
             <a:r>
-              <a:rPr lang="fi-FI" smtClean="0"/>
+              <a:rPr lang="fi-FI"/>
               <a:t>NTUA I. Papakrivopoulos, G. Bakas</a:t>
             </a:r>
             <a:endParaRPr lang="en-US"/>
@@ -1363,7 +1360,7 @@
           <a:lstStyle/>
           <a:p>
             <a:r>
-              <a:rPr lang="en-US" smtClean="0"/>
+              <a:rPr lang="en-US"/>
               <a:t>Click to edit Master title style</a:t>
             </a:r>
             <a:endParaRPr lang="en-US" dirty="0"/>
@@ -1387,35 +1384,35 @@
           <a:p>
             <a:pPr lvl="0"/>
             <a:r>
-              <a:rPr lang="en-US" smtClean="0"/>
+              <a:rPr lang="en-US"/>
               <a:t>Edit Master text styles</a:t>
             </a:r>
           </a:p>
           <a:p>
             <a:pPr lvl="1"/>
             <a:r>
-              <a:rPr lang="en-US" smtClean="0"/>
+              <a:rPr lang="en-US"/>
               <a:t>Second level</a:t>
             </a:r>
           </a:p>
           <a:p>
             <a:pPr lvl="2"/>
             <a:r>
-              <a:rPr lang="en-US" smtClean="0"/>
+              <a:rPr lang="en-US"/>
               <a:t>Third level</a:t>
             </a:r>
           </a:p>
           <a:p>
             <a:pPr lvl="3"/>
             <a:r>
-              <a:rPr lang="en-US" smtClean="0"/>
+              <a:rPr lang="en-US"/>
               <a:t>Fourth level</a:t>
             </a:r>
           </a:p>
           <a:p>
             <a:pPr lvl="4"/>
             <a:r>
-              <a:rPr lang="en-US" smtClean="0"/>
+              <a:rPr lang="en-US"/>
               <a:t>Fifth level</a:t>
             </a:r>
             <a:endParaRPr lang="en-US" dirty="0"/>
@@ -1438,10 +1435,9 @@
           <a:lstStyle/>
           <a:p>
             <a:r>
-              <a:rPr lang="en-US" smtClean="0"/>
+              <a:rPr lang="en-US"/>
               <a:t>8/5/2019</a:t>
             </a:r>
-            <a:endParaRPr lang="en-US"/>
           </a:p>
         </p:txBody>
       </p:sp>
@@ -1461,7 +1457,7 @@
           <a:lstStyle/>
           <a:p>
             <a:r>
-              <a:rPr lang="fi-FI" smtClean="0"/>
+              <a:rPr lang="fi-FI"/>
               <a:t>NTUA I. Papakrivopoulos, G. Bakas</a:t>
             </a:r>
             <a:endParaRPr lang="en-US"/>
@@ -1642,7 +1638,7 @@
           </a:lstStyle>
           <a:p>
             <a:r>
-              <a:rPr lang="en-US" smtClean="0"/>
+              <a:rPr lang="en-US"/>
               <a:t>Click to edit Master title style</a:t>
             </a:r>
             <a:endParaRPr lang="en-US" dirty="0"/>
@@ -1763,7 +1759,7 @@
           <a:p>
             <a:pPr lvl="0"/>
             <a:r>
-              <a:rPr lang="en-US" smtClean="0"/>
+              <a:rPr lang="en-US"/>
               <a:t>Edit Master text styles</a:t>
             </a:r>
           </a:p>
@@ -1785,10 +1781,9 @@
           <a:lstStyle/>
           <a:p>
             <a:r>
-              <a:rPr lang="en-US" smtClean="0"/>
+              <a:rPr lang="en-US"/>
               <a:t>8/5/2019</a:t>
             </a:r>
-            <a:endParaRPr lang="en-US"/>
           </a:p>
         </p:txBody>
       </p:sp>
@@ -1808,7 +1803,7 @@
           <a:lstStyle/>
           <a:p>
             <a:r>
-              <a:rPr lang="fi-FI" smtClean="0"/>
+              <a:rPr lang="fi-FI"/>
               <a:t>NTUA I. Papakrivopoulos, G. Bakas</a:t>
             </a:r>
             <a:endParaRPr lang="en-US"/>
@@ -1927,7 +1922,7 @@
           <a:lstStyle/>
           <a:p>
             <a:r>
-              <a:rPr lang="en-US" smtClean="0"/>
+              <a:rPr lang="en-US"/>
               <a:t>Click to edit Master title style</a:t>
             </a:r>
             <a:endParaRPr lang="en-US" dirty="0"/>
@@ -1956,35 +1951,35 @@
           <a:p>
             <a:pPr lvl="0"/>
             <a:r>
-              <a:rPr lang="en-US" smtClean="0"/>
+              <a:rPr lang="en-US"/>
               <a:t>Edit Master text styles</a:t>
             </a:r>
           </a:p>
           <a:p>
             <a:pPr lvl="1"/>
             <a:r>
-              <a:rPr lang="en-US" smtClean="0"/>
+              <a:rPr lang="en-US"/>
               <a:t>Second level</a:t>
             </a:r>
           </a:p>
           <a:p>
             <a:pPr lvl="2"/>
             <a:r>
-              <a:rPr lang="en-US" smtClean="0"/>
+              <a:rPr lang="en-US"/>
               <a:t>Third level</a:t>
             </a:r>
           </a:p>
           <a:p>
             <a:pPr lvl="3"/>
             <a:r>
-              <a:rPr lang="en-US" smtClean="0"/>
+              <a:rPr lang="en-US"/>
               <a:t>Fourth level</a:t>
             </a:r>
           </a:p>
           <a:p>
             <a:pPr lvl="4"/>
             <a:r>
-              <a:rPr lang="en-US" smtClean="0"/>
+              <a:rPr lang="en-US"/>
               <a:t>Fifth level</a:t>
             </a:r>
             <a:endParaRPr lang="en-US" dirty="0"/>
@@ -2013,35 +2008,35 @@
           <a:p>
             <a:pPr lvl="0"/>
             <a:r>
-              <a:rPr lang="en-US" smtClean="0"/>
+              <a:rPr lang="en-US"/>
               <a:t>Edit Master text styles</a:t>
             </a:r>
           </a:p>
           <a:p>
             <a:pPr lvl="1"/>
             <a:r>
-              <a:rPr lang="en-US" smtClean="0"/>
+              <a:rPr lang="en-US"/>
               <a:t>Second level</a:t>
             </a:r>
           </a:p>
           <a:p>
             <a:pPr lvl="2"/>
             <a:r>
-              <a:rPr lang="en-US" smtClean="0"/>
+              <a:rPr lang="en-US"/>
               <a:t>Third level</a:t>
             </a:r>
           </a:p>
           <a:p>
             <a:pPr lvl="3"/>
             <a:r>
-              <a:rPr lang="en-US" smtClean="0"/>
+              <a:rPr lang="en-US"/>
               <a:t>Fourth level</a:t>
             </a:r>
           </a:p>
           <a:p>
             <a:pPr lvl="4"/>
             <a:r>
-              <a:rPr lang="en-US" smtClean="0"/>
+              <a:rPr lang="en-US"/>
               <a:t>Fifth level</a:t>
             </a:r>
             <a:endParaRPr lang="en-US" dirty="0"/>
@@ -2064,10 +2059,9 @@
           <a:lstStyle/>
           <a:p>
             <a:r>
-              <a:rPr lang="en-US" smtClean="0"/>
+              <a:rPr lang="en-US"/>
               <a:t>8/5/2019</a:t>
             </a:r>
-            <a:endParaRPr lang="en-US"/>
           </a:p>
         </p:txBody>
       </p:sp>
@@ -2087,7 +2081,7 @@
           <a:lstStyle/>
           <a:p>
             <a:r>
-              <a:rPr lang="fi-FI" smtClean="0"/>
+              <a:rPr lang="fi-FI"/>
               <a:t>NTUA I. Papakrivopoulos, G. Bakas</a:t>
             </a:r>
             <a:endParaRPr lang="en-US"/>
@@ -2168,7 +2162,7 @@
           <a:lstStyle/>
           <a:p>
             <a:r>
-              <a:rPr lang="en-US" smtClean="0"/>
+              <a:rPr lang="en-US"/>
               <a:t>Click to edit Master title style</a:t>
             </a:r>
             <a:endParaRPr lang="en-US" dirty="0"/>
@@ -2240,7 +2234,7 @@
           <a:p>
             <a:pPr lvl="0"/>
             <a:r>
-              <a:rPr lang="en-US" smtClean="0"/>
+              <a:rPr lang="en-US"/>
               <a:t>Edit Master text styles</a:t>
             </a:r>
           </a:p>
@@ -2268,35 +2262,35 @@
           <a:p>
             <a:pPr lvl="0"/>
             <a:r>
-              <a:rPr lang="en-US" smtClean="0"/>
+              <a:rPr lang="en-US"/>
               <a:t>Edit Master text styles</a:t>
             </a:r>
           </a:p>
           <a:p>
             <a:pPr lvl="1"/>
             <a:r>
-              <a:rPr lang="en-US" smtClean="0"/>
+              <a:rPr lang="en-US"/>
               <a:t>Second level</a:t>
             </a:r>
           </a:p>
           <a:p>
             <a:pPr lvl="2"/>
             <a:r>
-              <a:rPr lang="en-US" smtClean="0"/>
+              <a:rPr lang="en-US"/>
               <a:t>Third level</a:t>
             </a:r>
           </a:p>
           <a:p>
             <a:pPr lvl="3"/>
             <a:r>
-              <a:rPr lang="en-US" smtClean="0"/>
+              <a:rPr lang="en-US"/>
               <a:t>Fourth level</a:t>
             </a:r>
           </a:p>
           <a:p>
             <a:pPr lvl="4"/>
             <a:r>
-              <a:rPr lang="en-US" smtClean="0"/>
+              <a:rPr lang="en-US"/>
               <a:t>Fifth level</a:t>
             </a:r>
             <a:endParaRPr lang="en-US" dirty="0"/>
@@ -2368,7 +2362,7 @@
           <a:p>
             <a:pPr lvl="0"/>
             <a:r>
-              <a:rPr lang="en-US" smtClean="0"/>
+              <a:rPr lang="en-US"/>
               <a:t>Edit Master text styles</a:t>
             </a:r>
           </a:p>
@@ -2396,35 +2390,35 @@
           <a:p>
             <a:pPr lvl="0"/>
             <a:r>
-              <a:rPr lang="en-US" smtClean="0"/>
+              <a:rPr lang="en-US"/>
               <a:t>Edit Master text styles</a:t>
             </a:r>
           </a:p>
           <a:p>
             <a:pPr lvl="1"/>
             <a:r>
-              <a:rPr lang="en-US" smtClean="0"/>
+              <a:rPr lang="en-US"/>
               <a:t>Second level</a:t>
             </a:r>
           </a:p>
           <a:p>
             <a:pPr lvl="2"/>
             <a:r>
-              <a:rPr lang="en-US" smtClean="0"/>
+              <a:rPr lang="en-US"/>
               <a:t>Third level</a:t>
             </a:r>
           </a:p>
           <a:p>
             <a:pPr lvl="3"/>
             <a:r>
-              <a:rPr lang="en-US" smtClean="0"/>
+              <a:rPr lang="en-US"/>
               <a:t>Fourth level</a:t>
             </a:r>
           </a:p>
           <a:p>
             <a:pPr lvl="4"/>
             <a:r>
-              <a:rPr lang="en-US" smtClean="0"/>
+              <a:rPr lang="en-US"/>
               <a:t>Fifth level</a:t>
             </a:r>
             <a:endParaRPr lang="en-US" dirty="0"/>
@@ -2447,10 +2441,9 @@
           <a:lstStyle/>
           <a:p>
             <a:r>
-              <a:rPr lang="en-US" smtClean="0"/>
+              <a:rPr lang="en-US"/>
               <a:t>8/5/2019</a:t>
             </a:r>
-            <a:endParaRPr lang="en-US"/>
           </a:p>
         </p:txBody>
       </p:sp>
@@ -2470,7 +2463,7 @@
           <a:lstStyle/>
           <a:p>
             <a:r>
-              <a:rPr lang="fi-FI" smtClean="0"/>
+              <a:rPr lang="fi-FI"/>
               <a:t>NTUA I. Papakrivopoulos, G. Bakas</a:t>
             </a:r>
             <a:endParaRPr lang="en-US"/>
@@ -2546,7 +2539,7 @@
           <a:lstStyle/>
           <a:p>
             <a:r>
-              <a:rPr lang="en-US" smtClean="0"/>
+              <a:rPr lang="en-US"/>
               <a:t>Click to edit Master title style</a:t>
             </a:r>
             <a:endParaRPr lang="en-US" dirty="0"/>
@@ -2569,10 +2562,9 @@
           <a:lstStyle/>
           <a:p>
             <a:r>
-              <a:rPr lang="en-US" smtClean="0"/>
+              <a:rPr lang="en-US"/>
               <a:t>8/5/2019</a:t>
             </a:r>
-            <a:endParaRPr lang="en-US"/>
           </a:p>
         </p:txBody>
       </p:sp>
@@ -2592,7 +2584,7 @@
           <a:lstStyle/>
           <a:p>
             <a:r>
-              <a:rPr lang="fi-FI" smtClean="0"/>
+              <a:rPr lang="fi-FI"/>
               <a:t>NTUA I. Papakrivopoulos, G. Bakas</a:t>
             </a:r>
             <a:endParaRPr lang="en-US"/>
@@ -2744,10 +2736,9 @@
           <a:lstStyle/>
           <a:p>
             <a:r>
-              <a:rPr lang="en-US" smtClean="0"/>
+              <a:rPr lang="en-US"/>
               <a:t>8/5/2019</a:t>
             </a:r>
-            <a:endParaRPr lang="en-US"/>
           </a:p>
         </p:txBody>
       </p:sp>
@@ -2775,7 +2766,7 @@
           </a:lstStyle>
           <a:p>
             <a:r>
-              <a:rPr lang="fi-FI" smtClean="0"/>
+              <a:rPr lang="fi-FI"/>
               <a:t>NTUA I. Papakrivopoulos, G. Bakas</a:t>
             </a:r>
             <a:endParaRPr lang="en-US"/>
@@ -2942,7 +2933,7 @@
           </a:lstStyle>
           <a:p>
             <a:r>
-              <a:rPr lang="en-US" smtClean="0"/>
+              <a:rPr lang="en-US"/>
               <a:t>Click to edit Master title style</a:t>
             </a:r>
             <a:endParaRPr lang="en-US" dirty="0"/>
@@ -2971,35 +2962,35 @@
           <a:p>
             <a:pPr lvl="0"/>
             <a:r>
-              <a:rPr lang="en-US" smtClean="0"/>
+              <a:rPr lang="en-US"/>
               <a:t>Edit Master text styles</a:t>
             </a:r>
           </a:p>
           <a:p>
             <a:pPr lvl="1"/>
             <a:r>
-              <a:rPr lang="en-US" smtClean="0"/>
+              <a:rPr lang="en-US"/>
               <a:t>Second level</a:t>
             </a:r>
           </a:p>
           <a:p>
             <a:pPr lvl="2"/>
             <a:r>
-              <a:rPr lang="en-US" smtClean="0"/>
+              <a:rPr lang="en-US"/>
               <a:t>Third level</a:t>
             </a:r>
           </a:p>
           <a:p>
             <a:pPr lvl="3"/>
             <a:r>
-              <a:rPr lang="en-US" smtClean="0"/>
+              <a:rPr lang="en-US"/>
               <a:t>Fourth level</a:t>
             </a:r>
           </a:p>
           <a:p>
             <a:pPr lvl="4"/>
             <a:r>
-              <a:rPr lang="en-US" smtClean="0"/>
+              <a:rPr lang="en-US"/>
               <a:t>Fifth level</a:t>
             </a:r>
             <a:endParaRPr lang="en-US" dirty="0"/>
@@ -3071,7 +3062,7 @@
           <a:p>
             <a:pPr lvl="0"/>
             <a:r>
-              <a:rPr lang="en-US" smtClean="0"/>
+              <a:rPr lang="en-US"/>
               <a:t>Edit Master text styles</a:t>
             </a:r>
           </a:p>
@@ -3102,10 +3093,9 @@
           </a:lstStyle>
           <a:p>
             <a:r>
-              <a:rPr lang="en-US" smtClean="0"/>
+              <a:rPr lang="en-US"/>
               <a:t>8/5/2019</a:t>
             </a:r>
-            <a:endParaRPr lang="en-US"/>
           </a:p>
         </p:txBody>
       </p:sp>
@@ -3138,7 +3128,7 @@
           </a:lstStyle>
           <a:p>
             <a:r>
-              <a:rPr lang="fi-FI" smtClean="0"/>
+              <a:rPr lang="fi-FI"/>
               <a:t>NTUA I. Papakrivopoulos, G. Bakas</a:t>
             </a:r>
             <a:endParaRPr lang="en-US"/>
@@ -3313,7 +3303,7 @@
           </a:lstStyle>
           <a:p>
             <a:r>
-              <a:rPr lang="en-US" smtClean="0"/>
+              <a:rPr lang="en-US"/>
               <a:t>Click to edit Master title style</a:t>
             </a:r>
             <a:endParaRPr lang="en-US" dirty="0"/>
@@ -3383,7 +3373,7 @@
           </a:lstStyle>
           <a:p>
             <a:r>
-              <a:rPr lang="en-US" smtClean="0"/>
+              <a:rPr lang="en-US"/>
               <a:t>Click icon to add picture</a:t>
             </a:r>
             <a:endParaRPr lang="en-US" dirty="0"/>
@@ -3461,7 +3451,7 @@
           <a:p>
             <a:pPr lvl="0"/>
             <a:r>
-              <a:rPr lang="en-US" smtClean="0"/>
+              <a:rPr lang="en-US"/>
               <a:t>Edit Master text styles</a:t>
             </a:r>
           </a:p>
@@ -3483,10 +3473,9 @@
           <a:lstStyle/>
           <a:p>
             <a:r>
-              <a:rPr lang="en-US" smtClean="0"/>
+              <a:rPr lang="en-US"/>
               <a:t>8/5/2019</a:t>
             </a:r>
-            <a:endParaRPr lang="en-US"/>
           </a:p>
         </p:txBody>
       </p:sp>
@@ -3506,7 +3495,7 @@
           <a:lstStyle/>
           <a:p>
             <a:r>
-              <a:rPr lang="fi-FI" smtClean="0"/>
+              <a:rPr lang="fi-FI"/>
               <a:t>NTUA I. Papakrivopoulos, G. Bakas</a:t>
             </a:r>
             <a:endParaRPr lang="en-US"/>
@@ -3673,7 +3662,7 @@
           <a:lstStyle/>
           <a:p>
             <a:r>
-              <a:rPr lang="en-US" smtClean="0"/>
+              <a:rPr lang="en-US"/>
               <a:t>Click to edit Master title style</a:t>
             </a:r>
             <a:endParaRPr lang="en-US" dirty="0"/>
@@ -3707,35 +3696,35 @@
           <a:p>
             <a:pPr lvl="0"/>
             <a:r>
-              <a:rPr lang="en-US" smtClean="0"/>
+              <a:rPr lang="en-US"/>
               <a:t>Edit Master text styles</a:t>
             </a:r>
           </a:p>
           <a:p>
             <a:pPr lvl="1"/>
             <a:r>
-              <a:rPr lang="en-US" smtClean="0"/>
+              <a:rPr lang="en-US"/>
               <a:t>Second level</a:t>
             </a:r>
           </a:p>
           <a:p>
             <a:pPr lvl="2"/>
             <a:r>
-              <a:rPr lang="en-US" smtClean="0"/>
+              <a:rPr lang="en-US"/>
               <a:t>Third level</a:t>
             </a:r>
           </a:p>
           <a:p>
             <a:pPr lvl="3"/>
             <a:r>
-              <a:rPr lang="en-US" smtClean="0"/>
+              <a:rPr lang="en-US"/>
               <a:t>Fourth level</a:t>
             </a:r>
           </a:p>
           <a:p>
             <a:pPr lvl="4"/>
             <a:r>
-              <a:rPr lang="en-US" smtClean="0"/>
+              <a:rPr lang="en-US"/>
               <a:t>Fifth level</a:t>
             </a:r>
             <a:endParaRPr lang="en-US" dirty="0"/>
@@ -3774,10 +3763,9 @@
           </a:lstStyle>
           <a:p>
             <a:r>
-              <a:rPr lang="en-US" smtClean="0"/>
+              <a:rPr lang="en-US"/>
               <a:t>8/5/2019</a:t>
             </a:r>
-            <a:endParaRPr lang="en-US"/>
           </a:p>
         </p:txBody>
       </p:sp>
@@ -3813,7 +3801,7 @@
           </a:lstStyle>
           <a:p>
             <a:r>
-              <a:rPr lang="fi-FI" smtClean="0"/>
+              <a:rPr lang="fi-FI"/>
               <a:t>NTUA I. Papakrivopoulos, G. Bakas</a:t>
             </a:r>
             <a:endParaRPr lang="en-US"/>
@@ -4334,43 +4322,34 @@
           <a:p>
             <a:pPr algn="ctr"/>
             <a:r>
-              <a:rPr lang="en-US" sz="4200" dirty="0" smtClean="0"/>
+              <a:rPr lang="en-US" sz="4200" dirty="0"/>
               <a:t>Top Discriminator </a:t>
             </a:r>
             <a:br>
-              <a:rPr lang="en-US" sz="4200" dirty="0" smtClean="0"/>
+              <a:rPr lang="en-US" sz="4200" dirty="0"/>
             </a:br>
             <a:r>
-              <a:rPr lang="en-US" sz="4200" dirty="0" smtClean="0"/>
+              <a:rPr lang="en-US" sz="4200" dirty="0"/>
               <a:t>Efficiencies and Signal Over </a:t>
             </a:r>
             <a:r>
-              <a:rPr lang="en-US" sz="4200" dirty="0" err="1" smtClean="0"/>
+              <a:rPr lang="en-US" sz="4200" dirty="0" err="1"/>
               <a:t>Bkg</a:t>
             </a:r>
             <a:r>
-              <a:rPr lang="en-US" sz="4200" dirty="0" smtClean="0"/>
+              <a:rPr lang="en-US" sz="4200" dirty="0"/>
               <a:t> for several selection Categories</a:t>
             </a:r>
-            <a:r>
-              <a:rPr lang="en-US" sz="4500" dirty="0" smtClean="0"/>
-              <a:t/>
-            </a:r>
             <a:br>
-              <a:rPr lang="en-US" sz="4500" dirty="0" smtClean="0"/>
+              <a:rPr lang="en-US" sz="4500" dirty="0"/>
             </a:br>
-            <a:r>
-              <a:rPr lang="en-US" sz="4500" dirty="0" smtClean="0"/>
-              <a:t/>
-            </a:r>
             <a:br>
-              <a:rPr lang="en-US" sz="4500" dirty="0" smtClean="0"/>
+              <a:rPr lang="en-US" sz="4500" dirty="0"/>
             </a:br>
             <a:r>
-              <a:rPr lang="en-US" sz="4500" dirty="0" smtClean="0"/>
+              <a:rPr lang="en-US" sz="4500" dirty="0"/>
               <a:t>NTUA</a:t>
             </a:r>
-            <a:endParaRPr lang="en-US" sz="4500" dirty="0"/>
           </a:p>
         </p:txBody>
       </p:sp>
@@ -4540,10 +4519,9 @@
           <a:lstStyle/>
           <a:p>
             <a:r>
-              <a:rPr lang="en-US" smtClean="0"/>
+              <a:rPr lang="en-US"/>
               <a:t>8/5/2019</a:t>
             </a:r>
-            <a:endParaRPr lang="en-US"/>
           </a:p>
         </p:txBody>
       </p:sp>
@@ -4576,34 +4554,33 @@
           <a:lstStyle/>
           <a:p>
             <a:r>
-              <a:rPr lang="en-US" sz="3600" dirty="0" smtClean="0"/>
+              <a:rPr lang="en-US" sz="3600" dirty="0"/>
               <a:t>Signal over </a:t>
             </a:r>
             <a:r>
-              <a:rPr lang="en-US" sz="3600" dirty="0" err="1" smtClean="0"/>
+              <a:rPr lang="en-US" sz="3600" dirty="0" err="1"/>
               <a:t>Bkg</a:t>
             </a:r>
             <a:r>
-              <a:rPr lang="en-US" sz="3600" dirty="0" smtClean="0"/>
+              <a:rPr lang="en-US" sz="3600" dirty="0"/>
               <a:t> for </a:t>
             </a:r>
             <a:r>
-              <a:rPr lang="en-US" sz="3600" dirty="0" err="1" smtClean="0"/>
+              <a:rPr lang="en-US" sz="3600" dirty="0" err="1"/>
               <a:t>mJJ</a:t>
             </a:r>
             <a:r>
-              <a:rPr lang="en-US" sz="3600" dirty="0" smtClean="0"/>
+              <a:rPr lang="en-US" sz="3600" dirty="0"/>
               <a:t> (</a:t>
             </a:r>
             <a:r>
-              <a:rPr lang="en-US" sz="3600" dirty="0" err="1" smtClean="0"/>
+              <a:rPr lang="en-US" sz="3600" dirty="0" err="1"/>
               <a:t>reco</a:t>
             </a:r>
             <a:r>
-              <a:rPr lang="en-US" sz="3600" dirty="0" smtClean="0"/>
+              <a:rPr lang="en-US" sz="3600" dirty="0"/>
               <a:t>)</a:t>
             </a:r>
-            <a:endParaRPr lang="en-US" sz="3600" dirty="0"/>
           </a:p>
         </p:txBody>
       </p:sp>
@@ -4631,25 +4608,24 @@
           <a:p>
             <a:pPr algn="ctr"/>
             <a:r>
-              <a:rPr lang="en-GB" sz="1400" dirty="0" smtClean="0"/>
+              <a:rPr lang="en-GB" sz="1400" dirty="0"/>
               <a:t>nominal TT_TuneCUETP8M2T4_13TeV-powherg-pythia8</a:t>
             </a:r>
           </a:p>
           <a:p>
             <a:pPr algn="ctr"/>
             <a:r>
-              <a:rPr lang="en-GB" sz="1400" dirty="0" smtClean="0"/>
+              <a:rPr lang="en-GB" sz="1400" dirty="0"/>
               <a:t> Over </a:t>
             </a:r>
             <a:r>
-              <a:rPr lang="en-GB" sz="1400" dirty="0" err="1" smtClean="0"/>
+              <a:rPr lang="en-GB" sz="1400" dirty="0" err="1"/>
               <a:t>Bkg</a:t>
             </a:r>
             <a:r>
-              <a:rPr lang="en-GB" sz="1400" dirty="0" smtClean="0"/>
+              <a:rPr lang="en-GB" sz="1400" dirty="0"/>
               <a:t> (All Categories)</a:t>
             </a:r>
-            <a:endParaRPr lang="en-GB" sz="1400" dirty="0"/>
           </a:p>
         </p:txBody>
       </p:sp>
@@ -4676,17 +4652,12 @@
           <a:p>
             <a:r>
               <a:rPr lang="en-GB" b="1" dirty="0"/>
-              <a:t>Top </a:t>
-            </a:r>
-            <a:r>
-              <a:rPr lang="en-GB" b="1" dirty="0" smtClean="0"/>
-              <a:t>tagger cut </a:t>
-            </a:r>
-            <a:r>
-              <a:rPr lang="en-GB" dirty="0" smtClean="0"/>
+              <a:t>Top tagger cut </a:t>
+            </a:r>
+            <a:r>
+              <a:rPr lang="en-GB" dirty="0"/>
               <a:t>: 0.6</a:t>
             </a:r>
-            <a:endParaRPr lang="en-GB" dirty="0"/>
           </a:p>
           <a:p>
             <a:r>
@@ -4695,15 +4666,7 @@
             </a:r>
             <a:r>
               <a:rPr lang="en-GB" dirty="0"/>
-              <a:t>: </a:t>
-            </a:r>
-            <a:r>
-              <a:rPr lang="en-GB" dirty="0" smtClean="0"/>
-              <a:t>Loose </a:t>
-            </a:r>
-            <a:r>
-              <a:rPr lang="en-GB" dirty="0"/>
-              <a:t>working point</a:t>
+              <a:t>: Loose working point</a:t>
             </a:r>
           </a:p>
         </p:txBody>
@@ -4724,7 +4687,7 @@
           <a:lstStyle/>
           <a:p>
             <a:r>
-              <a:rPr lang="fi-FI" smtClean="0"/>
+              <a:rPr lang="fi-FI"/>
               <a:t>NTUA I. Papakrivopoulos, G. Bakas</a:t>
             </a:r>
             <a:endParaRPr lang="en-US"/>
@@ -4755,14 +4718,13 @@
           <a:p>
             <a:pPr algn="ctr"/>
             <a:r>
-              <a:rPr lang="en-GB" sz="1400" dirty="0" err="1" smtClean="0"/>
+              <a:rPr lang="en-GB" sz="1400" dirty="0" err="1"/>
               <a:t>Mtt</a:t>
             </a:r>
             <a:r>
-              <a:rPr lang="en-GB" sz="1400" dirty="0" smtClean="0"/>
+              <a:rPr lang="en-GB" sz="1400" dirty="0"/>
               <a:t> Samples</a:t>
             </a:r>
-            <a:endParaRPr lang="en-GB" sz="1400" dirty="0"/>
           </a:p>
         </p:txBody>
       </p:sp>
@@ -4835,10 +4797,9 @@
           <a:lstStyle/>
           <a:p>
             <a:r>
-              <a:rPr lang="en-US" smtClean="0"/>
+              <a:rPr lang="en-US"/>
               <a:t>8/5/2019</a:t>
             </a:r>
-            <a:endParaRPr lang="en-US"/>
           </a:p>
         </p:txBody>
       </p:sp>
@@ -4871,34 +4832,33 @@
           <a:lstStyle/>
           <a:p>
             <a:r>
-              <a:rPr lang="en-US" sz="3600" dirty="0" smtClean="0"/>
+              <a:rPr lang="en-US" sz="3600" dirty="0"/>
               <a:t>Signal over </a:t>
             </a:r>
             <a:r>
-              <a:rPr lang="en-US" sz="3600" dirty="0" err="1" smtClean="0"/>
+              <a:rPr lang="en-US" sz="3600" dirty="0" err="1"/>
               <a:t>Bkg</a:t>
             </a:r>
             <a:r>
-              <a:rPr lang="en-US" sz="3600" dirty="0" smtClean="0"/>
+              <a:rPr lang="en-US" sz="3600" dirty="0"/>
               <a:t> for </a:t>
             </a:r>
             <a:r>
-              <a:rPr lang="en-US" sz="3600" dirty="0" err="1" smtClean="0"/>
+              <a:rPr lang="en-US" sz="3600" dirty="0" err="1"/>
               <a:t>mJJ</a:t>
             </a:r>
             <a:r>
-              <a:rPr lang="en-US" sz="3600" dirty="0" smtClean="0"/>
+              <a:rPr lang="en-US" sz="3600" dirty="0"/>
               <a:t> (</a:t>
             </a:r>
             <a:r>
-              <a:rPr lang="en-US" sz="3600" dirty="0" err="1" smtClean="0"/>
+              <a:rPr lang="en-US" sz="3600" dirty="0" err="1"/>
               <a:t>reco</a:t>
             </a:r>
             <a:r>
-              <a:rPr lang="en-US" sz="3600" dirty="0" smtClean="0"/>
+              <a:rPr lang="en-US" sz="3600" dirty="0"/>
               <a:t>)</a:t>
             </a:r>
-            <a:endParaRPr lang="en-US" sz="3600" dirty="0"/>
           </a:p>
         </p:txBody>
       </p:sp>
@@ -4926,25 +4886,24 @@
           <a:p>
             <a:pPr algn="ctr"/>
             <a:r>
-              <a:rPr lang="en-GB" sz="1400" dirty="0" smtClean="0"/>
+              <a:rPr lang="en-GB" sz="1400" dirty="0"/>
               <a:t>nominal TT_TuneCUETP8M2T4_13TeV-powherg-pythia8</a:t>
             </a:r>
           </a:p>
           <a:p>
             <a:pPr algn="ctr"/>
             <a:r>
-              <a:rPr lang="en-GB" sz="1400" dirty="0" smtClean="0"/>
+              <a:rPr lang="en-GB" sz="1400" dirty="0"/>
               <a:t> Over </a:t>
             </a:r>
             <a:r>
-              <a:rPr lang="en-GB" sz="1400" dirty="0" err="1" smtClean="0"/>
+              <a:rPr lang="en-GB" sz="1400" dirty="0" err="1"/>
               <a:t>Bkg</a:t>
             </a:r>
             <a:r>
-              <a:rPr lang="en-GB" sz="1400" dirty="0" smtClean="0"/>
+              <a:rPr lang="en-GB" sz="1400" dirty="0"/>
               <a:t> (All Categories)</a:t>
             </a:r>
-            <a:endParaRPr lang="en-GB" sz="1400" dirty="0"/>
           </a:p>
         </p:txBody>
       </p:sp>
@@ -4971,17 +4930,12 @@
           <a:p>
             <a:r>
               <a:rPr lang="en-GB" b="1" dirty="0"/>
-              <a:t>Top </a:t>
-            </a:r>
-            <a:r>
-              <a:rPr lang="en-GB" b="1" dirty="0" smtClean="0"/>
-              <a:t>tagger cut </a:t>
-            </a:r>
-            <a:r>
-              <a:rPr lang="en-GB" dirty="0" smtClean="0"/>
+              <a:t>Top tagger cut </a:t>
+            </a:r>
+            <a:r>
+              <a:rPr lang="en-GB" dirty="0"/>
               <a:t>: 0.7</a:t>
             </a:r>
-            <a:endParaRPr lang="en-GB" dirty="0"/>
           </a:p>
           <a:p>
             <a:r>
@@ -4990,15 +4944,7 @@
             </a:r>
             <a:r>
               <a:rPr lang="en-GB" dirty="0"/>
-              <a:t>: </a:t>
-            </a:r>
-            <a:r>
-              <a:rPr lang="en-GB" dirty="0" smtClean="0"/>
-              <a:t>Loose </a:t>
-            </a:r>
-            <a:r>
-              <a:rPr lang="en-GB" dirty="0"/>
-              <a:t>working point</a:t>
+              <a:t>: Loose working point</a:t>
             </a:r>
           </a:p>
         </p:txBody>
@@ -5019,7 +4965,7 @@
           <a:lstStyle/>
           <a:p>
             <a:r>
-              <a:rPr lang="fi-FI" smtClean="0"/>
+              <a:rPr lang="fi-FI"/>
               <a:t>NTUA I. Papakrivopoulos, G. Bakas</a:t>
             </a:r>
             <a:endParaRPr lang="en-US"/>
@@ -5050,14 +4996,13 @@
           <a:p>
             <a:pPr algn="ctr"/>
             <a:r>
-              <a:rPr lang="en-GB" sz="1400" dirty="0" err="1" smtClean="0"/>
+              <a:rPr lang="en-GB" sz="1400" dirty="0" err="1"/>
               <a:t>Mtt</a:t>
             </a:r>
             <a:r>
-              <a:rPr lang="en-GB" sz="1400" dirty="0" smtClean="0"/>
+              <a:rPr lang="en-GB" sz="1400" dirty="0"/>
               <a:t> Samples</a:t>
             </a:r>
-            <a:endParaRPr lang="en-GB" sz="1400" dirty="0"/>
           </a:p>
         </p:txBody>
       </p:sp>
@@ -5130,10 +5075,9 @@
           <a:lstStyle/>
           <a:p>
             <a:r>
-              <a:rPr lang="en-US" smtClean="0"/>
+              <a:rPr lang="en-US"/>
               <a:t>8/5/2019</a:t>
             </a:r>
-            <a:endParaRPr lang="en-US"/>
           </a:p>
         </p:txBody>
       </p:sp>
@@ -5166,34 +5110,33 @@
           <a:lstStyle/>
           <a:p>
             <a:r>
-              <a:rPr lang="en-US" sz="3600" dirty="0" smtClean="0"/>
+              <a:rPr lang="en-US" sz="3600" dirty="0"/>
               <a:t>Signal over </a:t>
             </a:r>
             <a:r>
-              <a:rPr lang="en-US" sz="3600" dirty="0" err="1" smtClean="0"/>
+              <a:rPr lang="en-US" sz="3600" dirty="0" err="1"/>
               <a:t>Bkg</a:t>
             </a:r>
             <a:r>
-              <a:rPr lang="en-US" sz="3600" dirty="0" smtClean="0"/>
+              <a:rPr lang="en-US" sz="3600" dirty="0"/>
               <a:t> for </a:t>
             </a:r>
             <a:r>
-              <a:rPr lang="en-US" sz="3600" dirty="0" err="1" smtClean="0"/>
+              <a:rPr lang="en-US" sz="3600" dirty="0" err="1"/>
               <a:t>mJJ</a:t>
             </a:r>
             <a:r>
-              <a:rPr lang="en-US" sz="3600" dirty="0" smtClean="0"/>
+              <a:rPr lang="en-US" sz="3600" dirty="0"/>
               <a:t> (</a:t>
             </a:r>
             <a:r>
-              <a:rPr lang="en-US" sz="3600" dirty="0" err="1" smtClean="0"/>
+              <a:rPr lang="en-US" sz="3600" dirty="0" err="1"/>
               <a:t>reco</a:t>
             </a:r>
             <a:r>
-              <a:rPr lang="en-US" sz="3600" dirty="0" smtClean="0"/>
+              <a:rPr lang="en-US" sz="3600" dirty="0"/>
               <a:t>)</a:t>
             </a:r>
-            <a:endParaRPr lang="en-US" sz="3600" dirty="0"/>
           </a:p>
         </p:txBody>
       </p:sp>
@@ -5221,25 +5164,24 @@
           <a:p>
             <a:pPr algn="ctr"/>
             <a:r>
-              <a:rPr lang="en-GB" sz="1400" dirty="0" smtClean="0"/>
+              <a:rPr lang="en-GB" sz="1400" dirty="0"/>
               <a:t>nominal TT_TuneCUETP8M2T4_13TeV-powherg-pythia8</a:t>
             </a:r>
           </a:p>
           <a:p>
             <a:pPr algn="ctr"/>
             <a:r>
-              <a:rPr lang="en-GB" sz="1400" dirty="0" smtClean="0"/>
+              <a:rPr lang="en-GB" sz="1400" dirty="0"/>
               <a:t> Over </a:t>
             </a:r>
             <a:r>
-              <a:rPr lang="en-GB" sz="1400" dirty="0" err="1" smtClean="0"/>
+              <a:rPr lang="en-GB" sz="1400" dirty="0" err="1"/>
               <a:t>Bkg</a:t>
             </a:r>
             <a:r>
-              <a:rPr lang="en-GB" sz="1400" dirty="0" smtClean="0"/>
+              <a:rPr lang="en-GB" sz="1400" dirty="0"/>
               <a:t> (All Categories)</a:t>
             </a:r>
-            <a:endParaRPr lang="en-GB" sz="1400" dirty="0"/>
           </a:p>
         </p:txBody>
       </p:sp>
@@ -5266,17 +5208,12 @@
           <a:p>
             <a:r>
               <a:rPr lang="en-GB" b="1" dirty="0"/>
-              <a:t>Top </a:t>
-            </a:r>
-            <a:r>
-              <a:rPr lang="en-GB" b="1" dirty="0" smtClean="0"/>
-              <a:t>tagger cut </a:t>
-            </a:r>
-            <a:r>
-              <a:rPr lang="en-GB" dirty="0" smtClean="0"/>
+              <a:t>Top tagger cut </a:t>
+            </a:r>
+            <a:r>
+              <a:rPr lang="en-GB" dirty="0"/>
               <a:t>: 0.8</a:t>
             </a:r>
-            <a:endParaRPr lang="en-GB" dirty="0"/>
           </a:p>
           <a:p>
             <a:r>
@@ -5285,15 +5222,7 @@
             </a:r>
             <a:r>
               <a:rPr lang="en-GB" dirty="0"/>
-              <a:t>: </a:t>
-            </a:r>
-            <a:r>
-              <a:rPr lang="en-GB" dirty="0" smtClean="0"/>
-              <a:t>Loose </a:t>
-            </a:r>
-            <a:r>
-              <a:rPr lang="en-GB" dirty="0"/>
-              <a:t>working point</a:t>
+              <a:t>: Loose working point</a:t>
             </a:r>
           </a:p>
         </p:txBody>
@@ -5314,7 +5243,7 @@
           <a:lstStyle/>
           <a:p>
             <a:r>
-              <a:rPr lang="fi-FI" smtClean="0"/>
+              <a:rPr lang="fi-FI"/>
               <a:t>NTUA I. Papakrivopoulos, G. Bakas</a:t>
             </a:r>
             <a:endParaRPr lang="en-US"/>
@@ -5345,14 +5274,13 @@
           <a:p>
             <a:pPr algn="ctr"/>
             <a:r>
-              <a:rPr lang="en-GB" sz="1400" dirty="0" err="1" smtClean="0"/>
+              <a:rPr lang="en-GB" sz="1400" dirty="0" err="1"/>
               <a:t>Mtt</a:t>
             </a:r>
             <a:r>
-              <a:rPr lang="en-GB" sz="1400" dirty="0" smtClean="0"/>
+              <a:rPr lang="en-GB" sz="1400" dirty="0"/>
               <a:t> Samples</a:t>
             </a:r>
-            <a:endParaRPr lang="en-GB" sz="1400" dirty="0"/>
           </a:p>
         </p:txBody>
       </p:sp>
@@ -5425,10 +5353,9 @@
           <a:lstStyle/>
           <a:p>
             <a:r>
-              <a:rPr lang="en-US" smtClean="0"/>
+              <a:rPr lang="en-US"/>
               <a:t>8/5/2019</a:t>
             </a:r>
-            <a:endParaRPr lang="en-US"/>
           </a:p>
         </p:txBody>
       </p:sp>
@@ -5461,34 +5388,33 @@
           <a:lstStyle/>
           <a:p>
             <a:r>
-              <a:rPr lang="en-US" sz="3600" dirty="0" smtClean="0"/>
+              <a:rPr lang="en-US" sz="3600" dirty="0"/>
               <a:t>Signal over </a:t>
             </a:r>
             <a:r>
-              <a:rPr lang="en-US" sz="3600" dirty="0" err="1" smtClean="0"/>
+              <a:rPr lang="en-US" sz="3600" dirty="0" err="1"/>
               <a:t>Bkg</a:t>
             </a:r>
             <a:r>
-              <a:rPr lang="en-US" sz="3600" dirty="0" smtClean="0"/>
+              <a:rPr lang="en-US" sz="3600" dirty="0"/>
               <a:t> for </a:t>
             </a:r>
             <a:r>
-              <a:rPr lang="en-US" sz="3600" dirty="0" err="1" smtClean="0"/>
+              <a:rPr lang="en-US" sz="3600" dirty="0" err="1"/>
               <a:t>mJJ</a:t>
             </a:r>
             <a:r>
-              <a:rPr lang="en-US" sz="3600" dirty="0" smtClean="0"/>
+              <a:rPr lang="en-US" sz="3600" dirty="0"/>
               <a:t> (</a:t>
             </a:r>
             <a:r>
-              <a:rPr lang="en-US" sz="3600" dirty="0" err="1" smtClean="0"/>
+              <a:rPr lang="en-US" sz="3600" dirty="0" err="1"/>
               <a:t>reco</a:t>
             </a:r>
             <a:r>
-              <a:rPr lang="en-US" sz="3600" dirty="0" smtClean="0"/>
+              <a:rPr lang="en-US" sz="3600" dirty="0"/>
               <a:t>)</a:t>
             </a:r>
-            <a:endParaRPr lang="en-US" sz="3600" dirty="0"/>
           </a:p>
         </p:txBody>
       </p:sp>
@@ -5516,25 +5442,24 @@
           <a:p>
             <a:pPr algn="ctr"/>
             <a:r>
-              <a:rPr lang="en-GB" sz="1400" dirty="0" smtClean="0"/>
+              <a:rPr lang="en-GB" sz="1400" dirty="0"/>
               <a:t>nominal TT_TuneCUETP8M2T4_13TeV-powherg-pythia8</a:t>
             </a:r>
           </a:p>
           <a:p>
             <a:pPr algn="ctr"/>
             <a:r>
-              <a:rPr lang="en-GB" sz="1400" dirty="0" smtClean="0"/>
+              <a:rPr lang="en-GB" sz="1400" dirty="0"/>
               <a:t> Over </a:t>
             </a:r>
             <a:r>
-              <a:rPr lang="en-GB" sz="1400" dirty="0" err="1" smtClean="0"/>
+              <a:rPr lang="en-GB" sz="1400" dirty="0" err="1"/>
               <a:t>Bkg</a:t>
             </a:r>
             <a:r>
-              <a:rPr lang="en-GB" sz="1400" dirty="0" smtClean="0"/>
+              <a:rPr lang="en-GB" sz="1400" dirty="0"/>
               <a:t> (All Categories)</a:t>
             </a:r>
-            <a:endParaRPr lang="en-GB" sz="1400" dirty="0"/>
           </a:p>
         </p:txBody>
       </p:sp>
@@ -5561,17 +5486,12 @@
           <a:p>
             <a:r>
               <a:rPr lang="en-GB" b="1" dirty="0"/>
-              <a:t>Top </a:t>
-            </a:r>
-            <a:r>
-              <a:rPr lang="en-GB" b="1" dirty="0" smtClean="0"/>
-              <a:t>tagger cut </a:t>
-            </a:r>
-            <a:r>
-              <a:rPr lang="en-GB" dirty="0" smtClean="0"/>
+              <a:t>Top tagger cut </a:t>
+            </a:r>
+            <a:r>
+              <a:rPr lang="en-GB" dirty="0"/>
               <a:t>: 0.6</a:t>
             </a:r>
-            <a:endParaRPr lang="en-GB" dirty="0"/>
           </a:p>
           <a:p>
             <a:r>
@@ -5580,15 +5500,7 @@
             </a:r>
             <a:r>
               <a:rPr lang="en-GB" dirty="0"/>
-              <a:t>: </a:t>
-            </a:r>
-            <a:r>
-              <a:rPr lang="en-GB" dirty="0" smtClean="0"/>
-              <a:t>Medium </a:t>
-            </a:r>
-            <a:r>
-              <a:rPr lang="en-GB" dirty="0"/>
-              <a:t>working point</a:t>
+              <a:t>: Medium working point</a:t>
             </a:r>
           </a:p>
         </p:txBody>
@@ -5609,7 +5521,7 @@
           <a:lstStyle/>
           <a:p>
             <a:r>
-              <a:rPr lang="fi-FI" smtClean="0"/>
+              <a:rPr lang="fi-FI"/>
               <a:t>NTUA I. Papakrivopoulos, G. Bakas</a:t>
             </a:r>
             <a:endParaRPr lang="en-US"/>
@@ -5640,14 +5552,13 @@
           <a:p>
             <a:pPr algn="ctr"/>
             <a:r>
-              <a:rPr lang="en-GB" sz="1400" dirty="0" err="1" smtClean="0"/>
+              <a:rPr lang="en-GB" sz="1400" dirty="0" err="1"/>
               <a:t>Mtt</a:t>
             </a:r>
             <a:r>
-              <a:rPr lang="en-GB" sz="1400" dirty="0" smtClean="0"/>
+              <a:rPr lang="en-GB" sz="1400" dirty="0"/>
               <a:t> Samples</a:t>
             </a:r>
-            <a:endParaRPr lang="en-GB" sz="1400" dirty="0"/>
           </a:p>
         </p:txBody>
       </p:sp>
@@ -5720,10 +5631,9 @@
           <a:lstStyle/>
           <a:p>
             <a:r>
-              <a:rPr lang="en-US" smtClean="0"/>
+              <a:rPr lang="en-US"/>
               <a:t>8/5/2019</a:t>
             </a:r>
-            <a:endParaRPr lang="en-US"/>
           </a:p>
         </p:txBody>
       </p:sp>
@@ -5756,34 +5666,33 @@
           <a:lstStyle/>
           <a:p>
             <a:r>
-              <a:rPr lang="en-US" sz="3600" dirty="0" smtClean="0"/>
+              <a:rPr lang="en-US" sz="3600" dirty="0"/>
               <a:t>Signal over </a:t>
             </a:r>
             <a:r>
-              <a:rPr lang="en-US" sz="3600" dirty="0" err="1" smtClean="0"/>
+              <a:rPr lang="en-US" sz="3600" dirty="0" err="1"/>
               <a:t>Bkg</a:t>
             </a:r>
             <a:r>
-              <a:rPr lang="en-US" sz="3600" dirty="0" smtClean="0"/>
+              <a:rPr lang="en-US" sz="3600" dirty="0"/>
               <a:t> for </a:t>
             </a:r>
             <a:r>
-              <a:rPr lang="en-US" sz="3600" dirty="0" err="1" smtClean="0"/>
+              <a:rPr lang="en-US" sz="3600" dirty="0" err="1"/>
               <a:t>mJJ</a:t>
             </a:r>
             <a:r>
-              <a:rPr lang="en-US" sz="3600" dirty="0" smtClean="0"/>
+              <a:rPr lang="en-US" sz="3600" dirty="0"/>
               <a:t> (</a:t>
             </a:r>
             <a:r>
-              <a:rPr lang="en-US" sz="3600" dirty="0" err="1" smtClean="0"/>
+              <a:rPr lang="en-US" sz="3600" dirty="0" err="1"/>
               <a:t>reco</a:t>
             </a:r>
             <a:r>
-              <a:rPr lang="en-US" sz="3600" dirty="0" smtClean="0"/>
+              <a:rPr lang="en-US" sz="3600" dirty="0"/>
               <a:t>)</a:t>
             </a:r>
-            <a:endParaRPr lang="en-US" sz="3600" dirty="0"/>
           </a:p>
         </p:txBody>
       </p:sp>
@@ -5811,25 +5720,24 @@
           <a:p>
             <a:pPr algn="ctr"/>
             <a:r>
-              <a:rPr lang="en-GB" sz="1400" dirty="0" smtClean="0"/>
+              <a:rPr lang="en-GB" sz="1400" dirty="0"/>
               <a:t>nominal TT_TuneCUETP8M2T4_13TeV-powherg-pythia8</a:t>
             </a:r>
           </a:p>
           <a:p>
             <a:pPr algn="ctr"/>
             <a:r>
-              <a:rPr lang="en-GB" sz="1400" dirty="0" smtClean="0"/>
+              <a:rPr lang="en-GB" sz="1400" dirty="0"/>
               <a:t> Over </a:t>
             </a:r>
             <a:r>
-              <a:rPr lang="en-GB" sz="1400" dirty="0" err="1" smtClean="0"/>
+              <a:rPr lang="en-GB" sz="1400" dirty="0" err="1"/>
               <a:t>Bkg</a:t>
             </a:r>
             <a:r>
-              <a:rPr lang="en-GB" sz="1400" dirty="0" smtClean="0"/>
+              <a:rPr lang="en-GB" sz="1400" dirty="0"/>
               <a:t> (All Categories)</a:t>
             </a:r>
-            <a:endParaRPr lang="en-GB" sz="1400" dirty="0"/>
           </a:p>
         </p:txBody>
       </p:sp>
@@ -5856,17 +5764,12 @@
           <a:p>
             <a:r>
               <a:rPr lang="en-GB" b="1" dirty="0"/>
-              <a:t>Top </a:t>
-            </a:r>
-            <a:r>
-              <a:rPr lang="en-GB" b="1" dirty="0" smtClean="0"/>
-              <a:t>tagger cut </a:t>
-            </a:r>
-            <a:r>
-              <a:rPr lang="en-GB" dirty="0" smtClean="0"/>
+              <a:t>Top tagger cut </a:t>
+            </a:r>
+            <a:r>
+              <a:rPr lang="en-GB" dirty="0"/>
               <a:t>: 0.7</a:t>
             </a:r>
-            <a:endParaRPr lang="en-GB" dirty="0"/>
           </a:p>
           <a:p>
             <a:r>
@@ -5896,7 +5799,7 @@
           <a:lstStyle/>
           <a:p>
             <a:r>
-              <a:rPr lang="fi-FI" smtClean="0"/>
+              <a:rPr lang="fi-FI"/>
               <a:t>NTUA I. Papakrivopoulos, G. Bakas</a:t>
             </a:r>
             <a:endParaRPr lang="en-US"/>
@@ -5927,14 +5830,13 @@
           <a:p>
             <a:pPr algn="ctr"/>
             <a:r>
-              <a:rPr lang="en-GB" sz="1400" dirty="0" err="1" smtClean="0"/>
+              <a:rPr lang="en-GB" sz="1400" dirty="0" err="1"/>
               <a:t>Mtt</a:t>
             </a:r>
             <a:r>
-              <a:rPr lang="en-GB" sz="1400" dirty="0" smtClean="0"/>
+              <a:rPr lang="en-GB" sz="1400" dirty="0"/>
               <a:t> Samples</a:t>
             </a:r>
-            <a:endParaRPr lang="en-GB" sz="1400" dirty="0"/>
           </a:p>
         </p:txBody>
       </p:sp>
@@ -6007,10 +5909,9 @@
           <a:lstStyle/>
           <a:p>
             <a:r>
-              <a:rPr lang="en-US" smtClean="0"/>
+              <a:rPr lang="en-US"/>
               <a:t>8/5/2019</a:t>
             </a:r>
-            <a:endParaRPr lang="en-US"/>
           </a:p>
         </p:txBody>
       </p:sp>
@@ -6043,34 +5944,33 @@
           <a:lstStyle/>
           <a:p>
             <a:r>
-              <a:rPr lang="en-US" sz="3600" dirty="0" smtClean="0"/>
+              <a:rPr lang="en-US" sz="3600" dirty="0"/>
               <a:t>Signal over </a:t>
             </a:r>
             <a:r>
-              <a:rPr lang="en-US" sz="3600" dirty="0" err="1" smtClean="0"/>
+              <a:rPr lang="en-US" sz="3600" dirty="0" err="1"/>
               <a:t>Bkg</a:t>
             </a:r>
             <a:r>
-              <a:rPr lang="en-US" sz="3600" dirty="0" smtClean="0"/>
+              <a:rPr lang="en-US" sz="3600" dirty="0"/>
               <a:t> for </a:t>
             </a:r>
             <a:r>
-              <a:rPr lang="en-US" sz="3600" dirty="0" err="1" smtClean="0"/>
+              <a:rPr lang="en-US" sz="3600" dirty="0" err="1"/>
               <a:t>mJJ</a:t>
             </a:r>
             <a:r>
-              <a:rPr lang="en-US" sz="3600" dirty="0" smtClean="0"/>
+              <a:rPr lang="en-US" sz="3600" dirty="0"/>
               <a:t> (</a:t>
             </a:r>
             <a:r>
-              <a:rPr lang="en-US" sz="3600" dirty="0" err="1" smtClean="0"/>
+              <a:rPr lang="en-US" sz="3600" dirty="0" err="1"/>
               <a:t>reco</a:t>
             </a:r>
             <a:r>
-              <a:rPr lang="en-US" sz="3600" dirty="0" smtClean="0"/>
+              <a:rPr lang="en-US" sz="3600" dirty="0"/>
               <a:t>)</a:t>
             </a:r>
-            <a:endParaRPr lang="en-US" sz="3600" dirty="0"/>
           </a:p>
         </p:txBody>
       </p:sp>
@@ -6098,25 +5998,24 @@
           <a:p>
             <a:pPr algn="ctr"/>
             <a:r>
-              <a:rPr lang="en-GB" sz="1400" dirty="0" smtClean="0"/>
+              <a:rPr lang="en-GB" sz="1400" dirty="0"/>
               <a:t>nominal TT_TuneCUETP8M2T4_13TeV-powherg-pythia8</a:t>
             </a:r>
           </a:p>
           <a:p>
             <a:pPr algn="ctr"/>
             <a:r>
-              <a:rPr lang="en-GB" sz="1400" dirty="0" smtClean="0"/>
+              <a:rPr lang="en-GB" sz="1400" dirty="0"/>
               <a:t> Over </a:t>
             </a:r>
             <a:r>
-              <a:rPr lang="en-GB" sz="1400" dirty="0" err="1" smtClean="0"/>
+              <a:rPr lang="en-GB" sz="1400" dirty="0" err="1"/>
               <a:t>Bkg</a:t>
             </a:r>
             <a:r>
-              <a:rPr lang="en-GB" sz="1400" dirty="0" smtClean="0"/>
+              <a:rPr lang="en-GB" sz="1400" dirty="0"/>
               <a:t> (All Categories)</a:t>
             </a:r>
-            <a:endParaRPr lang="en-GB" sz="1400" dirty="0"/>
           </a:p>
         </p:txBody>
       </p:sp>
@@ -6143,17 +6042,12 @@
           <a:p>
             <a:r>
               <a:rPr lang="en-GB" b="1" dirty="0"/>
-              <a:t>Top </a:t>
-            </a:r>
-            <a:r>
-              <a:rPr lang="en-GB" b="1" dirty="0" smtClean="0"/>
-              <a:t>tagger cut </a:t>
-            </a:r>
-            <a:r>
-              <a:rPr lang="en-GB" dirty="0" smtClean="0"/>
+              <a:t>Top tagger cut </a:t>
+            </a:r>
+            <a:r>
+              <a:rPr lang="en-GB" dirty="0"/>
               <a:t>: 0.8</a:t>
             </a:r>
-            <a:endParaRPr lang="en-GB" dirty="0"/>
           </a:p>
           <a:p>
             <a:r>
@@ -6183,7 +6077,7 @@
           <a:lstStyle/>
           <a:p>
             <a:r>
-              <a:rPr lang="fi-FI" smtClean="0"/>
+              <a:rPr lang="fi-FI"/>
               <a:t>NTUA I. Papakrivopoulos, G. Bakas</a:t>
             </a:r>
             <a:endParaRPr lang="en-US"/>
@@ -6214,14 +6108,13 @@
           <a:p>
             <a:pPr algn="ctr"/>
             <a:r>
-              <a:rPr lang="en-GB" sz="1400" dirty="0" err="1" smtClean="0"/>
+              <a:rPr lang="en-GB" sz="1400" dirty="0" err="1"/>
               <a:t>Mtt</a:t>
             </a:r>
             <a:r>
-              <a:rPr lang="en-GB" sz="1400" dirty="0" smtClean="0"/>
+              <a:rPr lang="en-GB" sz="1400" dirty="0"/>
               <a:t> Samples</a:t>
             </a:r>
-            <a:endParaRPr lang="en-GB" sz="1400" dirty="0"/>
           </a:p>
         </p:txBody>
       </p:sp>
@@ -6294,10 +6187,9 @@
           <a:lstStyle/>
           <a:p>
             <a:r>
-              <a:rPr lang="en-US" smtClean="0"/>
+              <a:rPr lang="en-US"/>
               <a:t>8/5/2019</a:t>
             </a:r>
-            <a:endParaRPr lang="en-US"/>
           </a:p>
         </p:txBody>
       </p:sp>
@@ -6331,18 +6223,17 @@
           <a:p>
             <a:pPr algn="ctr"/>
             <a:r>
-              <a:rPr lang="en-US" sz="3600" dirty="0" smtClean="0"/>
+              <a:rPr lang="en-US" sz="3600" dirty="0"/>
               <a:t>Yields for Combinations of </a:t>
             </a:r>
             <a:r>
-              <a:rPr lang="en-US" sz="3600" dirty="0" err="1" smtClean="0"/>
+              <a:rPr lang="en-US" sz="3600" dirty="0" err="1"/>
               <a:t>mva</a:t>
             </a:r>
             <a:r>
-              <a:rPr lang="en-US" sz="3600" dirty="0" smtClean="0"/>
+              <a:rPr lang="en-US" sz="3600" dirty="0"/>
               <a:t> and b tagging</a:t>
             </a:r>
-            <a:endParaRPr lang="en-US" sz="3600" dirty="0"/>
           </a:p>
         </p:txBody>
       </p:sp>
@@ -6362,7 +6253,7 @@
           <a:lstStyle/>
           <a:p>
             <a:r>
-              <a:rPr lang="fi-FI" smtClean="0"/>
+              <a:rPr lang="fi-FI"/>
               <a:t>NTUA I. Papakrivopoulos, G. Bakas</a:t>
             </a:r>
             <a:endParaRPr lang="en-US"/>
@@ -6438,10 +6329,9 @@
           <a:lstStyle/>
           <a:p>
             <a:r>
-              <a:rPr lang="en-US" smtClean="0"/>
+              <a:rPr lang="en-US"/>
               <a:t>8/5/2019</a:t>
             </a:r>
-            <a:endParaRPr lang="en-US"/>
           </a:p>
         </p:txBody>
       </p:sp>
@@ -6475,18 +6365,17 @@
           <a:p>
             <a:pPr algn="ctr"/>
             <a:r>
-              <a:rPr lang="en-US" sz="3600" dirty="0" smtClean="0"/>
+              <a:rPr lang="en-US" sz="3600" dirty="0"/>
               <a:t>Yields for Combinations of </a:t>
             </a:r>
             <a:r>
-              <a:rPr lang="en-US" sz="3600" dirty="0" err="1" smtClean="0"/>
+              <a:rPr lang="en-US" sz="3600" dirty="0" err="1"/>
               <a:t>mva</a:t>
             </a:r>
             <a:r>
-              <a:rPr lang="en-US" sz="3600" dirty="0" smtClean="0"/>
+              <a:rPr lang="en-US" sz="3600" dirty="0"/>
               <a:t> and b tagging</a:t>
             </a:r>
-            <a:endParaRPr lang="en-US" sz="3600" dirty="0"/>
           </a:p>
         </p:txBody>
       </p:sp>
@@ -6506,7 +6395,7 @@
           <a:lstStyle/>
           <a:p>
             <a:r>
-              <a:rPr lang="fi-FI" smtClean="0"/>
+              <a:rPr lang="fi-FI"/>
               <a:t>NTUA I. Papakrivopoulos, G. Bakas</a:t>
             </a:r>
             <a:endParaRPr lang="en-US"/>
@@ -6621,11 +6510,11 @@
               <a:lstStyle/>
               <a:p>
                 <a:r>
-                  <a:rPr lang="en-US" sz="1400" u="sng" dirty="0" smtClean="0"/>
+                  <a:rPr lang="en-US" sz="1400" u="sng" dirty="0"/>
                   <a:t>Yield</a:t>
                 </a:r>
                 <a:r>
-                  <a:rPr lang="en-US" sz="1400" dirty="0" smtClean="0"/>
+                  <a:rPr lang="en-US" sz="1400" dirty="0"/>
                   <a:t> is extracted scaling as:</a:t>
                 </a:r>
               </a:p>
@@ -6709,30 +6598,30 @@
                     </m:oMath>
                   </m:oMathPara>
                 </a14:m>
-                <a:endParaRPr lang="en-US" sz="1400" b="0" dirty="0" smtClean="0"/>
+                <a:endParaRPr lang="en-US" sz="1400" b="0" dirty="0"/>
               </a:p>
               <a:p>
-                <a:endParaRPr lang="en-US" sz="1400" b="0" dirty="0" smtClean="0"/>
+                <a:endParaRPr lang="en-US" sz="1400" b="0" dirty="0"/>
               </a:p>
               <a:p>
                 <a:r>
-                  <a:rPr lang="en-US" sz="1400" dirty="0" smtClean="0"/>
+                  <a:rPr lang="en-US" sz="1400" dirty="0"/>
                   <a:t>With </a:t>
                 </a:r>
                 <a:r>
-                  <a:rPr lang="en-US" sz="1400" dirty="0" err="1" smtClean="0"/>
+                  <a:rPr lang="en-US" sz="1400" dirty="0" err="1"/>
                   <a:t>Lumi</a:t>
                 </a:r>
                 <a:r>
-                  <a:rPr lang="en-US" sz="1400" dirty="0" smtClean="0"/>
+                  <a:rPr lang="en-US" sz="1400" dirty="0"/>
                   <a:t> = 35.9 fb</a:t>
                 </a:r>
                 <a:r>
-                  <a:rPr lang="en-US" sz="1400" baseline="30000" dirty="0" smtClean="0"/>
+                  <a:rPr lang="en-US" sz="1400" baseline="30000" dirty="0"/>
                   <a:t>-1</a:t>
                 </a:r>
                 <a:r>
-                  <a:rPr lang="en-US" sz="1400" dirty="0" smtClean="0"/>
+                  <a:rPr lang="en-US" sz="1400" dirty="0"/>
                   <a:t> </a:t>
                 </a:r>
                 <a:endParaRPr lang="en-GB" sz="1400" dirty="0"/>
@@ -6825,10 +6714,9 @@
           <a:lstStyle/>
           <a:p>
             <a:r>
-              <a:rPr lang="en-US" smtClean="0"/>
+              <a:rPr lang="en-US"/>
               <a:t>8/5/2019</a:t>
             </a:r>
-            <a:endParaRPr lang="en-US"/>
           </a:p>
         </p:txBody>
       </p:sp>
@@ -6862,18 +6750,17 @@
           <a:p>
             <a:pPr algn="ctr"/>
             <a:r>
-              <a:rPr lang="en-US" sz="3600" dirty="0" smtClean="0"/>
+              <a:rPr lang="en-US" sz="3600" dirty="0"/>
               <a:t>Yields for Combinations of </a:t>
             </a:r>
             <a:r>
-              <a:rPr lang="en-US" sz="3600" dirty="0" err="1" smtClean="0"/>
+              <a:rPr lang="en-US" sz="3600" dirty="0" err="1"/>
               <a:t>mva</a:t>
             </a:r>
             <a:r>
-              <a:rPr lang="en-US" sz="3600" dirty="0" smtClean="0"/>
+              <a:rPr lang="en-US" sz="3600" dirty="0"/>
               <a:t> and b tagging</a:t>
             </a:r>
-            <a:endParaRPr lang="en-US" sz="3600" dirty="0"/>
           </a:p>
         </p:txBody>
       </p:sp>
@@ -6893,7 +6780,7 @@
           <a:lstStyle/>
           <a:p>
             <a:r>
-              <a:rPr lang="fi-FI" smtClean="0"/>
+              <a:rPr lang="fi-FI"/>
               <a:t>NTUA I. Papakrivopoulos, G. Bakas</a:t>
             </a:r>
             <a:endParaRPr lang="en-US"/>
@@ -7029,10 +6916,9 @@
           <a:lstStyle/>
           <a:p>
             <a:r>
-              <a:rPr lang="en-US" smtClean="0"/>
+              <a:rPr lang="en-US"/>
               <a:t>8/5/2019</a:t>
             </a:r>
-            <a:endParaRPr lang="en-US"/>
           </a:p>
         </p:txBody>
       </p:sp>
@@ -7066,18 +6952,17 @@
           <a:p>
             <a:pPr algn="ctr"/>
             <a:r>
-              <a:rPr lang="en-US" sz="3600" dirty="0" smtClean="0"/>
+              <a:rPr lang="en-US" sz="3600" dirty="0"/>
               <a:t>Yields for Combinations of </a:t>
             </a:r>
             <a:r>
-              <a:rPr lang="en-US" sz="3600" dirty="0" err="1" smtClean="0"/>
+              <a:rPr lang="en-US" sz="3600" dirty="0" err="1"/>
               <a:t>mva</a:t>
             </a:r>
             <a:r>
-              <a:rPr lang="en-US" sz="3600" dirty="0" smtClean="0"/>
+              <a:rPr lang="en-US" sz="3600" dirty="0"/>
               <a:t> and b tagging</a:t>
             </a:r>
-            <a:endParaRPr lang="en-US" sz="3600" dirty="0"/>
           </a:p>
         </p:txBody>
       </p:sp>
@@ -7097,7 +6982,7 @@
           <a:lstStyle/>
           <a:p>
             <a:r>
-              <a:rPr lang="fi-FI" smtClean="0"/>
+              <a:rPr lang="fi-FI"/>
               <a:t>NTUA I. Papakrivopoulos, G. Bakas</a:t>
             </a:r>
             <a:endParaRPr lang="en-US"/>
@@ -7238,7 +7123,7 @@
           <a:lstStyle/>
           <a:p>
             <a:r>
-              <a:rPr lang="en-US" dirty="0" smtClean="0"/>
+              <a:rPr lang="en-US" dirty="0"/>
               <a:t>Overview</a:t>
             </a:r>
             <a:endParaRPr lang="en-GB" dirty="0"/>
@@ -7267,15 +7152,15 @@
               <a:buChar char="•"/>
             </a:pPr>
             <a:r>
-              <a:rPr lang="en-US" dirty="0" smtClean="0"/>
+              <a:rPr lang="en-US" dirty="0"/>
               <a:t>Efficiencies vs </a:t>
             </a:r>
             <a:r>
-              <a:rPr lang="en-US" dirty="0" err="1" smtClean="0"/>
+              <a:rPr lang="en-US" dirty="0" err="1"/>
               <a:t>mTTbarParton</a:t>
             </a:r>
             <a:r>
-              <a:rPr lang="en-US" dirty="0" smtClean="0"/>
+              <a:rPr lang="en-US" dirty="0"/>
               <a:t> </a:t>
             </a:r>
           </a:p>
@@ -7285,7 +7170,7 @@
               <a:buChar char="•"/>
             </a:pPr>
             <a:r>
-              <a:rPr lang="en-US" dirty="0" smtClean="0"/>
+              <a:rPr lang="en-US" dirty="0"/>
               <a:t>Signal over Background for </a:t>
             </a:r>
           </a:p>
@@ -7295,19 +7180,19 @@
               <a:buChar char="•"/>
             </a:pPr>
             <a:r>
-              <a:rPr lang="en-US" dirty="0" err="1" smtClean="0"/>
+              <a:rPr lang="en-US" dirty="0" err="1"/>
               <a:t>Mtt</a:t>
             </a:r>
             <a:r>
-              <a:rPr lang="en-US" dirty="0" smtClean="0"/>
+              <a:rPr lang="en-US" dirty="0"/>
               <a:t> samples over </a:t>
             </a:r>
             <a:r>
-              <a:rPr lang="en-US" dirty="0" err="1" smtClean="0"/>
+              <a:rPr lang="en-US" dirty="0" err="1"/>
               <a:t>Bkg</a:t>
             </a:r>
             <a:r>
-              <a:rPr lang="en-US" dirty="0" smtClean="0"/>
+              <a:rPr lang="en-US" dirty="0"/>
               <a:t> </a:t>
             </a:r>
           </a:p>
@@ -7317,14 +7202,14 @@
               <a:buChar char="•"/>
             </a:pPr>
             <a:r>
-              <a:rPr lang="en-US" dirty="0" smtClean="0"/>
+              <a:rPr lang="en-US" dirty="0"/>
               <a:t>Nominal sample over </a:t>
             </a:r>
             <a:r>
-              <a:rPr lang="en-US" dirty="0" err="1" smtClean="0"/>
+              <a:rPr lang="en-US" dirty="0" err="1"/>
               <a:t>Bkg</a:t>
             </a:r>
-            <a:endParaRPr lang="en-US" dirty="0" smtClean="0"/>
+            <a:endParaRPr lang="en-US" dirty="0"/>
           </a:p>
           <a:p>
             <a:pPr>
@@ -7332,7 +7217,7 @@
               <a:buChar char="•"/>
             </a:pPr>
             <a:r>
-              <a:rPr lang="en-US" dirty="0" smtClean="0"/>
+              <a:rPr lang="en-US" dirty="0"/>
               <a:t>Yields for all samples</a:t>
             </a:r>
           </a:p>
@@ -7342,22 +7227,22 @@
               <a:buChar char="•"/>
             </a:pPr>
             <a:r>
-              <a:rPr lang="en-US" dirty="0" smtClean="0"/>
+              <a:rPr lang="en-US" dirty="0"/>
               <a:t>All Signal over </a:t>
             </a:r>
             <a:r>
-              <a:rPr lang="en-US" dirty="0" err="1" smtClean="0"/>
+              <a:rPr lang="en-US" dirty="0" err="1"/>
               <a:t>Bkg</a:t>
             </a:r>
             <a:r>
-              <a:rPr lang="en-US" dirty="0" smtClean="0"/>
+              <a:rPr lang="en-US" dirty="0"/>
               <a:t> are vs </a:t>
             </a:r>
             <a:r>
-              <a:rPr lang="en-US" dirty="0" err="1" smtClean="0"/>
+              <a:rPr lang="en-US" dirty="0" err="1"/>
               <a:t>mJJ</a:t>
             </a:r>
-            <a:endParaRPr lang="en-US" dirty="0" smtClean="0"/>
+            <a:endParaRPr lang="en-US" dirty="0"/>
           </a:p>
           <a:p>
             <a:pPr>
@@ -7365,7 +7250,7 @@
               <a:buChar char="•"/>
             </a:pPr>
             <a:r>
-              <a:rPr lang="en-US" dirty="0" smtClean="0"/>
+              <a:rPr lang="en-US" dirty="0"/>
               <a:t>Categories:</a:t>
             </a:r>
           </a:p>
@@ -7375,7 +7260,7 @@
               <a:buChar char="•"/>
             </a:pPr>
             <a:r>
-              <a:rPr lang="en-US" dirty="0" smtClean="0"/>
+              <a:rPr lang="en-US" dirty="0"/>
               <a:t>1. Both jets are top tagged and b tagged</a:t>
             </a:r>
           </a:p>
@@ -7385,7 +7270,7 @@
               <a:buChar char="•"/>
             </a:pPr>
             <a:r>
-              <a:rPr lang="en-US" dirty="0" smtClean="0"/>
+              <a:rPr lang="en-US" dirty="0"/>
               <a:t>2. 1 Jet top and b tagged and other jet top tagged</a:t>
             </a:r>
           </a:p>
@@ -7395,7 +7280,7 @@
               <a:buChar char="•"/>
             </a:pPr>
             <a:r>
-              <a:rPr lang="en-US" dirty="0" smtClean="0"/>
+              <a:rPr lang="en-US" dirty="0"/>
               <a:t>3. 1 Jet top and b tagged and other jet b tagged</a:t>
             </a:r>
           </a:p>
@@ -7405,7 +7290,7 @@
               <a:buChar char="•"/>
             </a:pPr>
             <a:r>
-              <a:rPr lang="en-US" dirty="0" smtClean="0"/>
+              <a:rPr lang="en-US" dirty="0"/>
               <a:t>4. Both jets are top tagged</a:t>
             </a:r>
           </a:p>
@@ -7415,7 +7300,7 @@
               <a:buChar char="•"/>
             </a:pPr>
             <a:r>
-              <a:rPr lang="en-US" dirty="0" smtClean="0"/>
+              <a:rPr lang="en-US" dirty="0"/>
               <a:t>5. Both jets are b tagged</a:t>
             </a:r>
           </a:p>
@@ -7447,10 +7332,9 @@
           <a:lstStyle/>
           <a:p>
             <a:r>
-              <a:rPr lang="en-US" smtClean="0"/>
+              <a:rPr lang="en-US"/>
               <a:t>8/5/2019</a:t>
             </a:r>
-            <a:endParaRPr lang="en-US"/>
           </a:p>
         </p:txBody>
       </p:sp>
@@ -7470,7 +7354,7 @@
           <a:lstStyle/>
           <a:p>
             <a:r>
-              <a:rPr lang="fi-FI" smtClean="0"/>
+              <a:rPr lang="fi-FI"/>
               <a:t>NTUA I. Papakrivopoulos, G. Bakas</a:t>
             </a:r>
             <a:endParaRPr lang="en-US"/>
@@ -7500,14 +7384,13 @@
           <a:lstStyle/>
           <a:p>
             <a:r>
-              <a:rPr lang="en-GB" sz="1400" b="1" dirty="0" smtClean="0"/>
+              <a:rPr lang="en-GB" sz="1400" b="1" dirty="0"/>
               <a:t>Cuts</a:t>
             </a:r>
             <a:r>
-              <a:rPr lang="en-GB" sz="1400" dirty="0" smtClean="0"/>
+              <a:rPr lang="en-GB" sz="1400" dirty="0"/>
               <a:t>: </a:t>
             </a:r>
-            <a:endParaRPr lang="en-GB" sz="1400" dirty="0"/>
           </a:p>
           <a:p>
             <a:pPr marL="285750" indent="-285750">
@@ -7515,14 +7398,14 @@
               <a:buChar char="•"/>
             </a:pPr>
             <a:r>
-              <a:rPr lang="en-US" sz="1400" dirty="0" err="1" smtClean="0"/>
+              <a:rPr lang="en-US" sz="1400" dirty="0" err="1"/>
               <a:t>Reco</a:t>
             </a:r>
             <a:r>
-              <a:rPr lang="en-US" sz="1400" dirty="0" smtClean="0"/>
+              <a:rPr lang="en-US" sz="1400" dirty="0"/>
               <a:t>:</a:t>
             </a:r>
-            <a:endParaRPr lang="en-GB" sz="1400" dirty="0" smtClean="0"/>
+            <a:endParaRPr lang="en-GB" sz="1400" dirty="0"/>
           </a:p>
           <a:p>
             <a:pPr marL="742950" lvl="1" indent="-285750">
@@ -7530,11 +7413,11 @@
               <a:buChar char="•"/>
             </a:pPr>
             <a:r>
-              <a:rPr lang="en-GB" sz="1400" dirty="0" err="1" smtClean="0"/>
+              <a:rPr lang="en-GB" sz="1400" dirty="0" err="1"/>
               <a:t>nJets</a:t>
             </a:r>
             <a:r>
-              <a:rPr lang="en-GB" sz="1400" dirty="0" smtClean="0"/>
+              <a:rPr lang="en-GB" sz="1400" dirty="0"/>
               <a:t> &gt; 1, </a:t>
             </a:r>
           </a:p>
@@ -7544,15 +7427,15 @@
               <a:buChar char="•"/>
             </a:pPr>
             <a:r>
-              <a:rPr lang="en-GB" sz="1400" dirty="0" smtClean="0"/>
+              <a:rPr lang="en-GB" sz="1400" dirty="0"/>
               <a:t>|</a:t>
             </a:r>
             <a:r>
-              <a:rPr lang="en-GB" sz="1400" dirty="0" err="1" smtClean="0"/>
+              <a:rPr lang="en-GB" sz="1400" dirty="0" err="1"/>
               <a:t>jetEta</a:t>
             </a:r>
             <a:r>
-              <a:rPr lang="en-GB" sz="1400" dirty="0" smtClean="0"/>
+              <a:rPr lang="en-GB" sz="1400" dirty="0"/>
               <a:t>| &lt; 2.4 (both jets)</a:t>
             </a:r>
           </a:p>
@@ -7562,11 +7445,11 @@
               <a:buChar char="•"/>
             </a:pPr>
             <a:r>
-              <a:rPr lang="en-GB" sz="1400" dirty="0" err="1" smtClean="0"/>
+              <a:rPr lang="en-GB" sz="1400" dirty="0" err="1"/>
               <a:t>jetPt</a:t>
             </a:r>
             <a:r>
-              <a:rPr lang="en-GB" sz="1400" dirty="0" smtClean="0"/>
+              <a:rPr lang="en-GB" sz="1400" dirty="0"/>
               <a:t> &gt; 400 GeV (both jets)</a:t>
             </a:r>
           </a:p>
@@ -7576,18 +7459,17 @@
               <a:buChar char="•"/>
             </a:pPr>
             <a:r>
-              <a:rPr lang="en-GB" sz="1400" dirty="0" smtClean="0"/>
+              <a:rPr lang="en-GB" sz="1400" dirty="0"/>
               <a:t>120 GeV &lt; </a:t>
             </a:r>
             <a:r>
-              <a:rPr lang="en-GB" sz="1400" dirty="0" err="1" smtClean="0"/>
+              <a:rPr lang="en-GB" sz="1400" dirty="0" err="1"/>
               <a:t>jetMassSoftDrop</a:t>
             </a:r>
             <a:r>
-              <a:rPr lang="en-GB" sz="1400" dirty="0" smtClean="0"/>
+              <a:rPr lang="en-GB" sz="1400" dirty="0"/>
               <a:t> &lt; 220 GeV (both jets)</a:t>
             </a:r>
-            <a:endParaRPr lang="en-GB" sz="1400" dirty="0"/>
           </a:p>
           <a:p>
             <a:pPr marL="285750" indent="-285750">
@@ -7595,14 +7477,13 @@
               <a:buChar char="•"/>
             </a:pPr>
             <a:r>
-              <a:rPr lang="en-US" sz="1400" dirty="0" smtClean="0"/>
+              <a:rPr lang="en-US" sz="1400" dirty="0"/>
               <a:t>Parton:</a:t>
             </a:r>
             <a:r>
-              <a:rPr lang="en-GB" sz="1400" dirty="0" smtClean="0"/>
+              <a:rPr lang="en-GB" sz="1400" dirty="0"/>
               <a:t> </a:t>
             </a:r>
-            <a:endParaRPr lang="en-GB" sz="1400" dirty="0"/>
           </a:p>
           <a:p>
             <a:pPr marL="742950" lvl="1" indent="-285750">
@@ -7610,34 +7491,25 @@
               <a:buChar char="•"/>
             </a:pPr>
             <a:r>
-              <a:rPr lang="en-GB" sz="1400" dirty="0" smtClean="0"/>
+              <a:rPr lang="en-GB" sz="1400" dirty="0"/>
               <a:t>|</a:t>
             </a:r>
             <a:r>
-              <a:rPr lang="en-GB" sz="1400" dirty="0" err="1" smtClean="0"/>
+              <a:rPr lang="en-GB" sz="1400" dirty="0" err="1"/>
               <a:t>etaParton</a:t>
             </a:r>
             <a:r>
-              <a:rPr lang="en-GB" sz="1400" dirty="0" smtClean="0"/>
-              <a:t>| </a:t>
-            </a:r>
-            <a:r>
               <a:rPr lang="en-GB" sz="1400" dirty="0"/>
-              <a:t>&lt; 2.4 (</a:t>
-            </a:r>
-            <a:r>
-              <a:rPr lang="en-GB" sz="1400" dirty="0" smtClean="0"/>
-              <a:t>both </a:t>
-            </a:r>
-            <a:r>
-              <a:rPr lang="en-GB" sz="1400" dirty="0" err="1" smtClean="0"/>
+              <a:t>| &lt; 2.4 (both </a:t>
+            </a:r>
+            <a:r>
+              <a:rPr lang="en-GB" sz="1400" dirty="0" err="1"/>
               <a:t>partons</a:t>
             </a:r>
             <a:r>
-              <a:rPr lang="en-GB" sz="1400" dirty="0" smtClean="0"/>
+              <a:rPr lang="en-GB" sz="1400" dirty="0"/>
               <a:t>)</a:t>
             </a:r>
-            <a:endParaRPr lang="en-GB" sz="1400" dirty="0"/>
           </a:p>
           <a:p>
             <a:pPr marL="742950" lvl="1" indent="-285750">
@@ -7645,30 +7517,21 @@
               <a:buChar char="•"/>
             </a:pPr>
             <a:r>
-              <a:rPr lang="en-GB" sz="1400" dirty="0" err="1" smtClean="0"/>
+              <a:rPr lang="en-GB" sz="1400" dirty="0" err="1"/>
               <a:t>ptTopParton</a:t>
             </a:r>
             <a:r>
-              <a:rPr lang="en-GB" sz="1400" dirty="0" smtClean="0"/>
-              <a:t> </a:t>
-            </a:r>
-            <a:r>
               <a:rPr lang="en-GB" sz="1400" dirty="0"/>
-              <a:t>&gt; 400 </a:t>
-            </a:r>
-            <a:r>
-              <a:rPr lang="en-GB" sz="1400" dirty="0" smtClean="0"/>
-              <a:t>GeV (both </a:t>
-            </a:r>
-            <a:r>
-              <a:rPr lang="en-GB" sz="1400" dirty="0" err="1" smtClean="0"/>
+              <a:t> &gt; 400 GeV (both </a:t>
+            </a:r>
+            <a:r>
+              <a:rPr lang="en-GB" sz="1400" dirty="0" err="1"/>
               <a:t>partons</a:t>
             </a:r>
             <a:r>
-              <a:rPr lang="en-GB" sz="1400" dirty="0" smtClean="0"/>
+              <a:rPr lang="en-GB" sz="1400" dirty="0"/>
               <a:t>)</a:t>
             </a:r>
-            <a:endParaRPr lang="en-GB" sz="1400" dirty="0"/>
           </a:p>
           <a:p>
             <a:pPr marL="742950" lvl="1" indent="-285750">
@@ -7676,20 +7539,12 @@
               <a:buChar char="•"/>
             </a:pPr>
             <a:r>
-              <a:rPr lang="en-GB" sz="1400" dirty="0" err="1" smtClean="0"/>
+              <a:rPr lang="en-GB" sz="1400" dirty="0" err="1"/>
               <a:t>mTTbarParton</a:t>
             </a:r>
             <a:r>
-              <a:rPr lang="en-GB" sz="1400" dirty="0" smtClean="0"/>
-              <a:t> </a:t>
-            </a:r>
-            <a:r>
               <a:rPr lang="en-GB" sz="1400" dirty="0"/>
-              <a:t>&gt; 1000 </a:t>
-            </a:r>
-            <a:r>
-              <a:rPr lang="en-GB" sz="1400" dirty="0" smtClean="0"/>
-              <a:t>				</a:t>
+              <a:t> &gt; 1000 				</a:t>
             </a:r>
           </a:p>
           <a:p>
@@ -7771,7 +7626,7 @@
           <a:lstStyle/>
           <a:p>
             <a:r>
-              <a:rPr lang="en-US" dirty="0" smtClean="0"/>
+              <a:rPr lang="en-US" dirty="0"/>
               <a:t>Training</a:t>
             </a:r>
             <a:endParaRPr lang="en-GB" dirty="0"/>
@@ -7794,10 +7649,9 @@
           <a:lstStyle/>
           <a:p>
             <a:r>
-              <a:rPr lang="en-US" smtClean="0"/>
+              <a:rPr lang="en-US"/>
               <a:t>8/5/2019</a:t>
             </a:r>
-            <a:endParaRPr lang="en-US"/>
           </a:p>
         </p:txBody>
       </p:sp>
@@ -7817,7 +7671,7 @@
           <a:lstStyle/>
           <a:p>
             <a:r>
-              <a:rPr lang="fi-FI" smtClean="0"/>
+              <a:rPr lang="fi-FI"/>
               <a:t>NTUA I. Papakrivopoulos, G. Bakas</a:t>
             </a:r>
             <a:endParaRPr lang="en-US"/>
@@ -7953,10 +7807,9 @@
           <a:lstStyle/>
           <a:p>
             <a:r>
-              <a:rPr lang="en-US" smtClean="0"/>
+              <a:rPr lang="en-US"/>
               <a:t>8/5/2019</a:t>
             </a:r>
-            <a:endParaRPr lang="en-US"/>
           </a:p>
         </p:txBody>
       </p:sp>
@@ -7989,11 +7842,11 @@
           <a:lstStyle/>
           <a:p>
             <a:r>
-              <a:rPr lang="en-US" sz="3600" dirty="0" smtClean="0"/>
+              <a:rPr lang="en-US" sz="3600" dirty="0"/>
               <a:t>Efficiency vs </a:t>
             </a:r>
             <a:r>
-              <a:rPr lang="en-US" sz="3600" dirty="0" err="1" smtClean="0"/>
+              <a:rPr lang="en-US" sz="3600" dirty="0" err="1"/>
               <a:t>mTTbarParton</a:t>
             </a:r>
             <a:endParaRPr lang="en-US" sz="3600" dirty="0"/>
@@ -8024,7 +7877,7 @@
           <a:p>
             <a:pPr algn="ctr"/>
             <a:r>
-              <a:rPr lang="en-GB" sz="1400" dirty="0" smtClean="0"/>
+              <a:rPr lang="en-GB" sz="1400" dirty="0"/>
               <a:t>nominal TT_TuneCUETP8M2T4_13TeV-powherg-pythia8</a:t>
             </a:r>
           </a:p>
@@ -8053,19 +7906,11 @@
           <a:p>
             <a:r>
               <a:rPr lang="en-GB" b="1" dirty="0"/>
-              <a:t>Top </a:t>
-            </a:r>
-            <a:r>
-              <a:rPr lang="en-GB" b="1" dirty="0" smtClean="0"/>
-              <a:t>tagger cut </a:t>
-            </a:r>
-            <a:r>
-              <a:rPr lang="en-GB" dirty="0" smtClean="0"/>
-              <a:t>: </a:t>
+              <a:t>Top tagger cut </a:t>
             </a:r>
             <a:r>
               <a:rPr lang="en-GB" dirty="0"/>
-              <a:t>0.6 </a:t>
+              <a:t>: 0.6 </a:t>
             </a:r>
           </a:p>
           <a:p>
@@ -8075,15 +7920,7 @@
             </a:r>
             <a:r>
               <a:rPr lang="en-GB" dirty="0"/>
-              <a:t>: </a:t>
-            </a:r>
-            <a:r>
-              <a:rPr lang="en-GB" dirty="0" smtClean="0"/>
-              <a:t>Loose </a:t>
-            </a:r>
-            <a:r>
-              <a:rPr lang="en-GB" dirty="0"/>
-              <a:t>working point</a:t>
+              <a:t>: Loose working point</a:t>
             </a:r>
           </a:p>
         </p:txBody>
@@ -8104,7 +7941,7 @@
           <a:lstStyle/>
           <a:p>
             <a:r>
-              <a:rPr lang="fi-FI" smtClean="0"/>
+              <a:rPr lang="fi-FI"/>
               <a:t>NTUA I. Papakrivopoulos, G. Bakas</a:t>
             </a:r>
             <a:endParaRPr lang="en-US"/>
@@ -8135,14 +7972,13 @@
           <a:p>
             <a:pPr algn="ctr"/>
             <a:r>
-              <a:rPr lang="en-GB" sz="1400" dirty="0" err="1" smtClean="0"/>
+              <a:rPr lang="en-GB" sz="1400" dirty="0" err="1"/>
               <a:t>Mtt</a:t>
             </a:r>
             <a:r>
-              <a:rPr lang="en-GB" sz="1400" dirty="0" smtClean="0"/>
+              <a:rPr lang="en-GB" sz="1400" dirty="0"/>
               <a:t> Samples</a:t>
             </a:r>
-            <a:endParaRPr lang="en-GB" sz="1400" dirty="0"/>
           </a:p>
         </p:txBody>
       </p:sp>
@@ -8169,6 +8005,66 @@
           </a:p>
         </p:txBody>
       </p:sp>
+      <p:pic>
+        <p:nvPicPr>
+          <p:cNvPr id="7" name="Picture 6">
+            <a:extLst>
+              <a:ext uri="{FF2B5EF4-FFF2-40B4-BE49-F238E27FC236}">
+                <a16:creationId xmlns:a16="http://schemas.microsoft.com/office/drawing/2014/main" id="{C3879B20-29F8-F442-9CF6-BACFB698913F}"/>
+              </a:ext>
+            </a:extLst>
+          </p:cNvPr>
+          <p:cNvPicPr>
+            <a:picLocks noChangeAspect="1"/>
+          </p:cNvPicPr>
+          <p:nvPr/>
+        </p:nvPicPr>
+        <p:blipFill>
+          <a:blip r:embed="rId2"/>
+          <a:stretch>
+            <a:fillRect/>
+          </a:stretch>
+        </p:blipFill>
+        <p:spPr>
+          <a:xfrm rot="5400000">
+            <a:off x="1215346" y="639010"/>
+            <a:ext cx="3918585" cy="6120765"/>
+          </a:xfrm>
+          <a:prstGeom prst="rect">
+            <a:avLst/>
+          </a:prstGeom>
+        </p:spPr>
+      </p:pic>
+      <p:pic>
+        <p:nvPicPr>
+          <p:cNvPr id="12" name="Picture 11">
+            <a:extLst>
+              <a:ext uri="{FF2B5EF4-FFF2-40B4-BE49-F238E27FC236}">
+                <a16:creationId xmlns:a16="http://schemas.microsoft.com/office/drawing/2014/main" id="{96162FB8-EE3F-4146-B11E-171EA268DBB5}"/>
+              </a:ext>
+            </a:extLst>
+          </p:cNvPr>
+          <p:cNvPicPr>
+            <a:picLocks noChangeAspect="1"/>
+          </p:cNvPicPr>
+          <p:nvPr/>
+        </p:nvPicPr>
+        <p:blipFill>
+          <a:blip r:embed="rId3"/>
+          <a:stretch>
+            <a:fillRect/>
+          </a:stretch>
+        </p:blipFill>
+        <p:spPr>
+          <a:xfrm rot="5400000">
+            <a:off x="6976066" y="631672"/>
+            <a:ext cx="3918585" cy="6120765"/>
+          </a:xfrm>
+          <a:prstGeom prst="rect">
+            <a:avLst/>
+          </a:prstGeom>
+        </p:spPr>
+      </p:pic>
     </p:spTree>
     <p:extLst>
       <p:ext uri="{BB962C8B-B14F-4D97-AF65-F5344CB8AC3E}">
@@ -8215,10 +8111,9 @@
           <a:lstStyle/>
           <a:p>
             <a:r>
-              <a:rPr lang="en-US" smtClean="0"/>
+              <a:rPr lang="en-US"/>
               <a:t>8/5/2019</a:t>
             </a:r>
-            <a:endParaRPr lang="en-US"/>
           </a:p>
         </p:txBody>
       </p:sp>
@@ -8286,7 +8181,7 @@
           <a:p>
             <a:pPr algn="ctr"/>
             <a:r>
-              <a:rPr lang="en-GB" sz="1400" dirty="0" smtClean="0"/>
+              <a:rPr lang="en-GB" sz="1400" dirty="0"/>
               <a:t>nominal TT_TuneCUETP8M2T4_13TeV-powherg-pythia8</a:t>
             </a:r>
           </a:p>
@@ -8315,17 +8210,12 @@
           <a:p>
             <a:r>
               <a:rPr lang="en-GB" b="1" dirty="0"/>
-              <a:t>Top </a:t>
-            </a:r>
-            <a:r>
-              <a:rPr lang="en-GB" b="1" dirty="0" smtClean="0"/>
-              <a:t>tagger cut </a:t>
-            </a:r>
-            <a:r>
-              <a:rPr lang="en-GB" dirty="0" smtClean="0"/>
+              <a:t>Top tagger cut </a:t>
+            </a:r>
+            <a:r>
+              <a:rPr lang="en-GB" dirty="0"/>
               <a:t>: 0.7 </a:t>
             </a:r>
-            <a:endParaRPr lang="en-GB" dirty="0"/>
           </a:p>
           <a:p>
             <a:r>
@@ -8334,15 +8224,7 @@
             </a:r>
             <a:r>
               <a:rPr lang="en-GB" dirty="0"/>
-              <a:t>: </a:t>
-            </a:r>
-            <a:r>
-              <a:rPr lang="en-GB" dirty="0" smtClean="0"/>
-              <a:t>Loose </a:t>
-            </a:r>
-            <a:r>
-              <a:rPr lang="en-GB" dirty="0"/>
-              <a:t>working point</a:t>
+              <a:t>: Loose working point</a:t>
             </a:r>
           </a:p>
         </p:txBody>
@@ -8363,7 +8245,7 @@
           <a:lstStyle/>
           <a:p>
             <a:r>
-              <a:rPr lang="fi-FI" smtClean="0"/>
+              <a:rPr lang="fi-FI"/>
               <a:t>NTUA I. Papakrivopoulos, G. Bakas</a:t>
             </a:r>
             <a:endParaRPr lang="en-US"/>
@@ -8394,14 +8276,13 @@
           <a:p>
             <a:pPr algn="ctr"/>
             <a:r>
-              <a:rPr lang="en-GB" sz="1400" dirty="0" err="1" smtClean="0"/>
+              <a:rPr lang="en-GB" sz="1400" dirty="0" err="1"/>
               <a:t>Mtt</a:t>
             </a:r>
             <a:r>
-              <a:rPr lang="en-GB" sz="1400" dirty="0" smtClean="0"/>
+              <a:rPr lang="en-GB" sz="1400" dirty="0"/>
               <a:t> Samples</a:t>
             </a:r>
-            <a:endParaRPr lang="en-GB" sz="1400" dirty="0"/>
           </a:p>
         </p:txBody>
       </p:sp>
@@ -8428,6 +8309,66 @@
           </a:p>
         </p:txBody>
       </p:sp>
+      <p:pic>
+        <p:nvPicPr>
+          <p:cNvPr id="6" name="Picture 5">
+            <a:extLst>
+              <a:ext uri="{FF2B5EF4-FFF2-40B4-BE49-F238E27FC236}">
+                <a16:creationId xmlns:a16="http://schemas.microsoft.com/office/drawing/2014/main" id="{1E18E25B-E139-9F4F-9CA7-27A29ED680E7}"/>
+              </a:ext>
+            </a:extLst>
+          </p:cNvPr>
+          <p:cNvPicPr>
+            <a:picLocks noChangeAspect="1"/>
+          </p:cNvPicPr>
+          <p:nvPr/>
+        </p:nvPicPr>
+        <p:blipFill>
+          <a:blip r:embed="rId2"/>
+          <a:stretch>
+            <a:fillRect/>
+          </a:stretch>
+        </p:blipFill>
+        <p:spPr>
+          <a:xfrm rot="5400000">
+            <a:off x="1249829" y="694659"/>
+            <a:ext cx="3918585" cy="6120765"/>
+          </a:xfrm>
+          <a:prstGeom prst="rect">
+            <a:avLst/>
+          </a:prstGeom>
+        </p:spPr>
+      </p:pic>
+      <p:pic>
+        <p:nvPicPr>
+          <p:cNvPr id="12" name="Picture 11">
+            <a:extLst>
+              <a:ext uri="{FF2B5EF4-FFF2-40B4-BE49-F238E27FC236}">
+                <a16:creationId xmlns:a16="http://schemas.microsoft.com/office/drawing/2014/main" id="{259FDA53-75DB-1340-8FA4-01527B053CBB}"/>
+              </a:ext>
+            </a:extLst>
+          </p:cNvPr>
+          <p:cNvPicPr>
+            <a:picLocks noChangeAspect="1"/>
+          </p:cNvPicPr>
+          <p:nvPr/>
+        </p:nvPicPr>
+        <p:blipFill>
+          <a:blip r:embed="rId3"/>
+          <a:stretch>
+            <a:fillRect/>
+          </a:stretch>
+        </p:blipFill>
+        <p:spPr>
+          <a:xfrm rot="5400000">
+            <a:off x="7122321" y="694659"/>
+            <a:ext cx="3918585" cy="6120765"/>
+          </a:xfrm>
+          <a:prstGeom prst="rect">
+            <a:avLst/>
+          </a:prstGeom>
+        </p:spPr>
+      </p:pic>
     </p:spTree>
     <p:extLst>
       <p:ext uri="{BB962C8B-B14F-4D97-AF65-F5344CB8AC3E}">
@@ -8474,10 +8415,9 @@
           <a:lstStyle/>
           <a:p>
             <a:r>
-              <a:rPr lang="en-US" smtClean="0"/>
+              <a:rPr lang="en-US"/>
               <a:t>8/5/2019</a:t>
             </a:r>
-            <a:endParaRPr lang="en-US"/>
           </a:p>
         </p:txBody>
       </p:sp>
@@ -8545,7 +8485,7 @@
           <a:p>
             <a:pPr algn="ctr"/>
             <a:r>
-              <a:rPr lang="en-GB" sz="1400" dirty="0" smtClean="0"/>
+              <a:rPr lang="en-GB" sz="1400" dirty="0"/>
               <a:t>nominal TT_TuneCUETP8M2T4_13TeV-powherg-pythia8</a:t>
             </a:r>
           </a:p>
@@ -8574,17 +8514,12 @@
           <a:p>
             <a:r>
               <a:rPr lang="en-GB" b="1" dirty="0"/>
-              <a:t>Top </a:t>
-            </a:r>
-            <a:r>
-              <a:rPr lang="en-GB" b="1" dirty="0" smtClean="0"/>
-              <a:t>tagger cut </a:t>
-            </a:r>
-            <a:r>
-              <a:rPr lang="en-GB" dirty="0" smtClean="0"/>
+              <a:t>Top tagger cut </a:t>
+            </a:r>
+            <a:r>
+              <a:rPr lang="en-GB" dirty="0"/>
               <a:t>: 0.8</a:t>
             </a:r>
-            <a:endParaRPr lang="en-GB" dirty="0"/>
           </a:p>
           <a:p>
             <a:r>
@@ -8593,15 +8528,7 @@
             </a:r>
             <a:r>
               <a:rPr lang="en-GB" dirty="0"/>
-              <a:t>: </a:t>
-            </a:r>
-            <a:r>
-              <a:rPr lang="en-GB" dirty="0" smtClean="0"/>
-              <a:t>Loose </a:t>
-            </a:r>
-            <a:r>
-              <a:rPr lang="en-GB" dirty="0"/>
-              <a:t>working point</a:t>
+              <a:t>: Loose working point</a:t>
             </a:r>
           </a:p>
         </p:txBody>
@@ -8622,7 +8549,7 @@
           <a:lstStyle/>
           <a:p>
             <a:r>
-              <a:rPr lang="fi-FI" smtClean="0"/>
+              <a:rPr lang="fi-FI"/>
               <a:t>NTUA I. Papakrivopoulos, G. Bakas</a:t>
             </a:r>
             <a:endParaRPr lang="en-US"/>
@@ -8653,14 +8580,13 @@
           <a:p>
             <a:pPr algn="ctr"/>
             <a:r>
-              <a:rPr lang="en-GB" sz="1400" dirty="0" err="1" smtClean="0"/>
+              <a:rPr lang="en-GB" sz="1400" dirty="0" err="1"/>
               <a:t>Mtt</a:t>
             </a:r>
             <a:r>
-              <a:rPr lang="en-GB" sz="1400" dirty="0" smtClean="0"/>
+              <a:rPr lang="en-GB" sz="1400" dirty="0"/>
               <a:t> Samples</a:t>
             </a:r>
-            <a:endParaRPr lang="en-GB" sz="1400" dirty="0"/>
           </a:p>
         </p:txBody>
       </p:sp>
@@ -8687,6 +8613,66 @@
           </a:p>
         </p:txBody>
       </p:sp>
+      <p:pic>
+        <p:nvPicPr>
+          <p:cNvPr id="7" name="Picture 6">
+            <a:extLst>
+              <a:ext uri="{FF2B5EF4-FFF2-40B4-BE49-F238E27FC236}">
+                <a16:creationId xmlns:a16="http://schemas.microsoft.com/office/drawing/2014/main" id="{124FEA26-C1E8-A449-80BC-73E9990B6A30}"/>
+              </a:ext>
+            </a:extLst>
+          </p:cNvPr>
+          <p:cNvPicPr>
+            <a:picLocks noChangeAspect="1"/>
+          </p:cNvPicPr>
+          <p:nvPr/>
+        </p:nvPicPr>
+        <p:blipFill>
+          <a:blip r:embed="rId2"/>
+          <a:stretch>
+            <a:fillRect/>
+          </a:stretch>
+        </p:blipFill>
+        <p:spPr>
+          <a:xfrm rot="5400000">
+            <a:off x="1430237" y="541645"/>
+            <a:ext cx="3918585" cy="6120765"/>
+          </a:xfrm>
+          <a:prstGeom prst="rect">
+            <a:avLst/>
+          </a:prstGeom>
+        </p:spPr>
+      </p:pic>
+      <p:pic>
+        <p:nvPicPr>
+          <p:cNvPr id="12" name="Picture 11">
+            <a:extLst>
+              <a:ext uri="{FF2B5EF4-FFF2-40B4-BE49-F238E27FC236}">
+                <a16:creationId xmlns:a16="http://schemas.microsoft.com/office/drawing/2014/main" id="{ECD42F44-B281-754E-8484-07E2C9F81E04}"/>
+              </a:ext>
+            </a:extLst>
+          </p:cNvPr>
+          <p:cNvPicPr>
+            <a:picLocks noChangeAspect="1"/>
+          </p:cNvPicPr>
+          <p:nvPr/>
+        </p:nvPicPr>
+        <p:blipFill>
+          <a:blip r:embed="rId3"/>
+          <a:stretch>
+            <a:fillRect/>
+          </a:stretch>
+        </p:blipFill>
+        <p:spPr>
+          <a:xfrm rot="5400000">
+            <a:off x="7048204" y="541645"/>
+            <a:ext cx="3918585" cy="6120765"/>
+          </a:xfrm>
+          <a:prstGeom prst="rect">
+            <a:avLst/>
+          </a:prstGeom>
+        </p:spPr>
+      </p:pic>
     </p:spTree>
     <p:extLst>
       <p:ext uri="{BB962C8B-B14F-4D97-AF65-F5344CB8AC3E}">
@@ -8733,10 +8719,9 @@
           <a:lstStyle/>
           <a:p>
             <a:r>
-              <a:rPr lang="en-US" smtClean="0"/>
+              <a:rPr lang="en-US"/>
               <a:t>8/5/2019</a:t>
             </a:r>
-            <a:endParaRPr lang="en-US"/>
           </a:p>
         </p:txBody>
       </p:sp>
@@ -8804,7 +8789,7 @@
           <a:p>
             <a:pPr algn="ctr"/>
             <a:r>
-              <a:rPr lang="en-GB" sz="1400" dirty="0" smtClean="0"/>
+              <a:rPr lang="en-GB" sz="1400" dirty="0"/>
               <a:t>nominal TT_TuneCUETP8M2T4_13TeV-powherg-pythia8</a:t>
             </a:r>
           </a:p>
@@ -8833,19 +8818,11 @@
           <a:p>
             <a:r>
               <a:rPr lang="en-GB" b="1" dirty="0"/>
-              <a:t>Top </a:t>
-            </a:r>
-            <a:r>
-              <a:rPr lang="en-GB" b="1" dirty="0" smtClean="0"/>
-              <a:t>tagger cut </a:t>
-            </a:r>
-            <a:r>
-              <a:rPr lang="en-GB" dirty="0" smtClean="0"/>
-              <a:t>: </a:t>
+              <a:t>Top tagger cut </a:t>
             </a:r>
             <a:r>
               <a:rPr lang="en-GB" dirty="0"/>
-              <a:t>0.6 </a:t>
+              <a:t>: 0.6 </a:t>
             </a:r>
           </a:p>
           <a:p>
@@ -8855,15 +8832,7 @@
             </a:r>
             <a:r>
               <a:rPr lang="en-GB" dirty="0"/>
-              <a:t>: </a:t>
-            </a:r>
-            <a:r>
-              <a:rPr lang="en-GB" dirty="0" smtClean="0"/>
-              <a:t>Medium </a:t>
-            </a:r>
-            <a:r>
-              <a:rPr lang="en-GB" dirty="0"/>
-              <a:t>working point</a:t>
+              <a:t>: Medium working point</a:t>
             </a:r>
           </a:p>
         </p:txBody>
@@ -8884,7 +8853,7 @@
           <a:lstStyle/>
           <a:p>
             <a:r>
-              <a:rPr lang="fi-FI" smtClean="0"/>
+              <a:rPr lang="fi-FI"/>
               <a:t>NTUA I. Papakrivopoulos, G. Bakas</a:t>
             </a:r>
             <a:endParaRPr lang="en-US"/>
@@ -8915,14 +8884,13 @@
           <a:p>
             <a:pPr algn="ctr"/>
             <a:r>
-              <a:rPr lang="en-GB" sz="1400" dirty="0" err="1" smtClean="0"/>
+              <a:rPr lang="en-GB" sz="1400" dirty="0" err="1"/>
               <a:t>Mtt</a:t>
             </a:r>
             <a:r>
-              <a:rPr lang="en-GB" sz="1400" dirty="0" smtClean="0"/>
+              <a:rPr lang="en-GB" sz="1400" dirty="0"/>
               <a:t> Samples</a:t>
             </a:r>
-            <a:endParaRPr lang="en-GB" sz="1400" dirty="0"/>
           </a:p>
         </p:txBody>
       </p:sp>
@@ -8949,6 +8917,96 @@
           </a:p>
         </p:txBody>
       </p:sp>
+      <p:pic>
+        <p:nvPicPr>
+          <p:cNvPr id="4" name="Picture 3">
+            <a:extLst>
+              <a:ext uri="{FF2B5EF4-FFF2-40B4-BE49-F238E27FC236}">
+                <a16:creationId xmlns:a16="http://schemas.microsoft.com/office/drawing/2014/main" id="{61FFCBAF-3942-0840-AC81-6D156B75EC43}"/>
+              </a:ext>
+            </a:extLst>
+          </p:cNvPr>
+          <p:cNvPicPr>
+            <a:picLocks noChangeAspect="1"/>
+          </p:cNvPicPr>
+          <p:nvPr/>
+        </p:nvPicPr>
+        <p:blipFill>
+          <a:blip r:embed="rId2"/>
+          <a:stretch>
+            <a:fillRect/>
+          </a:stretch>
+        </p:blipFill>
+        <p:spPr>
+          <a:xfrm>
+            <a:off x="0" y="0"/>
+            <a:ext cx="12192000" cy="6858000"/>
+          </a:xfrm>
+          <a:prstGeom prst="rect">
+            <a:avLst/>
+          </a:prstGeom>
+        </p:spPr>
+      </p:pic>
+      <p:pic>
+        <p:nvPicPr>
+          <p:cNvPr id="10" name="Picture 9">
+            <a:extLst>
+              <a:ext uri="{FF2B5EF4-FFF2-40B4-BE49-F238E27FC236}">
+                <a16:creationId xmlns:a16="http://schemas.microsoft.com/office/drawing/2014/main" id="{C4CAEC56-4788-3546-9957-C2097E7BD0FE}"/>
+              </a:ext>
+            </a:extLst>
+          </p:cNvPr>
+          <p:cNvPicPr>
+            <a:picLocks noChangeAspect="1"/>
+          </p:cNvPicPr>
+          <p:nvPr/>
+        </p:nvPicPr>
+        <p:blipFill>
+          <a:blip r:embed="rId3"/>
+          <a:stretch>
+            <a:fillRect/>
+          </a:stretch>
+        </p:blipFill>
+        <p:spPr>
+          <a:xfrm rot="5400000">
+            <a:off x="1383017" y="694659"/>
+            <a:ext cx="3918585" cy="6120765"/>
+          </a:xfrm>
+          <a:prstGeom prst="rect">
+            <a:avLst/>
+          </a:prstGeom>
+        </p:spPr>
+      </p:pic>
+      <p:pic>
+        <p:nvPicPr>
+          <p:cNvPr id="13" name="Picture 12">
+            <a:extLst>
+              <a:ext uri="{FF2B5EF4-FFF2-40B4-BE49-F238E27FC236}">
+                <a16:creationId xmlns:a16="http://schemas.microsoft.com/office/drawing/2014/main" id="{85DF4597-CDE9-A743-B67A-3F1522DAF155}"/>
+              </a:ext>
+            </a:extLst>
+          </p:cNvPr>
+          <p:cNvPicPr>
+            <a:picLocks noChangeAspect="1"/>
+          </p:cNvPicPr>
+          <p:nvPr/>
+        </p:nvPicPr>
+        <p:blipFill>
+          <a:blip r:embed="rId4"/>
+          <a:stretch>
+            <a:fillRect/>
+          </a:stretch>
+        </p:blipFill>
+        <p:spPr>
+          <a:xfrm rot="5400000">
+            <a:off x="7156087" y="694659"/>
+            <a:ext cx="3918585" cy="6120765"/>
+          </a:xfrm>
+          <a:prstGeom prst="rect">
+            <a:avLst/>
+          </a:prstGeom>
+        </p:spPr>
+      </p:pic>
     </p:spTree>
     <p:extLst>
       <p:ext uri="{BB962C8B-B14F-4D97-AF65-F5344CB8AC3E}">
@@ -8995,10 +9053,9 @@
           <a:lstStyle/>
           <a:p>
             <a:r>
-              <a:rPr lang="en-US" smtClean="0"/>
+              <a:rPr lang="en-US"/>
               <a:t>8/5/2019</a:t>
             </a:r>
-            <a:endParaRPr lang="en-US"/>
           </a:p>
         </p:txBody>
       </p:sp>
@@ -9066,25 +9123,24 @@
           <a:p>
             <a:pPr algn="ctr"/>
             <a:r>
-              <a:rPr lang="en-GB" sz="1400" dirty="0" smtClean="0"/>
+              <a:rPr lang="en-GB" sz="1400" dirty="0"/>
               <a:t>nominal TT_TuneCUETP8M2T4_13TeV-powherg-pythia8</a:t>
             </a:r>
           </a:p>
           <a:p>
             <a:pPr algn="ctr"/>
             <a:r>
-              <a:rPr lang="en-GB" sz="1400" dirty="0" smtClean="0"/>
+              <a:rPr lang="en-GB" sz="1400" dirty="0"/>
               <a:t> Over </a:t>
             </a:r>
             <a:r>
-              <a:rPr lang="en-GB" sz="1400" dirty="0" err="1" smtClean="0"/>
+              <a:rPr lang="en-GB" sz="1400" dirty="0" err="1"/>
               <a:t>Bkg</a:t>
             </a:r>
             <a:r>
-              <a:rPr lang="en-GB" sz="1400" dirty="0" smtClean="0"/>
+              <a:rPr lang="en-GB" sz="1400" dirty="0"/>
               <a:t> (All Categories)</a:t>
             </a:r>
-            <a:endParaRPr lang="en-GB" sz="1400" dirty="0"/>
           </a:p>
         </p:txBody>
       </p:sp>
@@ -9111,17 +9167,12 @@
           <a:p>
             <a:r>
               <a:rPr lang="en-GB" b="1" dirty="0"/>
-              <a:t>Top </a:t>
-            </a:r>
-            <a:r>
-              <a:rPr lang="en-GB" b="1" dirty="0" smtClean="0"/>
-              <a:t>tagger cut </a:t>
-            </a:r>
-            <a:r>
-              <a:rPr lang="en-GB" dirty="0" smtClean="0"/>
+              <a:t>Top tagger cut </a:t>
+            </a:r>
+            <a:r>
+              <a:rPr lang="en-GB" dirty="0"/>
               <a:t>: 0.7 </a:t>
             </a:r>
-            <a:endParaRPr lang="en-GB" dirty="0"/>
           </a:p>
           <a:p>
             <a:r>
@@ -9130,15 +9181,7 @@
             </a:r>
             <a:r>
               <a:rPr lang="en-GB" dirty="0"/>
-              <a:t>: </a:t>
-            </a:r>
-            <a:r>
-              <a:rPr lang="en-GB" dirty="0" smtClean="0"/>
-              <a:t>Medium </a:t>
-            </a:r>
-            <a:r>
-              <a:rPr lang="en-GB" dirty="0"/>
-              <a:t>working point</a:t>
+              <a:t>: Medium working point</a:t>
             </a:r>
           </a:p>
         </p:txBody>
@@ -9159,7 +9202,7 @@
           <a:lstStyle/>
           <a:p>
             <a:r>
-              <a:rPr lang="fi-FI" smtClean="0"/>
+              <a:rPr lang="fi-FI"/>
               <a:t>NTUA I. Papakrivopoulos, G. Bakas</a:t>
             </a:r>
             <a:endParaRPr lang="en-US"/>
@@ -9190,14 +9233,13 @@
           <a:p>
             <a:pPr algn="ctr"/>
             <a:r>
-              <a:rPr lang="en-GB" sz="1400" dirty="0" err="1" smtClean="0"/>
+              <a:rPr lang="en-GB" sz="1400" dirty="0" err="1"/>
               <a:t>Mtt</a:t>
             </a:r>
             <a:r>
-              <a:rPr lang="en-GB" sz="1400" dirty="0" smtClean="0"/>
+              <a:rPr lang="en-GB" sz="1400" dirty="0"/>
               <a:t> Samples</a:t>
             </a:r>
-            <a:endParaRPr lang="en-GB" sz="1400" dirty="0"/>
           </a:p>
         </p:txBody>
       </p:sp>
@@ -9224,6 +9266,66 @@
           </a:p>
         </p:txBody>
       </p:sp>
+      <p:pic>
+        <p:nvPicPr>
+          <p:cNvPr id="6" name="Picture 5">
+            <a:extLst>
+              <a:ext uri="{FF2B5EF4-FFF2-40B4-BE49-F238E27FC236}">
+                <a16:creationId xmlns:a16="http://schemas.microsoft.com/office/drawing/2014/main" id="{41257F6A-9739-584E-AE3E-7A2173EABF0F}"/>
+              </a:ext>
+            </a:extLst>
+          </p:cNvPr>
+          <p:cNvPicPr>
+            <a:picLocks noChangeAspect="1"/>
+          </p:cNvPicPr>
+          <p:nvPr/>
+        </p:nvPicPr>
+        <p:blipFill>
+          <a:blip r:embed="rId2"/>
+          <a:stretch>
+            <a:fillRect/>
+          </a:stretch>
+        </p:blipFill>
+        <p:spPr>
+          <a:xfrm rot="5400000">
+            <a:off x="1299833" y="413200"/>
+            <a:ext cx="3918585" cy="6120765"/>
+          </a:xfrm>
+          <a:prstGeom prst="rect">
+            <a:avLst/>
+          </a:prstGeom>
+        </p:spPr>
+      </p:pic>
+      <p:pic>
+        <p:nvPicPr>
+          <p:cNvPr id="12" name="Picture 11">
+            <a:extLst>
+              <a:ext uri="{FF2B5EF4-FFF2-40B4-BE49-F238E27FC236}">
+                <a16:creationId xmlns:a16="http://schemas.microsoft.com/office/drawing/2014/main" id="{2D6B85D1-B117-AD43-B6A4-023FAD0A2932}"/>
+              </a:ext>
+            </a:extLst>
+          </p:cNvPr>
+          <p:cNvPicPr>
+            <a:picLocks noChangeAspect="1"/>
+          </p:cNvPicPr>
+          <p:nvPr/>
+        </p:nvPicPr>
+        <p:blipFill>
+          <a:blip r:embed="rId3"/>
+          <a:stretch>
+            <a:fillRect/>
+          </a:stretch>
+        </p:blipFill>
+        <p:spPr>
+          <a:xfrm rot="5400000">
+            <a:off x="7172325" y="413200"/>
+            <a:ext cx="3918585" cy="6120765"/>
+          </a:xfrm>
+          <a:prstGeom prst="rect">
+            <a:avLst/>
+          </a:prstGeom>
+        </p:spPr>
+      </p:pic>
     </p:spTree>
     <p:extLst>
       <p:ext uri="{BB962C8B-B14F-4D97-AF65-F5344CB8AC3E}">
@@ -9270,10 +9372,9 @@
           <a:lstStyle/>
           <a:p>
             <a:r>
-              <a:rPr lang="en-US" smtClean="0"/>
+              <a:rPr lang="en-US"/>
               <a:t>8/5/2019</a:t>
             </a:r>
-            <a:endParaRPr lang="en-US"/>
           </a:p>
         </p:txBody>
       </p:sp>
@@ -9341,7 +9442,7 @@
           <a:p>
             <a:pPr algn="ctr"/>
             <a:r>
-              <a:rPr lang="en-GB" sz="1400" dirty="0" smtClean="0"/>
+              <a:rPr lang="en-GB" sz="1400" dirty="0"/>
               <a:t>nominal TT_TuneCUETP8M2T4_13TeV-powherg-pythia8</a:t>
             </a:r>
           </a:p>
@@ -9370,17 +9471,12 @@
           <a:p>
             <a:r>
               <a:rPr lang="en-GB" b="1" dirty="0"/>
-              <a:t>Top </a:t>
-            </a:r>
-            <a:r>
-              <a:rPr lang="en-GB" b="1" dirty="0" smtClean="0"/>
-              <a:t>tagger cut </a:t>
-            </a:r>
-            <a:r>
-              <a:rPr lang="en-GB" dirty="0" smtClean="0"/>
+              <a:t>Top tagger cut </a:t>
+            </a:r>
+            <a:r>
+              <a:rPr lang="en-GB" dirty="0"/>
               <a:t>: 0.8</a:t>
             </a:r>
-            <a:endParaRPr lang="en-GB" dirty="0"/>
           </a:p>
           <a:p>
             <a:r>
@@ -9389,15 +9485,7 @@
             </a:r>
             <a:r>
               <a:rPr lang="en-GB" dirty="0"/>
-              <a:t>: </a:t>
-            </a:r>
-            <a:r>
-              <a:rPr lang="en-GB" dirty="0" smtClean="0"/>
-              <a:t>Medium </a:t>
-            </a:r>
-            <a:r>
-              <a:rPr lang="en-GB" dirty="0"/>
-              <a:t>working point</a:t>
+              <a:t>: Medium working point</a:t>
             </a:r>
           </a:p>
         </p:txBody>
@@ -9418,7 +9506,7 @@
           <a:lstStyle/>
           <a:p>
             <a:r>
-              <a:rPr lang="fi-FI" smtClean="0"/>
+              <a:rPr lang="fi-FI"/>
               <a:t>NTUA I. Papakrivopoulos, G. Bakas</a:t>
             </a:r>
             <a:endParaRPr lang="en-US"/>
@@ -9449,14 +9537,13 @@
           <a:p>
             <a:pPr algn="ctr"/>
             <a:r>
-              <a:rPr lang="en-GB" sz="1400" dirty="0" err="1" smtClean="0"/>
+              <a:rPr lang="en-GB" sz="1400" dirty="0" err="1"/>
               <a:t>Mtt</a:t>
             </a:r>
             <a:r>
-              <a:rPr lang="en-GB" sz="1400" dirty="0" smtClean="0"/>
+              <a:rPr lang="en-GB" sz="1400" dirty="0"/>
               <a:t> Samples</a:t>
             </a:r>
-            <a:endParaRPr lang="en-GB" sz="1400" dirty="0"/>
           </a:p>
         </p:txBody>
       </p:sp>
@@ -9483,6 +9570,66 @@
           </a:p>
         </p:txBody>
       </p:sp>
+      <p:pic>
+        <p:nvPicPr>
+          <p:cNvPr id="6" name="Picture 5">
+            <a:extLst>
+              <a:ext uri="{FF2B5EF4-FFF2-40B4-BE49-F238E27FC236}">
+                <a16:creationId xmlns:a16="http://schemas.microsoft.com/office/drawing/2014/main" id="{C17DA262-8A5B-9C47-A880-7AACDF24130B}"/>
+              </a:ext>
+            </a:extLst>
+          </p:cNvPr>
+          <p:cNvPicPr>
+            <a:picLocks noChangeAspect="1"/>
+          </p:cNvPicPr>
+          <p:nvPr/>
+        </p:nvPicPr>
+        <p:blipFill>
+          <a:blip r:embed="rId2"/>
+          <a:stretch>
+            <a:fillRect/>
+          </a:stretch>
+        </p:blipFill>
+        <p:spPr>
+          <a:xfrm rot="5400000">
+            <a:off x="1287483" y="445579"/>
+            <a:ext cx="3918585" cy="6120765"/>
+          </a:xfrm>
+          <a:prstGeom prst="rect">
+            <a:avLst/>
+          </a:prstGeom>
+        </p:spPr>
+      </p:pic>
+      <p:pic>
+        <p:nvPicPr>
+          <p:cNvPr id="12" name="Picture 11">
+            <a:extLst>
+              <a:ext uri="{FF2B5EF4-FFF2-40B4-BE49-F238E27FC236}">
+                <a16:creationId xmlns:a16="http://schemas.microsoft.com/office/drawing/2014/main" id="{F4162DFD-4E1D-5B47-8F74-1BB830063158}"/>
+              </a:ext>
+            </a:extLst>
+          </p:cNvPr>
+          <p:cNvPicPr>
+            <a:picLocks noChangeAspect="1"/>
+          </p:cNvPicPr>
+          <p:nvPr/>
+        </p:nvPicPr>
+        <p:blipFill>
+          <a:blip r:embed="rId3"/>
+          <a:stretch>
+            <a:fillRect/>
+          </a:stretch>
+        </p:blipFill>
+        <p:spPr>
+          <a:xfrm rot="5400000">
+            <a:off x="7172325" y="521505"/>
+            <a:ext cx="3918585" cy="6120765"/>
+          </a:xfrm>
+          <a:prstGeom prst="rect">
+            <a:avLst/>
+          </a:prstGeom>
+        </p:spPr>
+      </p:pic>
     </p:spTree>
     <p:extLst>
       <p:ext uri="{BB962C8B-B14F-4D97-AF65-F5344CB8AC3E}">

--- a/Documents for Progress/StatusReport_Eff_SignalOverBkg_AllMVA_allbtag_07_05_19.pptx
+++ b/Documents for Progress/StatusReport_Eff_SignalOverBkg_AllMVA_allbtag_07_05_19.pptx
@@ -5,7 +5,7 @@
     <p:sldMasterId id="2147483875" r:id="rId1"/>
   </p:sldMasterIdLst>
   <p:notesMasterIdLst>
-    <p:notesMasterId r:id="rId21"/>
+    <p:notesMasterId r:id="rId17"/>
   </p:notesMasterIdLst>
   <p:sldIdLst>
     <p:sldId id="256" r:id="rId2"/>
@@ -23,10 +23,6 @@
     <p:sldId id="280" r:id="rId14"/>
     <p:sldId id="281" r:id="rId15"/>
     <p:sldId id="282" r:id="rId16"/>
-    <p:sldId id="289" r:id="rId17"/>
-    <p:sldId id="290" r:id="rId18"/>
-    <p:sldId id="292" r:id="rId19"/>
-    <p:sldId id="291" r:id="rId20"/>
   </p:sldIdLst>
   <p:sldSz cx="12192000" cy="6858000"/>
   <p:notesSz cx="6858000" cy="9144000"/>
@@ -4751,6 +4747,66 @@
           </a:p>
         </p:txBody>
       </p:sp>
+      <p:pic>
+        <p:nvPicPr>
+          <p:cNvPr id="7" name="Picture 6">
+            <a:extLst>
+              <a:ext uri="{FF2B5EF4-FFF2-40B4-BE49-F238E27FC236}">
+                <a16:creationId xmlns:a16="http://schemas.microsoft.com/office/drawing/2014/main" id="{2221FAF8-3B9E-4B48-9776-6143332A4F1A}"/>
+              </a:ext>
+            </a:extLst>
+          </p:cNvPr>
+          <p:cNvPicPr>
+            <a:picLocks noChangeAspect="1"/>
+          </p:cNvPicPr>
+          <p:nvPr/>
+        </p:nvPicPr>
+        <p:blipFill>
+          <a:blip r:embed="rId2"/>
+          <a:stretch>
+            <a:fillRect/>
+          </a:stretch>
+        </p:blipFill>
+        <p:spPr>
+          <a:xfrm rot="5400000">
+            <a:off x="7156087" y="579673"/>
+            <a:ext cx="3918585" cy="6120765"/>
+          </a:xfrm>
+          <a:prstGeom prst="rect">
+            <a:avLst/>
+          </a:prstGeom>
+        </p:spPr>
+      </p:pic>
+      <p:pic>
+        <p:nvPicPr>
+          <p:cNvPr id="12" name="Picture 11">
+            <a:extLst>
+              <a:ext uri="{FF2B5EF4-FFF2-40B4-BE49-F238E27FC236}">
+                <a16:creationId xmlns:a16="http://schemas.microsoft.com/office/drawing/2014/main" id="{09C604BE-B217-E14D-B76D-2143779ADB75}"/>
+              </a:ext>
+            </a:extLst>
+          </p:cNvPr>
+          <p:cNvPicPr>
+            <a:picLocks noChangeAspect="1"/>
+          </p:cNvPicPr>
+          <p:nvPr/>
+        </p:nvPicPr>
+        <p:blipFill>
+          <a:blip r:embed="rId3"/>
+          <a:stretch>
+            <a:fillRect/>
+          </a:stretch>
+        </p:blipFill>
+        <p:spPr>
+          <a:xfrm rot="5400000">
+            <a:off x="1101090" y="579673"/>
+            <a:ext cx="3918585" cy="6120765"/>
+          </a:xfrm>
+          <a:prstGeom prst="rect">
+            <a:avLst/>
+          </a:prstGeom>
+        </p:spPr>
+      </p:pic>
     </p:spTree>
     <p:extLst>
       <p:ext uri="{BB962C8B-B14F-4D97-AF65-F5344CB8AC3E}">
@@ -5029,6 +5085,96 @@
           </a:p>
         </p:txBody>
       </p:sp>
+      <p:pic>
+        <p:nvPicPr>
+          <p:cNvPr id="4" name="Picture 3">
+            <a:extLst>
+              <a:ext uri="{FF2B5EF4-FFF2-40B4-BE49-F238E27FC236}">
+                <a16:creationId xmlns:a16="http://schemas.microsoft.com/office/drawing/2014/main" id="{5A5B8682-5459-AF42-88BB-5E864D374D88}"/>
+              </a:ext>
+            </a:extLst>
+          </p:cNvPr>
+          <p:cNvPicPr>
+            <a:picLocks noChangeAspect="1"/>
+          </p:cNvPicPr>
+          <p:nvPr/>
+        </p:nvPicPr>
+        <p:blipFill>
+          <a:blip r:embed="rId2"/>
+          <a:stretch>
+            <a:fillRect/>
+          </a:stretch>
+        </p:blipFill>
+        <p:spPr>
+          <a:xfrm>
+            <a:off x="0" y="0"/>
+            <a:ext cx="12192000" cy="6858000"/>
+          </a:xfrm>
+          <a:prstGeom prst="rect">
+            <a:avLst/>
+          </a:prstGeom>
+        </p:spPr>
+      </p:pic>
+      <p:pic>
+        <p:nvPicPr>
+          <p:cNvPr id="10" name="Picture 9">
+            <a:extLst>
+              <a:ext uri="{FF2B5EF4-FFF2-40B4-BE49-F238E27FC236}">
+                <a16:creationId xmlns:a16="http://schemas.microsoft.com/office/drawing/2014/main" id="{FE3AA72E-A0FA-044C-9B4C-8413CC7A6CB3}"/>
+              </a:ext>
+            </a:extLst>
+          </p:cNvPr>
+          <p:cNvPicPr>
+            <a:picLocks noChangeAspect="1"/>
+          </p:cNvPicPr>
+          <p:nvPr/>
+        </p:nvPicPr>
+        <p:blipFill>
+          <a:blip r:embed="rId3"/>
+          <a:stretch>
+            <a:fillRect/>
+          </a:stretch>
+        </p:blipFill>
+        <p:spPr>
+          <a:xfrm rot="5400000">
+            <a:off x="7197090" y="612307"/>
+            <a:ext cx="3918585" cy="6120765"/>
+          </a:xfrm>
+          <a:prstGeom prst="rect">
+            <a:avLst/>
+          </a:prstGeom>
+        </p:spPr>
+      </p:pic>
+      <p:pic>
+        <p:nvPicPr>
+          <p:cNvPr id="13" name="Picture 12">
+            <a:extLst>
+              <a:ext uri="{FF2B5EF4-FFF2-40B4-BE49-F238E27FC236}">
+                <a16:creationId xmlns:a16="http://schemas.microsoft.com/office/drawing/2014/main" id="{84EC8807-9682-024B-A22C-F40D27C5593B}"/>
+              </a:ext>
+            </a:extLst>
+          </p:cNvPr>
+          <p:cNvPicPr>
+            <a:picLocks noChangeAspect="1"/>
+          </p:cNvPicPr>
+          <p:nvPr/>
+        </p:nvPicPr>
+        <p:blipFill>
+          <a:blip r:embed="rId4"/>
+          <a:stretch>
+            <a:fillRect/>
+          </a:stretch>
+        </p:blipFill>
+        <p:spPr>
+          <a:xfrm rot="5400000">
+            <a:off x="1144575" y="595225"/>
+            <a:ext cx="3918585" cy="6120765"/>
+          </a:xfrm>
+          <a:prstGeom prst="rect">
+            <a:avLst/>
+          </a:prstGeom>
+        </p:spPr>
+      </p:pic>
     </p:spTree>
     <p:extLst>
       <p:ext uri="{BB962C8B-B14F-4D97-AF65-F5344CB8AC3E}">
@@ -5307,6 +5453,66 @@
           </a:p>
         </p:txBody>
       </p:sp>
+      <p:pic>
+        <p:nvPicPr>
+          <p:cNvPr id="6" name="Picture 5">
+            <a:extLst>
+              <a:ext uri="{FF2B5EF4-FFF2-40B4-BE49-F238E27FC236}">
+                <a16:creationId xmlns:a16="http://schemas.microsoft.com/office/drawing/2014/main" id="{720477EC-C467-C842-96E1-E5C542A6468E}"/>
+              </a:ext>
+            </a:extLst>
+          </p:cNvPr>
+          <p:cNvPicPr>
+            <a:picLocks noChangeAspect="1"/>
+          </p:cNvPicPr>
+          <p:nvPr/>
+        </p:nvPicPr>
+        <p:blipFill>
+          <a:blip r:embed="rId2"/>
+          <a:stretch>
+            <a:fillRect/>
+          </a:stretch>
+        </p:blipFill>
+        <p:spPr>
+          <a:xfrm rot="5400000">
+            <a:off x="7197090" y="569938"/>
+            <a:ext cx="3918585" cy="6120765"/>
+          </a:xfrm>
+          <a:prstGeom prst="rect">
+            <a:avLst/>
+          </a:prstGeom>
+        </p:spPr>
+      </p:pic>
+      <p:pic>
+        <p:nvPicPr>
+          <p:cNvPr id="12" name="Picture 11">
+            <a:extLst>
+              <a:ext uri="{FF2B5EF4-FFF2-40B4-BE49-F238E27FC236}">
+                <a16:creationId xmlns:a16="http://schemas.microsoft.com/office/drawing/2014/main" id="{ABD8A0F6-2E9D-7141-8755-D6D26DD91A37}"/>
+              </a:ext>
+            </a:extLst>
+          </p:cNvPr>
+          <p:cNvPicPr>
+            <a:picLocks noChangeAspect="1"/>
+          </p:cNvPicPr>
+          <p:nvPr/>
+        </p:nvPicPr>
+        <p:blipFill>
+          <a:blip r:embed="rId3"/>
+          <a:stretch>
+            <a:fillRect/>
+          </a:stretch>
+        </p:blipFill>
+        <p:spPr>
+          <a:xfrm rot="5400000">
+            <a:off x="1144575" y="569938"/>
+            <a:ext cx="3918585" cy="6120765"/>
+          </a:xfrm>
+          <a:prstGeom prst="rect">
+            <a:avLst/>
+          </a:prstGeom>
+        </p:spPr>
+      </p:pic>
     </p:spTree>
     <p:extLst>
       <p:ext uri="{BB962C8B-B14F-4D97-AF65-F5344CB8AC3E}">
@@ -5585,6 +5791,66 @@
           </a:p>
         </p:txBody>
       </p:sp>
+      <p:pic>
+        <p:nvPicPr>
+          <p:cNvPr id="6" name="Picture 5">
+            <a:extLst>
+              <a:ext uri="{FF2B5EF4-FFF2-40B4-BE49-F238E27FC236}">
+                <a16:creationId xmlns:a16="http://schemas.microsoft.com/office/drawing/2014/main" id="{0FA24752-CC3A-F74F-A182-99B86366F6AE}"/>
+              </a:ext>
+            </a:extLst>
+          </p:cNvPr>
+          <p:cNvPicPr>
+            <a:picLocks noChangeAspect="1"/>
+          </p:cNvPicPr>
+          <p:nvPr/>
+        </p:nvPicPr>
+        <p:blipFill>
+          <a:blip r:embed="rId2"/>
+          <a:stretch>
+            <a:fillRect/>
+          </a:stretch>
+        </p:blipFill>
+        <p:spPr>
+          <a:xfrm rot="5400000">
+            <a:off x="7197090" y="524226"/>
+            <a:ext cx="3918585" cy="6120765"/>
+          </a:xfrm>
+          <a:prstGeom prst="rect">
+            <a:avLst/>
+          </a:prstGeom>
+        </p:spPr>
+      </p:pic>
+      <p:pic>
+        <p:nvPicPr>
+          <p:cNvPr id="12" name="Picture 11">
+            <a:extLst>
+              <a:ext uri="{FF2B5EF4-FFF2-40B4-BE49-F238E27FC236}">
+                <a16:creationId xmlns:a16="http://schemas.microsoft.com/office/drawing/2014/main" id="{54FDC3F2-82FA-B64E-8A99-38DCFAF05608}"/>
+              </a:ext>
+            </a:extLst>
+          </p:cNvPr>
+          <p:cNvPicPr>
+            <a:picLocks noChangeAspect="1"/>
+          </p:cNvPicPr>
+          <p:nvPr/>
+        </p:nvPicPr>
+        <p:blipFill>
+          <a:blip r:embed="rId3"/>
+          <a:stretch>
+            <a:fillRect/>
+          </a:stretch>
+        </p:blipFill>
+        <p:spPr>
+          <a:xfrm rot="5400000">
+            <a:off x="1144575" y="524227"/>
+            <a:ext cx="3918585" cy="6120765"/>
+          </a:xfrm>
+          <a:prstGeom prst="rect">
+            <a:avLst/>
+          </a:prstGeom>
+        </p:spPr>
+      </p:pic>
     </p:spTree>
     <p:extLst>
       <p:ext uri="{BB962C8B-B14F-4D97-AF65-F5344CB8AC3E}">
@@ -5863,6 +6129,66 @@
           </a:p>
         </p:txBody>
       </p:sp>
+      <p:pic>
+        <p:nvPicPr>
+          <p:cNvPr id="6" name="Picture 5">
+            <a:extLst>
+              <a:ext uri="{FF2B5EF4-FFF2-40B4-BE49-F238E27FC236}">
+                <a16:creationId xmlns:a16="http://schemas.microsoft.com/office/drawing/2014/main" id="{FFC99549-F65C-594C-96A9-D8547EA84B04}"/>
+              </a:ext>
+            </a:extLst>
+          </p:cNvPr>
+          <p:cNvPicPr>
+            <a:picLocks noChangeAspect="1"/>
+          </p:cNvPicPr>
+          <p:nvPr/>
+        </p:nvPicPr>
+        <p:blipFill>
+          <a:blip r:embed="rId2"/>
+          <a:stretch>
+            <a:fillRect/>
+          </a:stretch>
+        </p:blipFill>
+        <p:spPr>
+          <a:xfrm rot="5400000">
+            <a:off x="7086569" y="561058"/>
+            <a:ext cx="3918585" cy="6120765"/>
+          </a:xfrm>
+          <a:prstGeom prst="rect">
+            <a:avLst/>
+          </a:prstGeom>
+        </p:spPr>
+      </p:pic>
+      <p:pic>
+        <p:nvPicPr>
+          <p:cNvPr id="12" name="Picture 11">
+            <a:extLst>
+              <a:ext uri="{FF2B5EF4-FFF2-40B4-BE49-F238E27FC236}">
+                <a16:creationId xmlns:a16="http://schemas.microsoft.com/office/drawing/2014/main" id="{0BF7A665-7218-E148-B914-9193CA54C5C7}"/>
+              </a:ext>
+            </a:extLst>
+          </p:cNvPr>
+          <p:cNvPicPr>
+            <a:picLocks noChangeAspect="1"/>
+          </p:cNvPicPr>
+          <p:nvPr/>
+        </p:nvPicPr>
+        <p:blipFill>
+          <a:blip r:embed="rId3"/>
+          <a:stretch>
+            <a:fillRect/>
+          </a:stretch>
+        </p:blipFill>
+        <p:spPr>
+          <a:xfrm rot="5400000">
+            <a:off x="1076737" y="573186"/>
+            <a:ext cx="3918585" cy="6120765"/>
+          </a:xfrm>
+          <a:prstGeom prst="rect">
+            <a:avLst/>
+          </a:prstGeom>
+        </p:spPr>
+      </p:pic>
     </p:spTree>
     <p:extLst>
       <p:ext uri="{BB962C8B-B14F-4D97-AF65-F5344CB8AC3E}">
@@ -6141,314 +6467,30 @@
           </a:p>
         </p:txBody>
       </p:sp>
-    </p:spTree>
-    <p:extLst>
-      <p:ext uri="{BB962C8B-B14F-4D97-AF65-F5344CB8AC3E}">
-        <p14:creationId xmlns:p14="http://schemas.microsoft.com/office/powerpoint/2010/main" val="571602100"/>
-      </p:ext>
-    </p:extLst>
-  </p:cSld>
-  <p:clrMapOvr>
-    <a:masterClrMapping/>
-  </p:clrMapOvr>
-</p:sld>
-</file>
-
-<file path=ppt/slides/slide16.xml><?xml version="1.0" encoding="utf-8"?>
-<p:sld xmlns:a="http://schemas.openxmlformats.org/drawingml/2006/main" xmlns:r="http://schemas.openxmlformats.org/officeDocument/2006/relationships" xmlns:p="http://schemas.openxmlformats.org/presentationml/2006/main">
-  <p:cSld>
-    <p:spTree>
-      <p:nvGrpSpPr>
-        <p:cNvPr id="1" name=""/>
-        <p:cNvGrpSpPr/>
-        <p:nvPr/>
-      </p:nvGrpSpPr>
-      <p:grpSpPr>
-        <a:xfrm>
-          <a:off x="0" y="0"/>
-          <a:ext cx="0" cy="0"/>
-          <a:chOff x="0" y="0"/>
-          <a:chExt cx="0" cy="0"/>
-        </a:xfrm>
-      </p:grpSpPr>
-      <p:sp>
-        <p:nvSpPr>
-          <p:cNvPr id="3" name="Date Placeholder 2"/>
-          <p:cNvSpPr>
-            <a:spLocks noGrp="1"/>
-          </p:cNvSpPr>
-          <p:nvPr>
-            <p:ph type="dt" sz="half" idx="10"/>
-          </p:nvPr>
-        </p:nvSpPr>
-        <p:spPr/>
-        <p:txBody>
-          <a:bodyPr/>
-          <a:lstStyle/>
-          <a:p>
-            <a:r>
-              <a:rPr lang="en-US"/>
-              <a:t>8/5/2019</a:t>
-            </a:r>
-          </a:p>
-        </p:txBody>
-      </p:sp>
-      <p:sp>
-        <p:nvSpPr>
-          <p:cNvPr id="2" name="Title 1">
+      <p:pic>
+        <p:nvPicPr>
+          <p:cNvPr id="6" name="Picture 5">
             <a:extLst>
               <a:ext uri="{FF2B5EF4-FFF2-40B4-BE49-F238E27FC236}">
-                <a16:creationId xmlns:a16="http://schemas.microsoft.com/office/drawing/2014/main" id="{5CF40D89-DF1E-8F4E-93AC-378FC1818147}"/>
+                <a16:creationId xmlns:a16="http://schemas.microsoft.com/office/drawing/2014/main" id="{07C9B2D8-FABF-5B43-982A-CCB6B1630F72}"/>
               </a:ext>
             </a:extLst>
           </p:cNvPr>
-          <p:cNvSpPr>
-            <a:spLocks noGrp="1"/>
-          </p:cNvSpPr>
-          <p:nvPr>
-            <p:ph type="title" idx="4294967295"/>
-          </p:nvPr>
-        </p:nvSpPr>
-        <p:spPr>
-          <a:xfrm>
-            <a:off x="494210" y="302849"/>
-            <a:ext cx="10515600" cy="338420"/>
-          </a:xfrm>
-        </p:spPr>
-        <p:txBody>
-          <a:bodyPr>
-            <a:normAutofit fontScale="90000"/>
-          </a:bodyPr>
-          <a:lstStyle/>
-          <a:p>
-            <a:pPr algn="ctr"/>
-            <a:r>
-              <a:rPr lang="en-US" sz="3600" dirty="0"/>
-              <a:t>Yields for Combinations of </a:t>
-            </a:r>
-            <a:r>
-              <a:rPr lang="en-US" sz="3600" dirty="0" err="1"/>
-              <a:t>mva</a:t>
-            </a:r>
-            <a:r>
-              <a:rPr lang="en-US" sz="3600" dirty="0"/>
-              <a:t> and b tagging</a:t>
-            </a:r>
-          </a:p>
-        </p:txBody>
-      </p:sp>
-      <p:sp>
-        <p:nvSpPr>
-          <p:cNvPr id="5" name="Footer Placeholder 4"/>
-          <p:cNvSpPr>
-            <a:spLocks noGrp="1"/>
-          </p:cNvSpPr>
-          <p:nvPr>
-            <p:ph type="ftr" sz="quarter" idx="11"/>
-          </p:nvPr>
-        </p:nvSpPr>
-        <p:spPr/>
-        <p:txBody>
-          <a:bodyPr/>
-          <a:lstStyle/>
-          <a:p>
-            <a:r>
-              <a:rPr lang="fi-FI"/>
-              <a:t>NTUA I. Papakrivopoulos, G. Bakas</a:t>
-            </a:r>
-            <a:endParaRPr lang="en-US"/>
-          </a:p>
-        </p:txBody>
-      </p:sp>
-      <p:sp>
-        <p:nvSpPr>
-          <p:cNvPr id="7" name="Slide Number Placeholder 6"/>
-          <p:cNvSpPr>
-            <a:spLocks noGrp="1"/>
-          </p:cNvSpPr>
-          <p:nvPr>
-            <p:ph type="sldNum" sz="quarter" idx="12"/>
-          </p:nvPr>
-        </p:nvSpPr>
-        <p:spPr/>
-        <p:txBody>
-          <a:bodyPr/>
-          <a:lstStyle/>
-          <a:p>
-            <a:fld id="{AEEFAC8D-0A19-DC49-9F7A-4BFCAD95B105}" type="slidenum">
-              <a:rPr lang="en-US" smtClean="0"/>
-              <a:t>16</a:t>
-            </a:fld>
-            <a:endParaRPr lang="en-US"/>
-          </a:p>
-        </p:txBody>
-      </p:sp>
-    </p:spTree>
-    <p:extLst>
-      <p:ext uri="{BB962C8B-B14F-4D97-AF65-F5344CB8AC3E}">
-        <p14:creationId xmlns:p14="http://schemas.microsoft.com/office/powerpoint/2010/main" val="4173575228"/>
-      </p:ext>
-    </p:extLst>
-  </p:cSld>
-  <p:clrMapOvr>
-    <a:masterClrMapping/>
-  </p:clrMapOvr>
-</p:sld>
-</file>
-
-<file path=ppt/slides/slide17.xml><?xml version="1.0" encoding="utf-8"?>
-<p:sld xmlns:a="http://schemas.openxmlformats.org/drawingml/2006/main" xmlns:r="http://schemas.openxmlformats.org/officeDocument/2006/relationships" xmlns:p="http://schemas.openxmlformats.org/presentationml/2006/main">
-  <p:cSld>
-    <p:spTree>
-      <p:nvGrpSpPr>
-        <p:cNvPr id="1" name=""/>
-        <p:cNvGrpSpPr/>
-        <p:nvPr/>
-      </p:nvGrpSpPr>
-      <p:grpSpPr>
-        <a:xfrm>
-          <a:off x="0" y="0"/>
-          <a:ext cx="0" cy="0"/>
-          <a:chOff x="0" y="0"/>
-          <a:chExt cx="0" cy="0"/>
-        </a:xfrm>
-      </p:grpSpPr>
-      <p:sp>
-        <p:nvSpPr>
-          <p:cNvPr id="3" name="Date Placeholder 2"/>
-          <p:cNvSpPr>
-            <a:spLocks noGrp="1"/>
-          </p:cNvSpPr>
-          <p:nvPr>
-            <p:ph type="dt" sz="half" idx="10"/>
-          </p:nvPr>
-        </p:nvSpPr>
-        <p:spPr/>
-        <p:txBody>
-          <a:bodyPr/>
-          <a:lstStyle/>
-          <a:p>
-            <a:r>
-              <a:rPr lang="en-US"/>
-              <a:t>8/5/2019</a:t>
-            </a:r>
-          </a:p>
-        </p:txBody>
-      </p:sp>
-      <p:sp>
-        <p:nvSpPr>
-          <p:cNvPr id="2" name="Title 1">
-            <a:extLst>
-              <a:ext uri="{FF2B5EF4-FFF2-40B4-BE49-F238E27FC236}">
-                <a16:creationId xmlns:a16="http://schemas.microsoft.com/office/drawing/2014/main" id="{5CF40D89-DF1E-8F4E-93AC-378FC1818147}"/>
-              </a:ext>
-            </a:extLst>
-          </p:cNvPr>
-          <p:cNvSpPr>
-            <a:spLocks noGrp="1"/>
-          </p:cNvSpPr>
-          <p:nvPr>
-            <p:ph type="title" idx="4294967295"/>
-          </p:nvPr>
-        </p:nvSpPr>
-        <p:spPr>
-          <a:xfrm>
-            <a:off x="494210" y="210296"/>
-            <a:ext cx="10515600" cy="338420"/>
-          </a:xfrm>
-        </p:spPr>
-        <p:txBody>
-          <a:bodyPr>
-            <a:normAutofit fontScale="90000"/>
-          </a:bodyPr>
-          <a:lstStyle/>
-          <a:p>
-            <a:pPr algn="ctr"/>
-            <a:r>
-              <a:rPr lang="en-US" sz="3600" dirty="0"/>
-              <a:t>Yields for Combinations of </a:t>
-            </a:r>
-            <a:r>
-              <a:rPr lang="en-US" sz="3600" dirty="0" err="1"/>
-              <a:t>mva</a:t>
-            </a:r>
-            <a:r>
-              <a:rPr lang="en-US" sz="3600" dirty="0"/>
-              <a:t> and b tagging</a:t>
-            </a:r>
-          </a:p>
-        </p:txBody>
-      </p:sp>
-      <p:sp>
-        <p:nvSpPr>
-          <p:cNvPr id="5" name="Footer Placeholder 4"/>
-          <p:cNvSpPr>
-            <a:spLocks noGrp="1"/>
-          </p:cNvSpPr>
-          <p:nvPr>
-            <p:ph type="ftr" sz="quarter" idx="11"/>
-          </p:nvPr>
-        </p:nvSpPr>
-        <p:spPr/>
-        <p:txBody>
-          <a:bodyPr/>
-          <a:lstStyle/>
-          <a:p>
-            <a:r>
-              <a:rPr lang="fi-FI"/>
-              <a:t>NTUA I. Papakrivopoulos, G. Bakas</a:t>
-            </a:r>
-            <a:endParaRPr lang="en-US"/>
-          </a:p>
-        </p:txBody>
-      </p:sp>
-      <p:sp>
-        <p:nvSpPr>
-          <p:cNvPr id="7" name="Slide Number Placeholder 6"/>
-          <p:cNvSpPr>
-            <a:spLocks noGrp="1"/>
-          </p:cNvSpPr>
-          <p:nvPr>
-            <p:ph type="sldNum" sz="quarter" idx="12"/>
-          </p:nvPr>
-        </p:nvSpPr>
-        <p:spPr/>
-        <p:txBody>
-          <a:bodyPr/>
-          <a:lstStyle/>
-          <a:p>
-            <a:fld id="{AEEFAC8D-0A19-DC49-9F7A-4BFCAD95B105}" type="slidenum">
-              <a:rPr lang="en-US" smtClean="0"/>
-              <a:t>17</a:t>
-            </a:fld>
-            <a:endParaRPr lang="en-US"/>
-          </a:p>
-        </p:txBody>
-      </p:sp>
-      <p:pic>
-        <p:nvPicPr>
-          <p:cNvPr id="4" name="Picture 3"/>
           <p:cNvPicPr>
             <a:picLocks noChangeAspect="1"/>
           </p:cNvPicPr>
           <p:nvPr/>
         </p:nvPicPr>
         <p:blipFill>
-          <a:blip r:embed="rId2">
-            <a:extLst>
-              <a:ext uri="{28A0092B-C50C-407E-A947-70E740481C1C}">
-                <a14:useLocalDpi xmlns:a14="http://schemas.microsoft.com/office/drawing/2010/main" val="0"/>
-              </a:ext>
-            </a:extLst>
-          </a:blip>
+          <a:blip r:embed="rId2"/>
           <a:stretch>
             <a:fillRect/>
           </a:stretch>
         </p:blipFill>
         <p:spPr>
-          <a:xfrm>
-            <a:off x="6097587" y="2285230"/>
-            <a:ext cx="5987415" cy="3820477"/>
+          <a:xfrm rot="5400000">
+            <a:off x="7197090" y="497205"/>
+            <a:ext cx="3918585" cy="6120765"/>
           </a:xfrm>
           <a:prstGeom prst="rect">
             <a:avLst/>
@@ -6457,413 +6499,28 @@
       </p:pic>
       <p:pic>
         <p:nvPicPr>
-          <p:cNvPr id="6" name="Picture 5"/>
+          <p:cNvPr id="12" name="Picture 11">
+            <a:extLst>
+              <a:ext uri="{FF2B5EF4-FFF2-40B4-BE49-F238E27FC236}">
+                <a16:creationId xmlns:a16="http://schemas.microsoft.com/office/drawing/2014/main" id="{4419A097-7E6E-0C42-9E0B-002C9468DE77}"/>
+              </a:ext>
+            </a:extLst>
+          </p:cNvPr>
           <p:cNvPicPr>
             <a:picLocks noChangeAspect="1"/>
           </p:cNvPicPr>
           <p:nvPr/>
         </p:nvPicPr>
         <p:blipFill>
-          <a:blip r:embed="rId3">
-            <a:extLst>
-              <a:ext uri="{28A0092B-C50C-407E-A947-70E740481C1C}">
-                <a14:useLocalDpi xmlns:a14="http://schemas.microsoft.com/office/drawing/2010/main" val="0"/>
-              </a:ext>
-            </a:extLst>
-          </a:blip>
+          <a:blip r:embed="rId3"/>
           <a:stretch>
             <a:fillRect/>
           </a:stretch>
         </p:blipFill>
         <p:spPr>
-          <a:xfrm>
-            <a:off x="110172" y="2285230"/>
-            <a:ext cx="5987415" cy="3820477"/>
-          </a:xfrm>
-          <a:prstGeom prst="rect">
-            <a:avLst/>
-          </a:prstGeom>
-        </p:spPr>
-      </p:pic>
-      <mc:AlternateContent xmlns:mc="http://schemas.openxmlformats.org/markup-compatibility/2006" xmlns:a14="http://schemas.microsoft.com/office/drawing/2010/main">
-        <mc:Choice Requires="a14">
-          <p:sp>
-            <p:nvSpPr>
-              <p:cNvPr id="8" name="TextBox 7"/>
-              <p:cNvSpPr txBox="1"/>
-              <p:nvPr/>
-            </p:nvSpPr>
-            <p:spPr>
-              <a:xfrm>
-                <a:off x="4559916" y="821982"/>
-                <a:ext cx="3075341" cy="1438151"/>
-              </a:xfrm>
-              <a:prstGeom prst="rect">
-                <a:avLst/>
-              </a:prstGeom>
-              <a:noFill/>
-            </p:spPr>
-            <p:txBody>
-              <a:bodyPr wrap="square" rtlCol="0">
-                <a:spAutoFit/>
-              </a:bodyPr>
-              <a:lstStyle/>
-              <a:p>
-                <a:r>
-                  <a:rPr lang="en-US" sz="1400" u="sng" dirty="0"/>
-                  <a:t>Yield</a:t>
-                </a:r>
-                <a:r>
-                  <a:rPr lang="en-US" sz="1400" dirty="0"/>
-                  <a:t> is extracted scaling as:</a:t>
-                </a:r>
-              </a:p>
-              <a:p>
-                <a:endParaRPr lang="en-US" sz="1400" dirty="0"/>
-              </a:p>
-              <a:p>
-                <a:pPr/>
-                <a14:m>
-                  <m:oMathPara xmlns:m="http://schemas.openxmlformats.org/officeDocument/2006/math">
-                    <m:oMathParaPr>
-                      <m:jc m:val="centerGroup"/>
-                    </m:oMathParaPr>
-                    <m:oMath xmlns:m="http://schemas.openxmlformats.org/officeDocument/2006/math">
-                      <m:r>
-                        <a:rPr lang="en-US" sz="1400" b="0" i="1" smtClean="0">
-                          <a:latin typeface="Cambria Math" panose="02040503050406030204" pitchFamily="18" charset="0"/>
-                        </a:rPr>
-                        <m:t>𝐻𝑖𝑠𝑡</m:t>
-                      </m:r>
-                      <m:r>
-                        <a:rPr lang="en-US" sz="1400" b="0" i="1" smtClean="0">
-                          <a:latin typeface="Cambria Math" panose="02040503050406030204" pitchFamily="18" charset="0"/>
-                        </a:rPr>
-                        <m:t>→</m:t>
-                      </m:r>
-                      <m:r>
-                        <a:rPr lang="en-US" sz="1400" b="0" i="1" smtClean="0">
-                          <a:latin typeface="Cambria Math" panose="02040503050406030204" pitchFamily="18" charset="0"/>
-                        </a:rPr>
-                        <m:t>𝑆𝑐𝑎𝑙𝑒</m:t>
-                      </m:r>
-                      <m:d>
-                        <m:dPr>
-                          <m:ctrlPr>
-                            <a:rPr lang="en-US" sz="1400" b="0" i="1" smtClean="0">
-                              <a:latin typeface="Cambria Math" panose="02040503050406030204" pitchFamily="18" charset="0"/>
-                            </a:rPr>
-                          </m:ctrlPr>
-                        </m:dPr>
-                        <m:e>
-                          <m:f>
-                            <m:fPr>
-                              <m:ctrlPr>
-                                <a:rPr lang="en-US" sz="1400" b="0" i="1" smtClean="0">
-                                  <a:latin typeface="Cambria Math" panose="02040503050406030204" pitchFamily="18" charset="0"/>
-                                </a:rPr>
-                              </m:ctrlPr>
-                            </m:fPr>
-                            <m:num>
-                              <m:r>
-                                <a:rPr lang="en-US" sz="1400" b="0" i="1" smtClean="0">
-                                  <a:latin typeface="Cambria Math" panose="02040503050406030204" pitchFamily="18" charset="0"/>
-                                </a:rPr>
-                                <m:t>𝐿𝑢𝑚𝑖</m:t>
-                              </m:r>
-                              <m:r>
-                                <a:rPr lang="en-US" sz="1400" b="0" i="1" smtClean="0">
-                                  <a:latin typeface="Cambria Math" panose="02040503050406030204" pitchFamily="18" charset="0"/>
-                                </a:rPr>
-                                <m:t> ∗</m:t>
-                              </m:r>
-                              <m:r>
-                                <a:rPr lang="en-US" sz="1400" b="0" i="1" smtClean="0">
-                                  <a:latin typeface="Cambria Math" panose="02040503050406030204" pitchFamily="18" charset="0"/>
-                                </a:rPr>
-                                <m:t>𝑋𝑆</m:t>
-                              </m:r>
-                            </m:num>
-                            <m:den>
-                              <m:r>
-                                <a:rPr lang="en-US" sz="1400" b="0" i="1" smtClean="0">
-                                  <a:latin typeface="Cambria Math" panose="02040503050406030204" pitchFamily="18" charset="0"/>
-                                </a:rPr>
-                                <m:t>𝐺𝑒𝑛𝐸𝑣𝑒𝑛𝑡𝑠</m:t>
-                              </m:r>
-                            </m:den>
-                          </m:f>
-                        </m:e>
-                      </m:d>
-                    </m:oMath>
-                  </m:oMathPara>
-                </a14:m>
-                <a:endParaRPr lang="en-US" sz="1400" b="0" dirty="0"/>
-              </a:p>
-              <a:p>
-                <a:endParaRPr lang="en-US" sz="1400" b="0" dirty="0"/>
-              </a:p>
-              <a:p>
-                <a:r>
-                  <a:rPr lang="en-US" sz="1400" dirty="0"/>
-                  <a:t>With </a:t>
-                </a:r>
-                <a:r>
-                  <a:rPr lang="en-US" sz="1400" dirty="0" err="1"/>
-                  <a:t>Lumi</a:t>
-                </a:r>
-                <a:r>
-                  <a:rPr lang="en-US" sz="1400" dirty="0"/>
-                  <a:t> = 35.9 fb</a:t>
-                </a:r>
-                <a:r>
-                  <a:rPr lang="en-US" sz="1400" baseline="30000" dirty="0"/>
-                  <a:t>-1</a:t>
-                </a:r>
-                <a:r>
-                  <a:rPr lang="en-US" sz="1400" dirty="0"/>
-                  <a:t> </a:t>
-                </a:r>
-                <a:endParaRPr lang="en-GB" sz="1400" dirty="0"/>
-              </a:p>
-            </p:txBody>
-          </p:sp>
-        </mc:Choice>
-        <mc:Fallback xmlns="">
-          <p:sp>
-            <p:nvSpPr>
-              <p:cNvPr id="8" name="TextBox 7"/>
-              <p:cNvSpPr txBox="1">
-                <a:spLocks noRot="1" noChangeAspect="1" noMove="1" noResize="1" noEditPoints="1" noAdjustHandles="1" noChangeArrowheads="1" noChangeShapeType="1" noTextEdit="1"/>
-              </p:cNvSpPr>
-              <p:nvPr/>
-            </p:nvSpPr>
-            <p:spPr>
-              <a:xfrm>
-                <a:off x="4559916" y="821982"/>
-                <a:ext cx="3075341" cy="1438151"/>
-              </a:xfrm>
-              <a:prstGeom prst="rect">
-                <a:avLst/>
-              </a:prstGeom>
-              <a:blipFill>
-                <a:blip r:embed="rId4"/>
-                <a:stretch>
-                  <a:fillRect l="-594" t="-847" b="-3390"/>
-                </a:stretch>
-              </a:blipFill>
-            </p:spPr>
-            <p:txBody>
-              <a:bodyPr/>
-              <a:lstStyle/>
-              <a:p>
-                <a:r>
-                  <a:rPr lang="en-GB">
-                    <a:noFill/>
-                  </a:rPr>
-                  <a:t> </a:t>
-                </a:r>
-              </a:p>
-            </p:txBody>
-          </p:sp>
-        </mc:Fallback>
-      </mc:AlternateContent>
-    </p:spTree>
-    <p:extLst>
-      <p:ext uri="{BB962C8B-B14F-4D97-AF65-F5344CB8AC3E}">
-        <p14:creationId xmlns:p14="http://schemas.microsoft.com/office/powerpoint/2010/main" val="2700147942"/>
-      </p:ext>
-    </p:extLst>
-  </p:cSld>
-  <p:clrMapOvr>
-    <a:masterClrMapping/>
-  </p:clrMapOvr>
-</p:sld>
-</file>
-
-<file path=ppt/slides/slide18.xml><?xml version="1.0" encoding="utf-8"?>
-<p:sld xmlns:a="http://schemas.openxmlformats.org/drawingml/2006/main" xmlns:r="http://schemas.openxmlformats.org/officeDocument/2006/relationships" xmlns:p="http://schemas.openxmlformats.org/presentationml/2006/main">
-  <p:cSld>
-    <p:spTree>
-      <p:nvGrpSpPr>
-        <p:cNvPr id="1" name=""/>
-        <p:cNvGrpSpPr/>
-        <p:nvPr/>
-      </p:nvGrpSpPr>
-      <p:grpSpPr>
-        <a:xfrm>
-          <a:off x="0" y="0"/>
-          <a:ext cx="0" cy="0"/>
-          <a:chOff x="0" y="0"/>
-          <a:chExt cx="0" cy="0"/>
-        </a:xfrm>
-      </p:grpSpPr>
-      <p:sp>
-        <p:nvSpPr>
-          <p:cNvPr id="3" name="Date Placeholder 2"/>
-          <p:cNvSpPr>
-            <a:spLocks noGrp="1"/>
-          </p:cNvSpPr>
-          <p:nvPr>
-            <p:ph type="dt" sz="half" idx="10"/>
-          </p:nvPr>
-        </p:nvSpPr>
-        <p:spPr/>
-        <p:txBody>
-          <a:bodyPr/>
-          <a:lstStyle/>
-          <a:p>
-            <a:r>
-              <a:rPr lang="en-US"/>
-              <a:t>8/5/2019</a:t>
-            </a:r>
-          </a:p>
-        </p:txBody>
-      </p:sp>
-      <p:sp>
-        <p:nvSpPr>
-          <p:cNvPr id="2" name="Title 1">
-            <a:extLst>
-              <a:ext uri="{FF2B5EF4-FFF2-40B4-BE49-F238E27FC236}">
-                <a16:creationId xmlns:a16="http://schemas.microsoft.com/office/drawing/2014/main" id="{5CF40D89-DF1E-8F4E-93AC-378FC1818147}"/>
-              </a:ext>
-            </a:extLst>
-          </p:cNvPr>
-          <p:cNvSpPr>
-            <a:spLocks noGrp="1"/>
-          </p:cNvSpPr>
-          <p:nvPr>
-            <p:ph type="title" idx="4294967295"/>
-          </p:nvPr>
-        </p:nvSpPr>
-        <p:spPr>
-          <a:xfrm>
-            <a:off x="494210" y="302849"/>
-            <a:ext cx="10515600" cy="338420"/>
-          </a:xfrm>
-        </p:spPr>
-        <p:txBody>
-          <a:bodyPr>
-            <a:normAutofit fontScale="90000"/>
-          </a:bodyPr>
-          <a:lstStyle/>
-          <a:p>
-            <a:pPr algn="ctr"/>
-            <a:r>
-              <a:rPr lang="en-US" sz="3600" dirty="0"/>
-              <a:t>Yields for Combinations of </a:t>
-            </a:r>
-            <a:r>
-              <a:rPr lang="en-US" sz="3600" dirty="0" err="1"/>
-              <a:t>mva</a:t>
-            </a:r>
-            <a:r>
-              <a:rPr lang="en-US" sz="3600" dirty="0"/>
-              <a:t> and b tagging</a:t>
-            </a:r>
-          </a:p>
-        </p:txBody>
-      </p:sp>
-      <p:sp>
-        <p:nvSpPr>
-          <p:cNvPr id="5" name="Footer Placeholder 4"/>
-          <p:cNvSpPr>
-            <a:spLocks noGrp="1"/>
-          </p:cNvSpPr>
-          <p:nvPr>
-            <p:ph type="ftr" sz="quarter" idx="11"/>
-          </p:nvPr>
-        </p:nvSpPr>
-        <p:spPr/>
-        <p:txBody>
-          <a:bodyPr/>
-          <a:lstStyle/>
-          <a:p>
-            <a:r>
-              <a:rPr lang="fi-FI"/>
-              <a:t>NTUA I. Papakrivopoulos, G. Bakas</a:t>
-            </a:r>
-            <a:endParaRPr lang="en-US"/>
-          </a:p>
-        </p:txBody>
-      </p:sp>
-      <p:sp>
-        <p:nvSpPr>
-          <p:cNvPr id="7" name="Slide Number Placeholder 6"/>
-          <p:cNvSpPr>
-            <a:spLocks noGrp="1"/>
-          </p:cNvSpPr>
-          <p:nvPr>
-            <p:ph type="sldNum" sz="quarter" idx="12"/>
-          </p:nvPr>
-        </p:nvSpPr>
-        <p:spPr/>
-        <p:txBody>
-          <a:bodyPr/>
-          <a:lstStyle/>
-          <a:p>
-            <a:fld id="{AEEFAC8D-0A19-DC49-9F7A-4BFCAD95B105}" type="slidenum">
-              <a:rPr lang="en-US" smtClean="0"/>
-              <a:t>18</a:t>
-            </a:fld>
-            <a:endParaRPr lang="en-US"/>
-          </a:p>
-        </p:txBody>
-      </p:sp>
-      <p:pic>
-        <p:nvPicPr>
-          <p:cNvPr id="4" name="Picture 3"/>
-          <p:cNvPicPr>
-            <a:picLocks noChangeAspect="1"/>
-          </p:cNvPicPr>
-          <p:nvPr/>
-        </p:nvPicPr>
-        <p:blipFill>
-          <a:blip r:embed="rId2">
-            <a:extLst>
-              <a:ext uri="{28A0092B-C50C-407E-A947-70E740481C1C}">
-                <a14:useLocalDpi xmlns:a14="http://schemas.microsoft.com/office/drawing/2010/main" val="0"/>
-              </a:ext>
-            </a:extLst>
-          </a:blip>
-          <a:stretch>
-            <a:fillRect/>
-          </a:stretch>
-        </p:blipFill>
-        <p:spPr>
-          <a:xfrm>
-            <a:off x="110172" y="1129294"/>
-            <a:ext cx="5987415" cy="3820477"/>
-          </a:xfrm>
-          <a:prstGeom prst="rect">
-            <a:avLst/>
-          </a:prstGeom>
-        </p:spPr>
-      </p:pic>
-      <p:pic>
-        <p:nvPicPr>
-          <p:cNvPr id="6" name="Picture 5"/>
-          <p:cNvPicPr>
-            <a:picLocks noChangeAspect="1"/>
-          </p:cNvPicPr>
-          <p:nvPr/>
-        </p:nvPicPr>
-        <p:blipFill>
-          <a:blip r:embed="rId3">
-            <a:extLst>
-              <a:ext uri="{28A0092B-C50C-407E-A947-70E740481C1C}">
-                <a14:useLocalDpi xmlns:a14="http://schemas.microsoft.com/office/drawing/2010/main" val="0"/>
-              </a:ext>
-            </a:extLst>
-          </a:blip>
-          <a:stretch>
-            <a:fillRect/>
-          </a:stretch>
-        </p:blipFill>
-        <p:spPr>
-          <a:xfrm>
-            <a:off x="6097587" y="1129295"/>
-            <a:ext cx="5987415" cy="3820477"/>
+          <a:xfrm rot="5400000">
+            <a:off x="1184753" y="483084"/>
+            <a:ext cx="3918585" cy="6120765"/>
           </a:xfrm>
           <a:prstGeom prst="rect">
             <a:avLst/>
@@ -6873,209 +6530,7 @@
     </p:spTree>
     <p:extLst>
       <p:ext uri="{BB962C8B-B14F-4D97-AF65-F5344CB8AC3E}">
-        <p14:creationId xmlns:p14="http://schemas.microsoft.com/office/powerpoint/2010/main" val="4050269619"/>
-      </p:ext>
-    </p:extLst>
-  </p:cSld>
-  <p:clrMapOvr>
-    <a:masterClrMapping/>
-  </p:clrMapOvr>
-</p:sld>
-</file>
-
-<file path=ppt/slides/slide19.xml><?xml version="1.0" encoding="utf-8"?>
-<p:sld xmlns:a="http://schemas.openxmlformats.org/drawingml/2006/main" xmlns:r="http://schemas.openxmlformats.org/officeDocument/2006/relationships" xmlns:p="http://schemas.openxmlformats.org/presentationml/2006/main">
-  <p:cSld>
-    <p:spTree>
-      <p:nvGrpSpPr>
-        <p:cNvPr id="1" name=""/>
-        <p:cNvGrpSpPr/>
-        <p:nvPr/>
-      </p:nvGrpSpPr>
-      <p:grpSpPr>
-        <a:xfrm>
-          <a:off x="0" y="0"/>
-          <a:ext cx="0" cy="0"/>
-          <a:chOff x="0" y="0"/>
-          <a:chExt cx="0" cy="0"/>
-        </a:xfrm>
-      </p:grpSpPr>
-      <p:sp>
-        <p:nvSpPr>
-          <p:cNvPr id="3" name="Date Placeholder 2"/>
-          <p:cNvSpPr>
-            <a:spLocks noGrp="1"/>
-          </p:cNvSpPr>
-          <p:nvPr>
-            <p:ph type="dt" sz="half" idx="10"/>
-          </p:nvPr>
-        </p:nvSpPr>
-        <p:spPr/>
-        <p:txBody>
-          <a:bodyPr/>
-          <a:lstStyle/>
-          <a:p>
-            <a:r>
-              <a:rPr lang="en-US"/>
-              <a:t>8/5/2019</a:t>
-            </a:r>
-          </a:p>
-        </p:txBody>
-      </p:sp>
-      <p:sp>
-        <p:nvSpPr>
-          <p:cNvPr id="2" name="Title 1">
-            <a:extLst>
-              <a:ext uri="{FF2B5EF4-FFF2-40B4-BE49-F238E27FC236}">
-                <a16:creationId xmlns:a16="http://schemas.microsoft.com/office/drawing/2014/main" id="{5CF40D89-DF1E-8F4E-93AC-378FC1818147}"/>
-              </a:ext>
-            </a:extLst>
-          </p:cNvPr>
-          <p:cNvSpPr>
-            <a:spLocks noGrp="1"/>
-          </p:cNvSpPr>
-          <p:nvPr>
-            <p:ph type="title" idx="4294967295"/>
-          </p:nvPr>
-        </p:nvSpPr>
-        <p:spPr>
-          <a:xfrm>
-            <a:off x="494210" y="302849"/>
-            <a:ext cx="10515600" cy="338420"/>
-          </a:xfrm>
-        </p:spPr>
-        <p:txBody>
-          <a:bodyPr>
-            <a:normAutofit fontScale="90000"/>
-          </a:bodyPr>
-          <a:lstStyle/>
-          <a:p>
-            <a:pPr algn="ctr"/>
-            <a:r>
-              <a:rPr lang="en-US" sz="3600" dirty="0"/>
-              <a:t>Yields for Combinations of </a:t>
-            </a:r>
-            <a:r>
-              <a:rPr lang="en-US" sz="3600" dirty="0" err="1"/>
-              <a:t>mva</a:t>
-            </a:r>
-            <a:r>
-              <a:rPr lang="en-US" sz="3600" dirty="0"/>
-              <a:t> and b tagging</a:t>
-            </a:r>
-          </a:p>
-        </p:txBody>
-      </p:sp>
-      <p:sp>
-        <p:nvSpPr>
-          <p:cNvPr id="5" name="Footer Placeholder 4"/>
-          <p:cNvSpPr>
-            <a:spLocks noGrp="1"/>
-          </p:cNvSpPr>
-          <p:nvPr>
-            <p:ph type="ftr" sz="quarter" idx="11"/>
-          </p:nvPr>
-        </p:nvSpPr>
-        <p:spPr/>
-        <p:txBody>
-          <a:bodyPr/>
-          <a:lstStyle/>
-          <a:p>
-            <a:r>
-              <a:rPr lang="fi-FI"/>
-              <a:t>NTUA I. Papakrivopoulos, G. Bakas</a:t>
-            </a:r>
-            <a:endParaRPr lang="en-US"/>
-          </a:p>
-        </p:txBody>
-      </p:sp>
-      <p:sp>
-        <p:nvSpPr>
-          <p:cNvPr id="7" name="Slide Number Placeholder 6"/>
-          <p:cNvSpPr>
-            <a:spLocks noGrp="1"/>
-          </p:cNvSpPr>
-          <p:nvPr>
-            <p:ph type="sldNum" sz="quarter" idx="12"/>
-          </p:nvPr>
-        </p:nvSpPr>
-        <p:spPr/>
-        <p:txBody>
-          <a:bodyPr/>
-          <a:lstStyle/>
-          <a:p>
-            <a:fld id="{AEEFAC8D-0A19-DC49-9F7A-4BFCAD95B105}" type="slidenum">
-              <a:rPr lang="en-US" smtClean="0"/>
-              <a:t>19</a:t>
-            </a:fld>
-            <a:endParaRPr lang="en-US"/>
-          </a:p>
-        </p:txBody>
-      </p:sp>
-      <p:pic>
-        <p:nvPicPr>
-          <p:cNvPr id="8" name="Picture 7"/>
-          <p:cNvPicPr>
-            <a:picLocks noChangeAspect="1"/>
-          </p:cNvPicPr>
-          <p:nvPr/>
-        </p:nvPicPr>
-        <p:blipFill>
-          <a:blip r:embed="rId2">
-            <a:extLst>
-              <a:ext uri="{28A0092B-C50C-407E-A947-70E740481C1C}">
-                <a14:useLocalDpi xmlns:a14="http://schemas.microsoft.com/office/drawing/2010/main" val="0"/>
-              </a:ext>
-            </a:extLst>
-          </a:blip>
-          <a:stretch>
-            <a:fillRect/>
-          </a:stretch>
-        </p:blipFill>
-        <p:spPr>
-          <a:xfrm>
-            <a:off x="6204585" y="1241263"/>
-            <a:ext cx="5987415" cy="3820477"/>
-          </a:xfrm>
-          <a:prstGeom prst="rect">
-            <a:avLst/>
-          </a:prstGeom>
-        </p:spPr>
-      </p:pic>
-      <p:pic>
-        <p:nvPicPr>
-          <p:cNvPr id="9" name="Picture 8"/>
-          <p:cNvPicPr>
-            <a:picLocks noChangeAspect="1"/>
-          </p:cNvPicPr>
-          <p:nvPr/>
-        </p:nvPicPr>
-        <p:blipFill>
-          <a:blip r:embed="rId3">
-            <a:extLst>
-              <a:ext uri="{28A0092B-C50C-407E-A947-70E740481C1C}">
-                <a14:useLocalDpi xmlns:a14="http://schemas.microsoft.com/office/drawing/2010/main" val="0"/>
-              </a:ext>
-            </a:extLst>
-          </a:blip>
-          <a:stretch>
-            <a:fillRect/>
-          </a:stretch>
-        </p:blipFill>
-        <p:spPr>
-          <a:xfrm>
-            <a:off x="217170" y="1241263"/>
-            <a:ext cx="5987415" cy="3820477"/>
-          </a:xfrm>
-          <a:prstGeom prst="rect">
-            <a:avLst/>
-          </a:prstGeom>
-        </p:spPr>
-      </p:pic>
-    </p:spTree>
-    <p:extLst>
-      <p:ext uri="{BB962C8B-B14F-4D97-AF65-F5344CB8AC3E}">
-        <p14:creationId xmlns:p14="http://schemas.microsoft.com/office/powerpoint/2010/main" val="3936523782"/>
+        <p14:creationId xmlns:p14="http://schemas.microsoft.com/office/powerpoint/2010/main" val="571602100"/>
       </p:ext>
     </p:extLst>
   </p:cSld>
